--- a/ОИ ОС.pptx
+++ b/ОИ ОС.pptx
@@ -5,12 +5,26 @@
     <p:sldMasterId id="2147483648" r:id="rId1"/>
   </p:sldMasterIdLst>
   <p:notesMasterIdLst>
-    <p:notesMasterId r:id="rId7"/>
+    <p:notesMasterId r:id="rId21"/>
   </p:notesMasterIdLst>
   <p:sldIdLst>
     <p:sldId id="256" r:id="rId4"/>
     <p:sldId id="257" r:id="rId5"/>
     <p:sldId id="258" r:id="rId6"/>
+    <p:sldId id="259" r:id="rId7"/>
+    <p:sldId id="260" r:id="rId8"/>
+    <p:sldId id="261" r:id="rId9"/>
+    <p:sldId id="262" r:id="rId10"/>
+    <p:sldId id="263" r:id="rId11"/>
+    <p:sldId id="264" r:id="rId12"/>
+    <p:sldId id="265" r:id="rId13"/>
+    <p:sldId id="266" r:id="rId14"/>
+    <p:sldId id="267" r:id="rId15"/>
+    <p:sldId id="268" r:id="rId16"/>
+    <p:sldId id="269" r:id="rId17"/>
+    <p:sldId id="270" r:id="rId18"/>
+    <p:sldId id="271" r:id="rId19"/>
+    <p:sldId id="272" r:id="rId20"/>
   </p:sldIdLst>
   <p:sldSz cx="12192000" cy="6858000"/>
   <p:notesSz cx="6858000" cy="9144000"/>
@@ -576,6 +590,662 @@
 </p:notes>
 </file>
 
+<file path=ppt/notesSlides/notesSlide10.xml><?xml version="1.0" encoding="utf-8"?>
+<p:notes xmlns:a="http://schemas.openxmlformats.org/drawingml/2006/main" xmlns:r="http://schemas.openxmlformats.org/officeDocument/2006/relationships" xmlns:p="http://schemas.openxmlformats.org/presentationml/2006/main" xmlns:m="http://schemas.openxmlformats.org/officeDocument/2006/math" xmlns:w="http://schemas.openxmlformats.org/wordprocessingml/2006/main">
+  <p:cSld name="">
+    <p:spTree>
+      <p:nvGrpSpPr>
+        <p:cNvPr id="1" name=""/>
+        <p:cNvGrpSpPr/>
+        <p:nvPr/>
+      </p:nvGrpSpPr>
+      <p:grpSpPr bwMode="auto">
+        <a:xfrm>
+          <a:off x="0" y="0"/>
+          <a:ext cx="0" cy="0"/>
+          <a:chOff x="0" y="0"/>
+          <a:chExt cx="0" cy="0"/>
+        </a:xfrm>
+      </p:grpSpPr>
+      <p:sp>
+        <p:nvSpPr>
+          <p:cNvPr id="1462273001" name="Slide Image Placeholder 1"/>
+          <p:cNvSpPr>
+            <a:spLocks noChangeAspect="1" noGrp="1" noRot="1"/>
+          </p:cNvSpPr>
+          <p:nvPr>
+            <p:ph type="sldImg"/>
+          </p:nvPr>
+        </p:nvSpPr>
+        <p:spPr bwMode="auto"/>
+      </p:sp>
+      <p:sp>
+        <p:nvSpPr>
+          <p:cNvPr id="476964500" name="Notes Placeholder 2"/>
+          <p:cNvSpPr>
+            <a:spLocks noGrp="1"/>
+          </p:cNvSpPr>
+          <p:nvPr>
+            <p:ph type="body" idx="1"/>
+          </p:nvPr>
+        </p:nvSpPr>
+        <p:spPr bwMode="auto"/>
+        <p:txBody>
+          <a:bodyPr/>
+          <a:lstStyle/>
+          <a:p>
+            <a:pPr>
+              <a:defRPr/>
+            </a:pPr>
+            <a:endParaRPr/>
+          </a:p>
+        </p:txBody>
+      </p:sp>
+      <p:sp>
+        <p:nvSpPr>
+          <p:cNvPr id="1083368805" name="Slide Number Placeholder 3"/>
+          <p:cNvSpPr>
+            <a:spLocks noGrp="1"/>
+          </p:cNvSpPr>
+          <p:nvPr>
+            <p:ph type="sldNum" sz="quarter" idx="10"/>
+          </p:nvPr>
+        </p:nvSpPr>
+        <p:spPr bwMode="auto"/>
+        <p:txBody>
+          <a:bodyPr/>
+          <a:lstStyle/>
+          <a:p>
+            <a:pPr>
+              <a:defRPr/>
+            </a:pPr>
+            <a:fld id="{1EF9A648-5CC5-60C5-227D-95550AFA96BD}" type="slidenum">
+              <a:rPr/>
+              <a:t/>
+            </a:fld>
+            <a:endParaRPr/>
+          </a:p>
+        </p:txBody>
+      </p:sp>
+    </p:spTree>
+  </p:cSld>
+</p:notes>
+</file>
+
+<file path=ppt/notesSlides/notesSlide11.xml><?xml version="1.0" encoding="utf-8"?>
+<p:notes xmlns:a="http://schemas.openxmlformats.org/drawingml/2006/main" xmlns:r="http://schemas.openxmlformats.org/officeDocument/2006/relationships" xmlns:p="http://schemas.openxmlformats.org/presentationml/2006/main" xmlns:m="http://schemas.openxmlformats.org/officeDocument/2006/math" xmlns:w="http://schemas.openxmlformats.org/wordprocessingml/2006/main">
+  <p:cSld name="">
+    <p:spTree>
+      <p:nvGrpSpPr>
+        <p:cNvPr id="1" name=""/>
+        <p:cNvGrpSpPr/>
+        <p:nvPr/>
+      </p:nvGrpSpPr>
+      <p:grpSpPr bwMode="auto">
+        <a:xfrm>
+          <a:off x="0" y="0"/>
+          <a:ext cx="0" cy="0"/>
+          <a:chOff x="0" y="0"/>
+          <a:chExt cx="0" cy="0"/>
+        </a:xfrm>
+      </p:grpSpPr>
+      <p:sp>
+        <p:nvSpPr>
+          <p:cNvPr id="1172317834" name="Slide Image Placeholder 1"/>
+          <p:cNvSpPr>
+            <a:spLocks noChangeAspect="1" noGrp="1" noRot="1"/>
+          </p:cNvSpPr>
+          <p:nvPr>
+            <p:ph type="sldImg"/>
+          </p:nvPr>
+        </p:nvSpPr>
+        <p:spPr bwMode="auto"/>
+      </p:sp>
+      <p:sp>
+        <p:nvSpPr>
+          <p:cNvPr id="436418032" name="Notes Placeholder 2"/>
+          <p:cNvSpPr>
+            <a:spLocks noGrp="1"/>
+          </p:cNvSpPr>
+          <p:nvPr>
+            <p:ph type="body" idx="1"/>
+          </p:nvPr>
+        </p:nvSpPr>
+        <p:spPr bwMode="auto"/>
+        <p:txBody>
+          <a:bodyPr/>
+          <a:lstStyle/>
+          <a:p>
+            <a:pPr>
+              <a:defRPr/>
+            </a:pPr>
+            <a:endParaRPr/>
+          </a:p>
+        </p:txBody>
+      </p:sp>
+      <p:sp>
+        <p:nvSpPr>
+          <p:cNvPr id="824250300" name="Slide Number Placeholder 3"/>
+          <p:cNvSpPr>
+            <a:spLocks noGrp="1"/>
+          </p:cNvSpPr>
+          <p:nvPr>
+            <p:ph type="sldNum" sz="quarter" idx="10"/>
+          </p:nvPr>
+        </p:nvSpPr>
+        <p:spPr bwMode="auto"/>
+        <p:txBody>
+          <a:bodyPr/>
+          <a:lstStyle/>
+          <a:p>
+            <a:pPr>
+              <a:defRPr/>
+            </a:pPr>
+            <a:fld id="{515CD552-D3CF-AC22-E7F9-DD351B250CB4}" type="slidenum">
+              <a:rPr/>
+              <a:t/>
+            </a:fld>
+            <a:endParaRPr/>
+          </a:p>
+        </p:txBody>
+      </p:sp>
+    </p:spTree>
+  </p:cSld>
+</p:notes>
+</file>
+
+<file path=ppt/notesSlides/notesSlide12.xml><?xml version="1.0" encoding="utf-8"?>
+<p:notes xmlns:a="http://schemas.openxmlformats.org/drawingml/2006/main" xmlns:r="http://schemas.openxmlformats.org/officeDocument/2006/relationships" xmlns:p="http://schemas.openxmlformats.org/presentationml/2006/main" xmlns:m="http://schemas.openxmlformats.org/officeDocument/2006/math" xmlns:w="http://schemas.openxmlformats.org/wordprocessingml/2006/main">
+  <p:cSld name="">
+    <p:spTree>
+      <p:nvGrpSpPr>
+        <p:cNvPr id="1" name=""/>
+        <p:cNvGrpSpPr/>
+        <p:nvPr/>
+      </p:nvGrpSpPr>
+      <p:grpSpPr bwMode="auto">
+        <a:xfrm>
+          <a:off x="0" y="0"/>
+          <a:ext cx="0" cy="0"/>
+          <a:chOff x="0" y="0"/>
+          <a:chExt cx="0" cy="0"/>
+        </a:xfrm>
+      </p:grpSpPr>
+      <p:sp>
+        <p:nvSpPr>
+          <p:cNvPr id="2" name="Slide Image Placeholder 1"/>
+          <p:cNvSpPr>
+            <a:spLocks noChangeAspect="1" noGrp="1" noRot="1"/>
+          </p:cNvSpPr>
+          <p:nvPr>
+            <p:ph type="sldImg"/>
+          </p:nvPr>
+        </p:nvSpPr>
+        <p:spPr bwMode="auto"/>
+      </p:sp>
+      <p:sp>
+        <p:nvSpPr>
+          <p:cNvPr id="3" name="Notes Placeholder 2"/>
+          <p:cNvSpPr>
+            <a:spLocks noGrp="1"/>
+          </p:cNvSpPr>
+          <p:nvPr>
+            <p:ph type="body" idx="1"/>
+          </p:nvPr>
+        </p:nvSpPr>
+        <p:spPr bwMode="auto"/>
+        <p:txBody>
+          <a:bodyPr/>
+          <a:lstStyle/>
+          <a:p>
+            <a:pPr>
+              <a:defRPr/>
+            </a:pPr>
+            <a:endParaRPr/>
+          </a:p>
+        </p:txBody>
+      </p:sp>
+      <p:sp>
+        <p:nvSpPr>
+          <p:cNvPr id="4" name="Slide Number Placeholder 3"/>
+          <p:cNvSpPr>
+            <a:spLocks noGrp="1"/>
+          </p:cNvSpPr>
+          <p:nvPr>
+            <p:ph type="sldNum" sz="quarter" idx="10"/>
+          </p:nvPr>
+        </p:nvSpPr>
+        <p:spPr bwMode="auto"/>
+        <p:txBody>
+          <a:bodyPr/>
+          <a:lstStyle/>
+          <a:p>
+            <a:pPr>
+              <a:defRPr/>
+            </a:pPr>
+            <a:fld id="{0EDAFE34-ADD4-1249-F595-DBF0C683CA81}" type="slidenum">
+              <a:rPr/>
+              <a:t/>
+            </a:fld>
+            <a:endParaRPr/>
+          </a:p>
+        </p:txBody>
+      </p:sp>
+    </p:spTree>
+  </p:cSld>
+</p:notes>
+</file>
+
+<file path=ppt/notesSlides/notesSlide13.xml><?xml version="1.0" encoding="utf-8"?>
+<p:notes xmlns:a="http://schemas.openxmlformats.org/drawingml/2006/main" xmlns:r="http://schemas.openxmlformats.org/officeDocument/2006/relationships" xmlns:p="http://schemas.openxmlformats.org/presentationml/2006/main" xmlns:m="http://schemas.openxmlformats.org/officeDocument/2006/math" xmlns:w="http://schemas.openxmlformats.org/wordprocessingml/2006/main">
+  <p:cSld name="">
+    <p:spTree>
+      <p:nvGrpSpPr>
+        <p:cNvPr id="1" name=""/>
+        <p:cNvGrpSpPr/>
+        <p:nvPr/>
+      </p:nvGrpSpPr>
+      <p:grpSpPr bwMode="auto">
+        <a:xfrm>
+          <a:off x="0" y="0"/>
+          <a:ext cx="0" cy="0"/>
+          <a:chOff x="0" y="0"/>
+          <a:chExt cx="0" cy="0"/>
+        </a:xfrm>
+      </p:grpSpPr>
+      <p:sp>
+        <p:nvSpPr>
+          <p:cNvPr id="382923739" name="Slide Image Placeholder 1"/>
+          <p:cNvSpPr>
+            <a:spLocks noChangeAspect="1" noGrp="1" noRot="1"/>
+          </p:cNvSpPr>
+          <p:nvPr>
+            <p:ph type="sldImg"/>
+          </p:nvPr>
+        </p:nvSpPr>
+        <p:spPr bwMode="auto"/>
+      </p:sp>
+      <p:sp>
+        <p:nvSpPr>
+          <p:cNvPr id="478132705" name="Notes Placeholder 2"/>
+          <p:cNvSpPr>
+            <a:spLocks noGrp="1"/>
+          </p:cNvSpPr>
+          <p:nvPr>
+            <p:ph type="body" idx="1"/>
+          </p:nvPr>
+        </p:nvSpPr>
+        <p:spPr bwMode="auto"/>
+        <p:txBody>
+          <a:bodyPr/>
+          <a:lstStyle/>
+          <a:p>
+            <a:pPr>
+              <a:defRPr/>
+            </a:pPr>
+            <a:endParaRPr/>
+          </a:p>
+        </p:txBody>
+      </p:sp>
+      <p:sp>
+        <p:nvSpPr>
+          <p:cNvPr id="551234306" name="Slide Number Placeholder 3"/>
+          <p:cNvSpPr>
+            <a:spLocks noGrp="1"/>
+          </p:cNvSpPr>
+          <p:nvPr>
+            <p:ph type="sldNum" sz="quarter" idx="10"/>
+          </p:nvPr>
+        </p:nvSpPr>
+        <p:spPr bwMode="auto"/>
+        <p:txBody>
+          <a:bodyPr/>
+          <a:lstStyle/>
+          <a:p>
+            <a:pPr>
+              <a:defRPr/>
+            </a:pPr>
+            <a:fld id="{E92CE322-BC04-F31B-2674-F5ACC4547DA8}" type="slidenum">
+              <a:rPr/>
+              <a:t/>
+            </a:fld>
+            <a:endParaRPr/>
+          </a:p>
+        </p:txBody>
+      </p:sp>
+    </p:spTree>
+  </p:cSld>
+</p:notes>
+</file>
+
+<file path=ppt/notesSlides/notesSlide14.xml><?xml version="1.0" encoding="utf-8"?>
+<p:notes xmlns:a="http://schemas.openxmlformats.org/drawingml/2006/main" xmlns:r="http://schemas.openxmlformats.org/officeDocument/2006/relationships" xmlns:p="http://schemas.openxmlformats.org/presentationml/2006/main" xmlns:m="http://schemas.openxmlformats.org/officeDocument/2006/math" xmlns:w="http://schemas.openxmlformats.org/wordprocessingml/2006/main">
+  <p:cSld name="">
+    <p:spTree>
+      <p:nvGrpSpPr>
+        <p:cNvPr id="1" name=""/>
+        <p:cNvGrpSpPr/>
+        <p:nvPr/>
+      </p:nvGrpSpPr>
+      <p:grpSpPr bwMode="auto">
+        <a:xfrm>
+          <a:off x="0" y="0"/>
+          <a:ext cx="0" cy="0"/>
+          <a:chOff x="0" y="0"/>
+          <a:chExt cx="0" cy="0"/>
+        </a:xfrm>
+      </p:grpSpPr>
+      <p:sp>
+        <p:nvSpPr>
+          <p:cNvPr id="254837846" name="Slide Image Placeholder 1"/>
+          <p:cNvSpPr>
+            <a:spLocks noChangeAspect="1" noGrp="1" noRot="1"/>
+          </p:cNvSpPr>
+          <p:nvPr>
+            <p:ph type="sldImg"/>
+          </p:nvPr>
+        </p:nvSpPr>
+        <p:spPr bwMode="auto"/>
+      </p:sp>
+      <p:sp>
+        <p:nvSpPr>
+          <p:cNvPr id="1724298158" name="Notes Placeholder 2"/>
+          <p:cNvSpPr>
+            <a:spLocks noGrp="1"/>
+          </p:cNvSpPr>
+          <p:nvPr>
+            <p:ph type="body" idx="1"/>
+          </p:nvPr>
+        </p:nvSpPr>
+        <p:spPr bwMode="auto"/>
+        <p:txBody>
+          <a:bodyPr/>
+          <a:lstStyle/>
+          <a:p>
+            <a:pPr>
+              <a:defRPr/>
+            </a:pPr>
+            <a:endParaRPr/>
+          </a:p>
+        </p:txBody>
+      </p:sp>
+      <p:sp>
+        <p:nvSpPr>
+          <p:cNvPr id="2073642708" name="Slide Number Placeholder 3"/>
+          <p:cNvSpPr>
+            <a:spLocks noGrp="1"/>
+          </p:cNvSpPr>
+          <p:nvPr>
+            <p:ph type="sldNum" sz="quarter" idx="10"/>
+          </p:nvPr>
+        </p:nvSpPr>
+        <p:spPr bwMode="auto"/>
+        <p:txBody>
+          <a:bodyPr/>
+          <a:lstStyle/>
+          <a:p>
+            <a:pPr>
+              <a:defRPr/>
+            </a:pPr>
+            <a:fld id="{47FCA13D-109E-1C94-F82A-5D177F8A3A8B}" type="slidenum">
+              <a:rPr/>
+              <a:t/>
+            </a:fld>
+            <a:endParaRPr/>
+          </a:p>
+        </p:txBody>
+      </p:sp>
+    </p:spTree>
+  </p:cSld>
+</p:notes>
+</file>
+
+<file path=ppt/notesSlides/notesSlide15.xml><?xml version="1.0" encoding="utf-8"?>
+<p:notes xmlns:a="http://schemas.openxmlformats.org/drawingml/2006/main" xmlns:r="http://schemas.openxmlformats.org/officeDocument/2006/relationships" xmlns:p="http://schemas.openxmlformats.org/presentationml/2006/main" xmlns:m="http://schemas.openxmlformats.org/officeDocument/2006/math" xmlns:w="http://schemas.openxmlformats.org/wordprocessingml/2006/main">
+  <p:cSld name="">
+    <p:spTree>
+      <p:nvGrpSpPr>
+        <p:cNvPr id="1" name=""/>
+        <p:cNvGrpSpPr/>
+        <p:nvPr/>
+      </p:nvGrpSpPr>
+      <p:grpSpPr bwMode="auto">
+        <a:xfrm>
+          <a:off x="0" y="0"/>
+          <a:ext cx="0" cy="0"/>
+          <a:chOff x="0" y="0"/>
+          <a:chExt cx="0" cy="0"/>
+        </a:xfrm>
+      </p:grpSpPr>
+      <p:sp>
+        <p:nvSpPr>
+          <p:cNvPr id="2" name="Slide Image Placeholder 1"/>
+          <p:cNvSpPr>
+            <a:spLocks noChangeAspect="1" noGrp="1" noRot="1"/>
+          </p:cNvSpPr>
+          <p:nvPr>
+            <p:ph type="sldImg"/>
+          </p:nvPr>
+        </p:nvSpPr>
+        <p:spPr bwMode="auto"/>
+      </p:sp>
+      <p:sp>
+        <p:nvSpPr>
+          <p:cNvPr id="3" name="Notes Placeholder 2"/>
+          <p:cNvSpPr>
+            <a:spLocks noGrp="1"/>
+          </p:cNvSpPr>
+          <p:nvPr>
+            <p:ph type="body" idx="1"/>
+          </p:nvPr>
+        </p:nvSpPr>
+        <p:spPr bwMode="auto"/>
+        <p:txBody>
+          <a:bodyPr/>
+          <a:lstStyle/>
+          <a:p>
+            <a:pPr>
+              <a:defRPr/>
+            </a:pPr>
+            <a:endParaRPr/>
+          </a:p>
+        </p:txBody>
+      </p:sp>
+      <p:sp>
+        <p:nvSpPr>
+          <p:cNvPr id="4" name="Slide Number Placeholder 3"/>
+          <p:cNvSpPr>
+            <a:spLocks noGrp="1"/>
+          </p:cNvSpPr>
+          <p:nvPr>
+            <p:ph type="sldNum" sz="quarter" idx="10"/>
+          </p:nvPr>
+        </p:nvSpPr>
+        <p:spPr bwMode="auto"/>
+        <p:txBody>
+          <a:bodyPr/>
+          <a:lstStyle/>
+          <a:p>
+            <a:pPr>
+              <a:defRPr/>
+            </a:pPr>
+            <a:fld id="{2B722146-91A8-03B8-AE72-EFAF45568C52}" type="slidenum">
+              <a:rPr/>
+              <a:t/>
+            </a:fld>
+            <a:endParaRPr/>
+          </a:p>
+        </p:txBody>
+      </p:sp>
+    </p:spTree>
+  </p:cSld>
+</p:notes>
+</file>
+
+<file path=ppt/notesSlides/notesSlide16.xml><?xml version="1.0" encoding="utf-8"?>
+<p:notes xmlns:a="http://schemas.openxmlformats.org/drawingml/2006/main" xmlns:r="http://schemas.openxmlformats.org/officeDocument/2006/relationships" xmlns:p="http://schemas.openxmlformats.org/presentationml/2006/main" xmlns:m="http://schemas.openxmlformats.org/officeDocument/2006/math" xmlns:w="http://schemas.openxmlformats.org/wordprocessingml/2006/main">
+  <p:cSld name="">
+    <p:spTree>
+      <p:nvGrpSpPr>
+        <p:cNvPr id="1" name=""/>
+        <p:cNvGrpSpPr/>
+        <p:nvPr/>
+      </p:nvGrpSpPr>
+      <p:grpSpPr bwMode="auto">
+        <a:xfrm>
+          <a:off x="0" y="0"/>
+          <a:ext cx="0" cy="0"/>
+          <a:chOff x="0" y="0"/>
+          <a:chExt cx="0" cy="0"/>
+        </a:xfrm>
+      </p:grpSpPr>
+      <p:sp>
+        <p:nvSpPr>
+          <p:cNvPr id="764287911" name="Slide Image Placeholder 1"/>
+          <p:cNvSpPr>
+            <a:spLocks noChangeAspect="1" noGrp="1" noRot="1"/>
+          </p:cNvSpPr>
+          <p:nvPr>
+            <p:ph type="sldImg"/>
+          </p:nvPr>
+        </p:nvSpPr>
+        <p:spPr bwMode="auto"/>
+      </p:sp>
+      <p:sp>
+        <p:nvSpPr>
+          <p:cNvPr id="2088722469" name="Notes Placeholder 2"/>
+          <p:cNvSpPr>
+            <a:spLocks noGrp="1"/>
+          </p:cNvSpPr>
+          <p:nvPr>
+            <p:ph type="body" idx="1"/>
+          </p:nvPr>
+        </p:nvSpPr>
+        <p:spPr bwMode="auto"/>
+        <p:txBody>
+          <a:bodyPr/>
+          <a:lstStyle/>
+          <a:p>
+            <a:pPr>
+              <a:defRPr/>
+            </a:pPr>
+            <a:endParaRPr/>
+          </a:p>
+        </p:txBody>
+      </p:sp>
+      <p:sp>
+        <p:nvSpPr>
+          <p:cNvPr id="1848928663" name="Slide Number Placeholder 3"/>
+          <p:cNvSpPr>
+            <a:spLocks noGrp="1"/>
+          </p:cNvSpPr>
+          <p:nvPr>
+            <p:ph type="sldNum" sz="quarter" idx="10"/>
+          </p:nvPr>
+        </p:nvSpPr>
+        <p:spPr bwMode="auto"/>
+        <p:txBody>
+          <a:bodyPr/>
+          <a:lstStyle/>
+          <a:p>
+            <a:pPr>
+              <a:defRPr/>
+            </a:pPr>
+            <a:fld id="{1FFAB1F5-FA50-A791-CD98-3956B27EC8B8}" type="slidenum">
+              <a:rPr/>
+              <a:t/>
+            </a:fld>
+            <a:endParaRPr/>
+          </a:p>
+        </p:txBody>
+      </p:sp>
+    </p:spTree>
+  </p:cSld>
+</p:notes>
+</file>
+
+<file path=ppt/notesSlides/notesSlide17.xml><?xml version="1.0" encoding="utf-8"?>
+<p:notes xmlns:a="http://schemas.openxmlformats.org/drawingml/2006/main" xmlns:r="http://schemas.openxmlformats.org/officeDocument/2006/relationships" xmlns:p="http://schemas.openxmlformats.org/presentationml/2006/main" xmlns:m="http://schemas.openxmlformats.org/officeDocument/2006/math" xmlns:w="http://schemas.openxmlformats.org/wordprocessingml/2006/main">
+  <p:cSld name="">
+    <p:spTree>
+      <p:nvGrpSpPr>
+        <p:cNvPr id="1" name=""/>
+        <p:cNvGrpSpPr/>
+        <p:nvPr/>
+      </p:nvGrpSpPr>
+      <p:grpSpPr bwMode="auto">
+        <a:xfrm>
+          <a:off x="0" y="0"/>
+          <a:ext cx="0" cy="0"/>
+          <a:chOff x="0" y="0"/>
+          <a:chExt cx="0" cy="0"/>
+        </a:xfrm>
+      </p:grpSpPr>
+      <p:sp>
+        <p:nvSpPr>
+          <p:cNvPr id="138548" name="Slide Image Placeholder 1"/>
+          <p:cNvSpPr>
+            <a:spLocks noChangeAspect="1" noGrp="1" noRot="1"/>
+          </p:cNvSpPr>
+          <p:nvPr>
+            <p:ph type="sldImg"/>
+          </p:nvPr>
+        </p:nvSpPr>
+        <p:spPr bwMode="auto"/>
+      </p:sp>
+      <p:sp>
+        <p:nvSpPr>
+          <p:cNvPr id="1789290512" name="Notes Placeholder 2"/>
+          <p:cNvSpPr>
+            <a:spLocks noGrp="1"/>
+          </p:cNvSpPr>
+          <p:nvPr>
+            <p:ph type="body" idx="1"/>
+          </p:nvPr>
+        </p:nvSpPr>
+        <p:spPr bwMode="auto"/>
+        <p:txBody>
+          <a:bodyPr/>
+          <a:lstStyle/>
+          <a:p>
+            <a:pPr>
+              <a:defRPr/>
+            </a:pPr>
+            <a:endParaRPr/>
+          </a:p>
+        </p:txBody>
+      </p:sp>
+      <p:sp>
+        <p:nvSpPr>
+          <p:cNvPr id="499837020" name="Slide Number Placeholder 3"/>
+          <p:cNvSpPr>
+            <a:spLocks noGrp="1"/>
+          </p:cNvSpPr>
+          <p:nvPr>
+            <p:ph type="sldNum" sz="quarter" idx="10"/>
+          </p:nvPr>
+        </p:nvSpPr>
+        <p:spPr bwMode="auto"/>
+        <p:txBody>
+          <a:bodyPr/>
+          <a:lstStyle/>
+          <a:p>
+            <a:pPr>
+              <a:defRPr/>
+            </a:pPr>
+            <a:fld id="{7AB10C97-3B57-E129-CC3C-89212F10D397}" type="slidenum">
+              <a:rPr/>
+              <a:t/>
+            </a:fld>
+            <a:endParaRPr/>
+          </a:p>
+        </p:txBody>
+      </p:sp>
+    </p:spTree>
+  </p:cSld>
+</p:notes>
+</file>
+
 <file path=ppt/notesSlides/notesSlide2.xml><?xml version="1.0" encoding="utf-8"?>
 <p:notes xmlns:a="http://schemas.openxmlformats.org/drawingml/2006/main" xmlns:r="http://schemas.openxmlformats.org/officeDocument/2006/relationships" xmlns:p="http://schemas.openxmlformats.org/presentationml/2006/main" xmlns:m="http://schemas.openxmlformats.org/officeDocument/2006/math" xmlns:w="http://schemas.openxmlformats.org/wordprocessingml/2006/main">
   <p:cSld name="">
@@ -727,7 +1397,499 @@
             <a:pPr>
               <a:defRPr/>
             </a:pPr>
+            <a:fld id="{A0418985-69FE-42F7-6475-DF76530844F7}" type="slidenum">
+              <a:rPr/>
+              <a:t/>
+            </a:fld>
+            <a:endParaRPr/>
+          </a:p>
+        </p:txBody>
+      </p:sp>
+    </p:spTree>
+  </p:cSld>
+</p:notes>
+</file>
+
+<file path=ppt/notesSlides/notesSlide4.xml><?xml version="1.0" encoding="utf-8"?>
+<p:notes xmlns:a="http://schemas.openxmlformats.org/drawingml/2006/main" xmlns:r="http://schemas.openxmlformats.org/officeDocument/2006/relationships" xmlns:p="http://schemas.openxmlformats.org/presentationml/2006/main" xmlns:m="http://schemas.openxmlformats.org/officeDocument/2006/math" xmlns:w="http://schemas.openxmlformats.org/wordprocessingml/2006/main">
+  <p:cSld name="">
+    <p:spTree>
+      <p:nvGrpSpPr>
+        <p:cNvPr id="1" name=""/>
+        <p:cNvGrpSpPr/>
+        <p:nvPr/>
+      </p:nvGrpSpPr>
+      <p:grpSpPr bwMode="auto">
+        <a:xfrm>
+          <a:off x="0" y="0"/>
+          <a:ext cx="0" cy="0"/>
+          <a:chOff x="0" y="0"/>
+          <a:chExt cx="0" cy="0"/>
+        </a:xfrm>
+      </p:grpSpPr>
+      <p:sp>
+        <p:nvSpPr>
+          <p:cNvPr id="75913664" name="Slide Image Placeholder 1"/>
+          <p:cNvSpPr>
+            <a:spLocks noChangeAspect="1" noGrp="1" noRot="1"/>
+          </p:cNvSpPr>
+          <p:nvPr>
+            <p:ph type="sldImg"/>
+          </p:nvPr>
+        </p:nvSpPr>
+        <p:spPr bwMode="auto"/>
+      </p:sp>
+      <p:sp>
+        <p:nvSpPr>
+          <p:cNvPr id="1372616749" name="Notes Placeholder 2"/>
+          <p:cNvSpPr>
+            <a:spLocks noGrp="1"/>
+          </p:cNvSpPr>
+          <p:nvPr>
+            <p:ph type="body" idx="1"/>
+          </p:nvPr>
+        </p:nvSpPr>
+        <p:spPr bwMode="auto"/>
+        <p:txBody>
+          <a:bodyPr/>
+          <a:lstStyle/>
+          <a:p>
+            <a:pPr>
+              <a:defRPr/>
+            </a:pPr>
+            <a:endParaRPr/>
+          </a:p>
+        </p:txBody>
+      </p:sp>
+      <p:sp>
+        <p:nvSpPr>
+          <p:cNvPr id="1316032817" name="Slide Number Placeholder 3"/>
+          <p:cNvSpPr>
+            <a:spLocks noGrp="1"/>
+          </p:cNvSpPr>
+          <p:nvPr>
+            <p:ph type="sldNum" sz="quarter" idx="10"/>
+          </p:nvPr>
+        </p:nvSpPr>
+        <p:spPr bwMode="auto"/>
+        <p:txBody>
+          <a:bodyPr/>
+          <a:lstStyle/>
+          <a:p>
+            <a:pPr>
+              <a:defRPr/>
+            </a:pPr>
+            <a:fld id="{55FF3C95-079A-AF5C-CC4D-8B9BFA771586}" type="slidenum">
+              <a:rPr/>
+              <a:t/>
+            </a:fld>
+            <a:endParaRPr/>
+          </a:p>
+        </p:txBody>
+      </p:sp>
+    </p:spTree>
+  </p:cSld>
+</p:notes>
+</file>
+
+<file path=ppt/notesSlides/notesSlide5.xml><?xml version="1.0" encoding="utf-8"?>
+<p:notes xmlns:a="http://schemas.openxmlformats.org/drawingml/2006/main" xmlns:r="http://schemas.openxmlformats.org/officeDocument/2006/relationships" xmlns:p="http://schemas.openxmlformats.org/presentationml/2006/main" xmlns:m="http://schemas.openxmlformats.org/officeDocument/2006/math" xmlns:w="http://schemas.openxmlformats.org/wordprocessingml/2006/main">
+  <p:cSld name="">
+    <p:spTree>
+      <p:nvGrpSpPr>
+        <p:cNvPr id="1" name=""/>
+        <p:cNvGrpSpPr/>
+        <p:nvPr/>
+      </p:nvGrpSpPr>
+      <p:grpSpPr bwMode="auto">
+        <a:xfrm>
+          <a:off x="0" y="0"/>
+          <a:ext cx="0" cy="0"/>
+          <a:chOff x="0" y="0"/>
+          <a:chExt cx="0" cy="0"/>
+        </a:xfrm>
+      </p:grpSpPr>
+      <p:sp>
+        <p:nvSpPr>
+          <p:cNvPr id="1140512165" name="Slide Image Placeholder 1"/>
+          <p:cNvSpPr>
+            <a:spLocks noChangeAspect="1" noGrp="1" noRot="1"/>
+          </p:cNvSpPr>
+          <p:nvPr>
+            <p:ph type="sldImg"/>
+          </p:nvPr>
+        </p:nvSpPr>
+        <p:spPr bwMode="auto"/>
+      </p:sp>
+      <p:sp>
+        <p:nvSpPr>
+          <p:cNvPr id="1031054424" name="Notes Placeholder 2"/>
+          <p:cNvSpPr>
+            <a:spLocks noGrp="1"/>
+          </p:cNvSpPr>
+          <p:nvPr>
+            <p:ph type="body" idx="1"/>
+          </p:nvPr>
+        </p:nvSpPr>
+        <p:spPr bwMode="auto"/>
+        <p:txBody>
+          <a:bodyPr/>
+          <a:lstStyle/>
+          <a:p>
+            <a:pPr>
+              <a:defRPr/>
+            </a:pPr>
+            <a:endParaRPr/>
+          </a:p>
+        </p:txBody>
+      </p:sp>
+      <p:sp>
+        <p:nvSpPr>
+          <p:cNvPr id="630621566" name="Slide Number Placeholder 3"/>
+          <p:cNvSpPr>
+            <a:spLocks noGrp="1"/>
+          </p:cNvSpPr>
+          <p:nvPr>
+            <p:ph type="sldNum" sz="quarter" idx="10"/>
+          </p:nvPr>
+        </p:nvSpPr>
+        <p:spPr bwMode="auto"/>
+        <p:txBody>
+          <a:bodyPr/>
+          <a:lstStyle/>
+          <a:p>
+            <a:pPr>
+              <a:defRPr/>
+            </a:pPr>
+            <a:fld id="{1D18EB61-C7EA-2DD9-BACE-EA5B7D6E3EDB}" type="slidenum">
+              <a:rPr/>
+              <a:t/>
+            </a:fld>
+            <a:endParaRPr/>
+          </a:p>
+        </p:txBody>
+      </p:sp>
+    </p:spTree>
+  </p:cSld>
+</p:notes>
+</file>
+
+<file path=ppt/notesSlides/notesSlide6.xml><?xml version="1.0" encoding="utf-8"?>
+<p:notes xmlns:a="http://schemas.openxmlformats.org/drawingml/2006/main" xmlns:r="http://schemas.openxmlformats.org/officeDocument/2006/relationships" xmlns:p="http://schemas.openxmlformats.org/presentationml/2006/main" xmlns:m="http://schemas.openxmlformats.org/officeDocument/2006/math" xmlns:w="http://schemas.openxmlformats.org/wordprocessingml/2006/main">
+  <p:cSld name="">
+    <p:spTree>
+      <p:nvGrpSpPr>
+        <p:cNvPr id="1" name=""/>
+        <p:cNvGrpSpPr/>
+        <p:nvPr/>
+      </p:nvGrpSpPr>
+      <p:grpSpPr bwMode="auto">
+        <a:xfrm>
+          <a:off x="0" y="0"/>
+          <a:ext cx="0" cy="0"/>
+          <a:chOff x="0" y="0"/>
+          <a:chExt cx="0" cy="0"/>
+        </a:xfrm>
+      </p:grpSpPr>
+      <p:sp>
+        <p:nvSpPr>
+          <p:cNvPr id="2" name="Slide Image Placeholder 1"/>
+          <p:cNvSpPr>
+            <a:spLocks noChangeAspect="1" noGrp="1" noRot="1"/>
+          </p:cNvSpPr>
+          <p:nvPr>
+            <p:ph type="sldImg"/>
+          </p:nvPr>
+        </p:nvSpPr>
+        <p:spPr bwMode="auto"/>
+      </p:sp>
+      <p:sp>
+        <p:nvSpPr>
+          <p:cNvPr id="3" name="Notes Placeholder 2"/>
+          <p:cNvSpPr>
+            <a:spLocks noGrp="1"/>
+          </p:cNvSpPr>
+          <p:nvPr>
+            <p:ph type="body" idx="1"/>
+          </p:nvPr>
+        </p:nvSpPr>
+        <p:spPr bwMode="auto"/>
+        <p:txBody>
+          <a:bodyPr/>
+          <a:lstStyle/>
+          <a:p>
+            <a:pPr>
+              <a:defRPr/>
+            </a:pPr>
+            <a:endParaRPr/>
+          </a:p>
+        </p:txBody>
+      </p:sp>
+      <p:sp>
+        <p:nvSpPr>
+          <p:cNvPr id="4" name="Slide Number Placeholder 3"/>
+          <p:cNvSpPr>
+            <a:spLocks noGrp="1"/>
+          </p:cNvSpPr>
+          <p:nvPr>
+            <p:ph type="sldNum" sz="quarter" idx="10"/>
+          </p:nvPr>
+        </p:nvSpPr>
+        <p:spPr bwMode="auto"/>
+        <p:txBody>
+          <a:bodyPr/>
+          <a:lstStyle/>
+          <a:p>
+            <a:pPr>
+              <a:defRPr/>
+            </a:pPr>
             <a:fld id="{4996A698-F5CD-7459-3A17-E2C274FB2186}" type="slidenum">
+              <a:rPr/>
+              <a:t/>
+            </a:fld>
+            <a:endParaRPr/>
+          </a:p>
+        </p:txBody>
+      </p:sp>
+    </p:spTree>
+  </p:cSld>
+</p:notes>
+</file>
+
+<file path=ppt/notesSlides/notesSlide7.xml><?xml version="1.0" encoding="utf-8"?>
+<p:notes xmlns:a="http://schemas.openxmlformats.org/drawingml/2006/main" xmlns:r="http://schemas.openxmlformats.org/officeDocument/2006/relationships" xmlns:p="http://schemas.openxmlformats.org/presentationml/2006/main" xmlns:m="http://schemas.openxmlformats.org/officeDocument/2006/math" xmlns:w="http://schemas.openxmlformats.org/wordprocessingml/2006/main">
+  <p:cSld name="">
+    <p:spTree>
+      <p:nvGrpSpPr>
+        <p:cNvPr id="1" name=""/>
+        <p:cNvGrpSpPr/>
+        <p:nvPr/>
+      </p:nvGrpSpPr>
+      <p:grpSpPr bwMode="auto">
+        <a:xfrm>
+          <a:off x="0" y="0"/>
+          <a:ext cx="0" cy="0"/>
+          <a:chOff x="0" y="0"/>
+          <a:chExt cx="0" cy="0"/>
+        </a:xfrm>
+      </p:grpSpPr>
+      <p:sp>
+        <p:nvSpPr>
+          <p:cNvPr id="2" name="Slide Image Placeholder 1"/>
+          <p:cNvSpPr>
+            <a:spLocks noChangeAspect="1" noGrp="1" noRot="1"/>
+          </p:cNvSpPr>
+          <p:nvPr>
+            <p:ph type="sldImg"/>
+          </p:nvPr>
+        </p:nvSpPr>
+        <p:spPr bwMode="auto"/>
+      </p:sp>
+      <p:sp>
+        <p:nvSpPr>
+          <p:cNvPr id="3" name="Notes Placeholder 2"/>
+          <p:cNvSpPr>
+            <a:spLocks noGrp="1"/>
+          </p:cNvSpPr>
+          <p:nvPr>
+            <p:ph type="body" idx="1"/>
+          </p:nvPr>
+        </p:nvSpPr>
+        <p:spPr bwMode="auto"/>
+        <p:txBody>
+          <a:bodyPr/>
+          <a:lstStyle/>
+          <a:p>
+            <a:pPr>
+              <a:defRPr/>
+            </a:pPr>
+            <a:endParaRPr/>
+          </a:p>
+        </p:txBody>
+      </p:sp>
+      <p:sp>
+        <p:nvSpPr>
+          <p:cNvPr id="4" name="Slide Number Placeholder 3"/>
+          <p:cNvSpPr>
+            <a:spLocks noGrp="1"/>
+          </p:cNvSpPr>
+          <p:nvPr>
+            <p:ph type="sldNum" sz="quarter" idx="10"/>
+          </p:nvPr>
+        </p:nvSpPr>
+        <p:spPr bwMode="auto"/>
+        <p:txBody>
+          <a:bodyPr/>
+          <a:lstStyle/>
+          <a:p>
+            <a:pPr>
+              <a:defRPr/>
+            </a:pPr>
+            <a:fld id="{2D16678C-6841-7D27-2C76-A09CF58C5C05}" type="slidenum">
+              <a:rPr/>
+              <a:t/>
+            </a:fld>
+            <a:endParaRPr/>
+          </a:p>
+        </p:txBody>
+      </p:sp>
+    </p:spTree>
+  </p:cSld>
+</p:notes>
+</file>
+
+<file path=ppt/notesSlides/notesSlide8.xml><?xml version="1.0" encoding="utf-8"?>
+<p:notes xmlns:a="http://schemas.openxmlformats.org/drawingml/2006/main" xmlns:r="http://schemas.openxmlformats.org/officeDocument/2006/relationships" xmlns:p="http://schemas.openxmlformats.org/presentationml/2006/main" xmlns:m="http://schemas.openxmlformats.org/officeDocument/2006/math" xmlns:w="http://schemas.openxmlformats.org/wordprocessingml/2006/main">
+  <p:cSld name="">
+    <p:spTree>
+      <p:nvGrpSpPr>
+        <p:cNvPr id="1" name=""/>
+        <p:cNvGrpSpPr/>
+        <p:nvPr/>
+      </p:nvGrpSpPr>
+      <p:grpSpPr bwMode="auto">
+        <a:xfrm>
+          <a:off x="0" y="0"/>
+          <a:ext cx="0" cy="0"/>
+          <a:chOff x="0" y="0"/>
+          <a:chExt cx="0" cy="0"/>
+        </a:xfrm>
+      </p:grpSpPr>
+      <p:sp>
+        <p:nvSpPr>
+          <p:cNvPr id="2" name="Slide Image Placeholder 1"/>
+          <p:cNvSpPr>
+            <a:spLocks noChangeAspect="1" noGrp="1" noRot="1"/>
+          </p:cNvSpPr>
+          <p:nvPr>
+            <p:ph type="sldImg"/>
+          </p:nvPr>
+        </p:nvSpPr>
+        <p:spPr bwMode="auto"/>
+      </p:sp>
+      <p:sp>
+        <p:nvSpPr>
+          <p:cNvPr id="3" name="Notes Placeholder 2"/>
+          <p:cNvSpPr>
+            <a:spLocks noGrp="1"/>
+          </p:cNvSpPr>
+          <p:nvPr>
+            <p:ph type="body" idx="1"/>
+          </p:nvPr>
+        </p:nvSpPr>
+        <p:spPr bwMode="auto"/>
+        <p:txBody>
+          <a:bodyPr/>
+          <a:lstStyle/>
+          <a:p>
+            <a:pPr>
+              <a:defRPr/>
+            </a:pPr>
+            <a:endParaRPr/>
+          </a:p>
+        </p:txBody>
+      </p:sp>
+      <p:sp>
+        <p:nvSpPr>
+          <p:cNvPr id="4" name="Slide Number Placeholder 3"/>
+          <p:cNvSpPr>
+            <a:spLocks noGrp="1"/>
+          </p:cNvSpPr>
+          <p:nvPr>
+            <p:ph type="sldNum" sz="quarter" idx="10"/>
+          </p:nvPr>
+        </p:nvSpPr>
+        <p:spPr bwMode="auto"/>
+        <p:txBody>
+          <a:bodyPr/>
+          <a:lstStyle/>
+          <a:p>
+            <a:pPr>
+              <a:defRPr/>
+            </a:pPr>
+            <a:fld id="{00DFC363-9098-C6AE-B881-76DC3F98D78A}" type="slidenum">
+              <a:rPr/>
+              <a:t/>
+            </a:fld>
+            <a:endParaRPr/>
+          </a:p>
+        </p:txBody>
+      </p:sp>
+    </p:spTree>
+  </p:cSld>
+</p:notes>
+</file>
+
+<file path=ppt/notesSlides/notesSlide9.xml><?xml version="1.0" encoding="utf-8"?>
+<p:notes xmlns:a="http://schemas.openxmlformats.org/drawingml/2006/main" xmlns:r="http://schemas.openxmlformats.org/officeDocument/2006/relationships" xmlns:p="http://schemas.openxmlformats.org/presentationml/2006/main" xmlns:m="http://schemas.openxmlformats.org/officeDocument/2006/math" xmlns:w="http://schemas.openxmlformats.org/wordprocessingml/2006/main">
+  <p:cSld name="">
+    <p:spTree>
+      <p:nvGrpSpPr>
+        <p:cNvPr id="1" name=""/>
+        <p:cNvGrpSpPr/>
+        <p:nvPr/>
+      </p:nvGrpSpPr>
+      <p:grpSpPr bwMode="auto">
+        <a:xfrm>
+          <a:off x="0" y="0"/>
+          <a:ext cx="0" cy="0"/>
+          <a:chOff x="0" y="0"/>
+          <a:chExt cx="0" cy="0"/>
+        </a:xfrm>
+      </p:grpSpPr>
+      <p:sp>
+        <p:nvSpPr>
+          <p:cNvPr id="2" name="Slide Image Placeholder 1"/>
+          <p:cNvSpPr>
+            <a:spLocks noChangeAspect="1" noGrp="1" noRot="1"/>
+          </p:cNvSpPr>
+          <p:nvPr>
+            <p:ph type="sldImg"/>
+          </p:nvPr>
+        </p:nvSpPr>
+        <p:spPr bwMode="auto"/>
+      </p:sp>
+      <p:sp>
+        <p:nvSpPr>
+          <p:cNvPr id="3" name="Notes Placeholder 2"/>
+          <p:cNvSpPr>
+            <a:spLocks noGrp="1"/>
+          </p:cNvSpPr>
+          <p:nvPr>
+            <p:ph type="body" idx="1"/>
+          </p:nvPr>
+        </p:nvSpPr>
+        <p:spPr bwMode="auto"/>
+        <p:txBody>
+          <a:bodyPr/>
+          <a:lstStyle/>
+          <a:p>
+            <a:pPr>
+              <a:defRPr/>
+            </a:pPr>
+            <a:endParaRPr/>
+          </a:p>
+        </p:txBody>
+      </p:sp>
+      <p:sp>
+        <p:nvSpPr>
+          <p:cNvPr id="4" name="Slide Number Placeholder 3"/>
+          <p:cNvSpPr>
+            <a:spLocks noGrp="1"/>
+          </p:cNvSpPr>
+          <p:nvPr>
+            <p:ph type="sldNum" sz="quarter" idx="10"/>
+          </p:nvPr>
+        </p:nvSpPr>
+        <p:spPr bwMode="auto"/>
+        <p:txBody>
+          <a:bodyPr/>
+          <a:lstStyle/>
+          <a:p>
+            <a:pPr>
+              <a:defRPr/>
+            </a:pPr>
+            <a:fld id="{EDD5E72F-74D5-72B9-41EE-69972C8FFCCD}" type="slidenum">
               <a:rPr/>
               <a:t/>
             </a:fld>
@@ -3902,6 +5064,3100 @@
 </p:sld>
 </file>
 
+<file path=ppt/slides/slide10.xml><?xml version="1.0" encoding="utf-8"?>
+<p:sld xmlns:a="http://schemas.openxmlformats.org/drawingml/2006/main" xmlns:r="http://schemas.openxmlformats.org/officeDocument/2006/relationships" xmlns:p="http://schemas.openxmlformats.org/presentationml/2006/main" xmlns:m="http://schemas.openxmlformats.org/officeDocument/2006/math" xmlns:w="http://schemas.openxmlformats.org/wordprocessingml/2006/main" xmlns:mc="http://schemas.openxmlformats.org/markup-compatibility/2006" showMasterPhAnim="0" showMasterSp="1" show="1">
+  <p:cSld name="">
+    <p:spTree>
+      <p:nvGrpSpPr>
+        <p:cNvPr id="1" name=""/>
+        <p:cNvGrpSpPr/>
+        <p:nvPr/>
+      </p:nvGrpSpPr>
+      <p:grpSpPr bwMode="auto">
+        <a:xfrm>
+          <a:off x="0" y="0"/>
+          <a:ext cx="0" cy="0"/>
+          <a:chOff x="0" y="0"/>
+          <a:chExt cx="0" cy="0"/>
+        </a:xfrm>
+      </p:grpSpPr>
+      <p:pic>
+        <p:nvPicPr>
+          <p:cNvPr id="716398359" name=""/>
+          <p:cNvPicPr>
+            <a:picLocks noChangeAspect="1"/>
+          </p:cNvPicPr>
+          <p:nvPr/>
+        </p:nvPicPr>
+        <p:blipFill>
+          <a:blip r:embed="rId3"/>
+          <a:stretch/>
+        </p:blipFill>
+        <p:spPr bwMode="auto">
+          <a:xfrm>
+            <a:off x="7227301" y="782721"/>
+            <a:ext cx="4114800" cy="1066798"/>
+          </a:xfrm>
+          <a:prstGeom prst="rect">
+            <a:avLst/>
+          </a:prstGeom>
+        </p:spPr>
+      </p:pic>
+      <p:pic>
+        <p:nvPicPr>
+          <p:cNvPr id="1724773624" name=""/>
+          <p:cNvPicPr>
+            <a:picLocks noChangeAspect="1"/>
+          </p:cNvPicPr>
+          <p:nvPr/>
+        </p:nvPicPr>
+        <p:blipFill>
+          <a:blip r:embed="rId4"/>
+          <a:stretch/>
+        </p:blipFill>
+        <p:spPr bwMode="auto">
+          <a:xfrm>
+            <a:off x="9330738" y="2266420"/>
+            <a:ext cx="1666873" cy="1666873"/>
+          </a:xfrm>
+          <a:prstGeom prst="rect">
+            <a:avLst/>
+          </a:prstGeom>
+        </p:spPr>
+      </p:pic>
+      <p:pic>
+        <p:nvPicPr>
+          <p:cNvPr id="1322018610" name=""/>
+          <p:cNvPicPr>
+            <a:picLocks noChangeAspect="1"/>
+          </p:cNvPicPr>
+          <p:nvPr/>
+        </p:nvPicPr>
+        <p:blipFill>
+          <a:blip r:embed="rId5"/>
+          <a:stretch/>
+        </p:blipFill>
+        <p:spPr bwMode="auto">
+          <a:xfrm>
+            <a:off x="6568092" y="2384564"/>
+            <a:ext cx="2038348" cy="2238373"/>
+          </a:xfrm>
+          <a:prstGeom prst="rect">
+            <a:avLst/>
+          </a:prstGeom>
+        </p:spPr>
+      </p:pic>
+      <p:pic>
+        <p:nvPicPr>
+          <p:cNvPr id="474620197" name=""/>
+          <p:cNvPicPr>
+            <a:picLocks noChangeAspect="1"/>
+          </p:cNvPicPr>
+          <p:nvPr/>
+        </p:nvPicPr>
+        <p:blipFill>
+          <a:blip r:embed="rId6"/>
+          <a:stretch/>
+        </p:blipFill>
+        <p:spPr bwMode="auto">
+          <a:xfrm>
+            <a:off x="833436" y="894011"/>
+            <a:ext cx="1666873" cy="1666873"/>
+          </a:xfrm>
+          <a:prstGeom prst="rect">
+            <a:avLst/>
+          </a:prstGeom>
+        </p:spPr>
+      </p:pic>
+      <p:pic>
+        <p:nvPicPr>
+          <p:cNvPr id="1649390033" name=""/>
+          <p:cNvPicPr>
+            <a:picLocks noChangeAspect="1"/>
+          </p:cNvPicPr>
+          <p:nvPr/>
+        </p:nvPicPr>
+        <p:blipFill>
+          <a:blip r:embed="rId7"/>
+          <a:stretch/>
+        </p:blipFill>
+        <p:spPr bwMode="auto">
+          <a:xfrm>
+            <a:off x="833436" y="3463255"/>
+            <a:ext cx="1666873" cy="1666873"/>
+          </a:xfrm>
+          <a:prstGeom prst="rect">
+            <a:avLst/>
+          </a:prstGeom>
+        </p:spPr>
+      </p:pic>
+      <p:pic>
+        <p:nvPicPr>
+          <p:cNvPr id="1976256991" name=""/>
+          <p:cNvPicPr>
+            <a:picLocks noChangeAspect="1"/>
+          </p:cNvPicPr>
+          <p:nvPr/>
+        </p:nvPicPr>
+        <p:blipFill>
+          <a:blip r:embed="rId8"/>
+          <a:stretch/>
+        </p:blipFill>
+        <p:spPr bwMode="auto">
+          <a:xfrm flipH="0" flipV="0">
+            <a:off x="4347441" y="473685"/>
+            <a:ext cx="1684867" cy="1684867"/>
+          </a:xfrm>
+          <a:prstGeom prst="rect">
+            <a:avLst/>
+          </a:prstGeom>
+        </p:spPr>
+      </p:pic>
+      <p:pic>
+        <p:nvPicPr>
+          <p:cNvPr id="323606845" name=""/>
+          <p:cNvPicPr>
+            <a:picLocks noChangeAspect="1"/>
+          </p:cNvPicPr>
+          <p:nvPr/>
+        </p:nvPicPr>
+        <p:blipFill>
+          <a:blip r:embed="rId9"/>
+          <a:srcRect l="22863" t="11428" r="22328" b="9673"/>
+          <a:stretch/>
+        </p:blipFill>
+        <p:spPr bwMode="auto">
+          <a:xfrm flipH="0" flipV="0">
+            <a:off x="3448017" y="2266420"/>
+            <a:ext cx="1384029" cy="1345196"/>
+          </a:xfrm>
+          <a:prstGeom prst="rect">
+            <a:avLst/>
+          </a:prstGeom>
+        </p:spPr>
+      </p:pic>
+      <p:pic>
+        <p:nvPicPr>
+          <p:cNvPr id="1645272209" name=""/>
+          <p:cNvPicPr>
+            <a:picLocks noChangeAspect="1"/>
+          </p:cNvPicPr>
+          <p:nvPr/>
+        </p:nvPicPr>
+        <p:blipFill>
+          <a:blip r:embed="rId10"/>
+          <a:stretch/>
+        </p:blipFill>
+        <p:spPr bwMode="auto">
+          <a:xfrm>
+            <a:off x="3396412" y="4211051"/>
+            <a:ext cx="1666873" cy="1666873"/>
+          </a:xfrm>
+          <a:prstGeom prst="rect">
+            <a:avLst/>
+          </a:prstGeom>
+        </p:spPr>
+      </p:pic>
+      <p:pic>
+        <p:nvPicPr>
+          <p:cNvPr id="568306647" name=""/>
+          <p:cNvPicPr>
+            <a:picLocks noChangeAspect="1"/>
+          </p:cNvPicPr>
+          <p:nvPr/>
+        </p:nvPicPr>
+        <p:blipFill>
+          <a:blip r:embed="rId11"/>
+          <a:stretch/>
+        </p:blipFill>
+        <p:spPr bwMode="auto">
+          <a:xfrm flipH="0" flipV="0">
+            <a:off x="5569209" y="5031433"/>
+            <a:ext cx="1513156" cy="1519090"/>
+          </a:xfrm>
+          <a:prstGeom prst="rect">
+            <a:avLst/>
+          </a:prstGeom>
+        </p:spPr>
+      </p:pic>
+      <p:pic>
+        <p:nvPicPr>
+          <p:cNvPr id="2093379886" name=""/>
+          <p:cNvPicPr>
+            <a:picLocks noChangeAspect="1"/>
+          </p:cNvPicPr>
+          <p:nvPr/>
+        </p:nvPicPr>
+        <p:blipFill>
+          <a:blip r:embed="rId12"/>
+          <a:stretch/>
+        </p:blipFill>
+        <p:spPr bwMode="auto">
+          <a:xfrm flipH="0" flipV="0">
+            <a:off x="9658683" y="5031433"/>
+            <a:ext cx="1169678" cy="1169678"/>
+          </a:xfrm>
+          <a:prstGeom prst="rect">
+            <a:avLst/>
+          </a:prstGeom>
+        </p:spPr>
+      </p:pic>
+    </p:spTree>
+  </p:cSld>
+  <p:clrMapOvr>
+    <a:masterClrMapping/>
+  </p:clrMapOvr>
+  <mc:AlternateContent xmlns:mc="http://schemas.openxmlformats.org/markup-compatibility/2006">
+    <mc:Choice xmlns:p159="http://schemas.microsoft.com/office/powerpoint/2015/09/main" xmlns:p14="http://schemas.microsoft.com/office/powerpoint/2010/main" Requires="p159">
+      <p:transition p14:dur="2000" advClick="1"/>
+    </mc:Choice>
+    <mc:Fallback>
+      <p:transition advClick="1"/>
+    </mc:Fallback>
+  </mc:AlternateContent>
+</p:sld>
+</file>
+
+<file path=ppt/slides/slide11.xml><?xml version="1.0" encoding="utf-8"?>
+<p:sld xmlns:a="http://schemas.openxmlformats.org/drawingml/2006/main" xmlns:r="http://schemas.openxmlformats.org/officeDocument/2006/relationships" xmlns:p="http://schemas.openxmlformats.org/presentationml/2006/main" xmlns:m="http://schemas.openxmlformats.org/officeDocument/2006/math" xmlns:w="http://schemas.openxmlformats.org/wordprocessingml/2006/main" xmlns:mc="http://schemas.openxmlformats.org/markup-compatibility/2006" showMasterPhAnim="0" showMasterSp="1" show="1">
+  <p:cSld name="">
+    <p:spTree>
+      <p:nvGrpSpPr>
+        <p:cNvPr id="1" name=""/>
+        <p:cNvGrpSpPr/>
+        <p:nvPr/>
+      </p:nvGrpSpPr>
+      <p:grpSpPr bwMode="auto">
+        <a:xfrm>
+          <a:off x="0" y="0"/>
+          <a:ext cx="0" cy="0"/>
+          <a:chOff x="0" y="0"/>
+          <a:chExt cx="0" cy="0"/>
+        </a:xfrm>
+      </p:grpSpPr>
+      <p:pic>
+        <p:nvPicPr>
+          <p:cNvPr id="1073294201" name=""/>
+          <p:cNvPicPr>
+            <a:picLocks noChangeAspect="1"/>
+          </p:cNvPicPr>
+          <p:nvPr/>
+        </p:nvPicPr>
+        <p:blipFill>
+          <a:blip r:embed="rId3"/>
+          <a:stretch/>
+        </p:blipFill>
+        <p:spPr bwMode="auto">
+          <a:xfrm>
+            <a:off x="7059071" y="2384564"/>
+            <a:ext cx="2038348" cy="2238373"/>
+          </a:xfrm>
+          <a:prstGeom prst="rect">
+            <a:avLst/>
+          </a:prstGeom>
+        </p:spPr>
+      </p:pic>
+      <p:pic>
+        <p:nvPicPr>
+          <p:cNvPr id="353097989" name=""/>
+          <p:cNvPicPr>
+            <a:picLocks noChangeAspect="1"/>
+          </p:cNvPicPr>
+          <p:nvPr/>
+        </p:nvPicPr>
+        <p:blipFill>
+          <a:blip r:embed="rId4"/>
+          <a:stretch/>
+        </p:blipFill>
+        <p:spPr bwMode="auto">
+          <a:xfrm flipH="0" flipV="0">
+            <a:off x="1248092" y="2269658"/>
+            <a:ext cx="4386189" cy="2468187"/>
+          </a:xfrm>
+          <a:prstGeom prst="rect">
+            <a:avLst/>
+          </a:prstGeom>
+        </p:spPr>
+      </p:pic>
+    </p:spTree>
+  </p:cSld>
+  <p:clrMapOvr>
+    <a:masterClrMapping/>
+  </p:clrMapOvr>
+  <mc:AlternateContent xmlns:mc="http://schemas.openxmlformats.org/markup-compatibility/2006">
+    <mc:Choice xmlns:p159="http://schemas.microsoft.com/office/powerpoint/2015/09/main" xmlns:p14="http://schemas.microsoft.com/office/powerpoint/2010/main" Requires="p159">
+      <p:transition p14:dur="2000" advClick="1"/>
+    </mc:Choice>
+    <mc:Fallback>
+      <p:transition advClick="1"/>
+    </mc:Fallback>
+  </mc:AlternateContent>
+</p:sld>
+</file>
+
+<file path=ppt/slides/slide12.xml><?xml version="1.0" encoding="utf-8"?>
+<p:sld xmlns:a="http://schemas.openxmlformats.org/drawingml/2006/main" xmlns:r="http://schemas.openxmlformats.org/officeDocument/2006/relationships" xmlns:p="http://schemas.openxmlformats.org/presentationml/2006/main" xmlns:m="http://schemas.openxmlformats.org/officeDocument/2006/math" xmlns:w="http://schemas.openxmlformats.org/wordprocessingml/2006/main" xmlns:mc="http://schemas.openxmlformats.org/markup-compatibility/2006" showMasterPhAnim="0" showMasterSp="1" show="1">
+  <p:cSld name="">
+    <p:spTree>
+      <p:nvGrpSpPr>
+        <p:cNvPr id="1" name=""/>
+        <p:cNvGrpSpPr/>
+        <p:nvPr/>
+      </p:nvGrpSpPr>
+      <p:grpSpPr bwMode="auto">
+        <a:xfrm>
+          <a:off x="0" y="0"/>
+          <a:ext cx="0" cy="0"/>
+          <a:chOff x="0" y="0"/>
+          <a:chExt cx="0" cy="0"/>
+        </a:xfrm>
+      </p:grpSpPr>
+      <p:sp>
+        <p:nvSpPr>
+          <p:cNvPr id="778795705" name="Title 1"/>
+          <p:cNvSpPr>
+            <a:spLocks noGrp="1"/>
+          </p:cNvSpPr>
+          <p:nvPr>
+            <p:ph type="title"/>
+          </p:nvPr>
+        </p:nvSpPr>
+        <p:spPr bwMode="auto">
+          <a:xfrm flipH="0" flipV="0">
+            <a:off x="838198" y="365124"/>
+            <a:ext cx="10515600" cy="675750"/>
+          </a:xfrm>
+        </p:spPr>
+        <p:txBody>
+          <a:bodyPr/>
+          <a:lstStyle/>
+          <a:p>
+            <a:pPr>
+              <a:defRPr/>
+            </a:pPr>
+            <a:r>
+              <a:rPr sz="2400"/>
+              <a:t>Так почему ОС всего 2?</a:t>
+            </a:r>
+            <a:endParaRPr sz="2400"/>
+          </a:p>
+        </p:txBody>
+      </p:sp>
+      <p:sp>
+        <p:nvSpPr>
+          <p:cNvPr id="1791980878" name="Content Placeholder 2"/>
+          <p:cNvSpPr>
+            <a:spLocks noGrp="1"/>
+          </p:cNvSpPr>
+          <p:nvPr>
+            <p:ph idx="1"/>
+          </p:nvPr>
+        </p:nvSpPr>
+        <p:spPr bwMode="auto">
+          <a:xfrm flipH="0" flipV="0">
+            <a:off x="838198" y="1266726"/>
+            <a:ext cx="10515600" cy="4910235"/>
+          </a:xfrm>
+        </p:spPr>
+        <p:txBody>
+          <a:bodyPr vertOverflow="overflow" horzOverflow="overflow" vert="horz" wrap="square" lIns="91440" tIns="45720" rIns="91440" bIns="45720" numCol="1" spcCol="0" rtlCol="0" fromWordArt="0" anchor="t" anchorCtr="0" forceAA="0" upright="0" compatLnSpc="0">
+            <a:normAutofit/>
+          </a:bodyPr>
+          <a:lstStyle/>
+          <a:p>
+            <a:pPr marL="0" indent="0">
+              <a:buFont typeface="Arial"/>
+              <a:buNone/>
+              <a:defRPr/>
+            </a:pPr>
+            <a:r>
+              <a:rPr lang="ru-RU" sz="1800" b="1" i="0" u="none" strike="noStrike" cap="none" spc="0">
+                <a:solidFill>
+                  <a:schemeClr val="tx1"/>
+                </a:solidFill>
+                <a:latin typeface="Arial"/>
+                <a:ea typeface="Arial"/>
+                <a:cs typeface="Arial"/>
+              </a:rPr>
+              <a:t>UNIX </a:t>
+            </a:r>
+            <a:r>
+              <a:rPr lang="ru-RU" sz="1800" b="0" i="0" u="none" strike="noStrike" cap="none" spc="0">
+                <a:solidFill>
+                  <a:schemeClr val="tx1"/>
+                </a:solidFill>
+                <a:latin typeface="Arial"/>
+                <a:ea typeface="Arial"/>
+                <a:cs typeface="Arial"/>
+              </a:rPr>
+              <a:t>— это мощная многопользовательская операционная система, разработанная в конце 1960-х и начале 1970-х годов в AT&amp;T Bell Labs.</a:t>
+            </a:r>
+            <a:endParaRPr sz="1800"/>
+          </a:p>
+          <a:p>
+            <a:pPr marL="0" indent="0">
+              <a:buFont typeface="Arial"/>
+              <a:buNone/>
+              <a:defRPr/>
+            </a:pPr>
+            <a:r>
+              <a:rPr lang="ru-RU" sz="1800" b="0" i="0" u="none" strike="noStrike" cap="none" spc="0">
+                <a:solidFill>
+                  <a:schemeClr val="tx1"/>
+                </a:solidFill>
+                <a:latin typeface="Arial"/>
+                <a:ea typeface="Arial"/>
+                <a:cs typeface="Arial"/>
+              </a:rPr>
+              <a:t>- </a:t>
+            </a:r>
+            <a:r>
+              <a:rPr lang="ru-RU" sz="1800" b="0" i="0" u="none" strike="noStrike" cap="none" spc="0">
+                <a:solidFill>
+                  <a:schemeClr val="tx1"/>
+                </a:solidFill>
+                <a:latin typeface="Arial"/>
+                <a:ea typeface="Arial"/>
+                <a:cs typeface="Arial"/>
+              </a:rPr>
+              <a:t>Edition 1</a:t>
+            </a:r>
+            <a:r>
+              <a:rPr lang="ru-RU" sz="1800" b="0" i="0" u="none" strike="noStrike" cap="none" spc="0">
+                <a:solidFill>
+                  <a:schemeClr val="tx1"/>
+                </a:solidFill>
+                <a:latin typeface="Arial"/>
+                <a:ea typeface="Arial"/>
+                <a:cs typeface="Arial"/>
+              </a:rPr>
+              <a:t> была изначально создана Кеном Томпсоном, Деннис Ритчи и Дугласом Маклроем в AT&amp;T Bell Labs и использовалась для внутренних нужд компании. Первая версия была выпущена в 1969 году.</a:t>
+            </a:r>
+            <a:endParaRPr sz="1800" b="0" i="0" u="none" strike="noStrike" cap="none" spc="0">
+              <a:solidFill>
+                <a:schemeClr val="tx1"/>
+              </a:solidFill>
+              <a:latin typeface="Arial"/>
+              <a:cs typeface="Arial"/>
+            </a:endParaRPr>
+          </a:p>
+          <a:p>
+            <a:pPr marL="0" indent="0">
+              <a:buFont typeface="Arial"/>
+              <a:buNone/>
+              <a:defRPr/>
+            </a:pPr>
+            <a:r>
+              <a:rPr lang="ru-RU" sz="1800" b="0" i="0" u="none" strike="noStrike" cap="none" spc="0">
+                <a:solidFill>
+                  <a:schemeClr val="tx1"/>
+                </a:solidFill>
+                <a:latin typeface="Arial"/>
+                <a:ea typeface="Arial"/>
+                <a:cs typeface="Arial"/>
+              </a:rPr>
+              <a:t>- В 1970 году система была переименована в "UNIX". </a:t>
+            </a:r>
+            <a:endParaRPr sz="1800"/>
+          </a:p>
+          <a:p>
+            <a:pPr marL="0" indent="0">
+              <a:buFont typeface="Arial"/>
+              <a:buNone/>
+              <a:defRPr/>
+            </a:pPr>
+            <a:r>
+              <a:rPr lang="ru-RU" sz="1800" b="0" i="0" u="none" strike="noStrike" cap="none" spc="0">
+                <a:solidFill>
+                  <a:schemeClr val="tx1"/>
+                </a:solidFill>
+                <a:latin typeface="Arial"/>
+                <a:ea typeface="Arial"/>
+                <a:cs typeface="Arial"/>
+              </a:rPr>
+              <a:t>- В 1973 году Деннис Ритчи переписал UNIX на языке C, что сделало её более переносимой на разные аппаратные платформы.</a:t>
+            </a:r>
+            <a:endParaRPr sz="1800" b="0" i="0" u="none" strike="noStrike" cap="none" spc="0">
+              <a:solidFill>
+                <a:schemeClr val="tx1"/>
+              </a:solidFill>
+              <a:latin typeface="Arial"/>
+              <a:cs typeface="Arial"/>
+            </a:endParaRPr>
+          </a:p>
+          <a:p>
+            <a:pPr marL="0" indent="0">
+              <a:buFont typeface="Arial"/>
+              <a:buNone/>
+              <a:defRPr/>
+            </a:pPr>
+            <a:r>
+              <a:rPr lang="ru-RU" sz="1800" b="0" i="0" u="none" strike="noStrike" cap="none" spc="0">
+                <a:solidFill>
+                  <a:schemeClr val="tx1"/>
+                </a:solidFill>
+                <a:latin typeface="Arial"/>
+                <a:ea typeface="Arial"/>
+                <a:cs typeface="Arial"/>
+              </a:rPr>
+              <a:t>- В 1975 году была выпущена версия UNIX 6, которая сделала систему доступной для образовательных учреждений и позволила распространять её исходный код.</a:t>
+            </a:r>
+            <a:endParaRPr lang="ru-RU" sz="1800" b="0" i="0" u="none" strike="noStrike" cap="none" spc="0">
+              <a:solidFill>
+                <a:schemeClr val="tx1"/>
+              </a:solidFill>
+              <a:latin typeface="Arial"/>
+              <a:ea typeface="Arial"/>
+              <a:cs typeface="Arial"/>
+            </a:endParaRPr>
+          </a:p>
+          <a:p>
+            <a:pPr marL="0" indent="0">
+              <a:buFont typeface="Arial"/>
+              <a:buNone/>
+              <a:defRPr/>
+            </a:pPr>
+            <a:r>
+              <a:rPr lang="ru-RU" sz="1800" b="0" i="0" u="none" strike="noStrike" cap="none" spc="0">
+                <a:solidFill>
+                  <a:schemeClr val="tx1"/>
+                </a:solidFill>
+                <a:latin typeface="Arial"/>
+                <a:ea typeface="Arial"/>
+                <a:cs typeface="Arial"/>
+              </a:rPr>
+              <a:t>- В 1984 году был выпущен UNIX System V, одна из наиболее популярных и стандартных версий UNIX.</a:t>
+            </a:r>
+            <a:endParaRPr lang="ru-RU" sz="1800" b="0" i="0" u="none" strike="noStrike" cap="none" spc="0">
+              <a:solidFill>
+                <a:schemeClr val="tx1"/>
+              </a:solidFill>
+              <a:latin typeface="Arial"/>
+              <a:ea typeface="Arial"/>
+              <a:cs typeface="Arial"/>
+            </a:endParaRPr>
+          </a:p>
+          <a:p>
+            <a:pPr marL="0" indent="0">
+              <a:buFont typeface="Arial"/>
+              <a:buNone/>
+              <a:defRPr/>
+            </a:pPr>
+            <a:endParaRPr lang="ru-RU" sz="1800"/>
+          </a:p>
+          <a:p>
+            <a:pPr marL="0" indent="0">
+              <a:buFont typeface="Arial"/>
+              <a:buNone/>
+              <a:defRPr/>
+            </a:pPr>
+            <a:r>
+              <a:rPr lang="ru-RU" sz="1800" b="0" i="0" u="none" strike="noStrike" cap="none" spc="0">
+                <a:solidFill>
+                  <a:schemeClr val="tx1"/>
+                </a:solidFill>
+                <a:latin typeface="Arial"/>
+                <a:ea typeface="Arial"/>
+                <a:cs typeface="Arial"/>
+              </a:rPr>
+              <a:t>Впоследствии UNIX стал основой для множества других операционных систем, включая такие как BSD (Berkeley Software Distribution) и популярные сегодня версии GNU/Linux.</a:t>
+            </a:r>
+            <a:endParaRPr lang="ru-RU" sz="1800"/>
+          </a:p>
+        </p:txBody>
+      </p:sp>
+    </p:spTree>
+  </p:cSld>
+  <p:clrMapOvr>
+    <a:masterClrMapping/>
+  </p:clrMapOvr>
+  <mc:AlternateContent xmlns:mc="http://schemas.openxmlformats.org/markup-compatibility/2006">
+    <mc:Choice xmlns:p159="http://schemas.microsoft.com/office/powerpoint/2015/09/main" xmlns:p14="http://schemas.microsoft.com/office/powerpoint/2010/main" Requires="p159">
+      <p:transition p14:dur="2000" advClick="1"/>
+    </mc:Choice>
+    <mc:Fallback>
+      <p:transition advClick="1"/>
+    </mc:Fallback>
+  </mc:AlternateContent>
+</p:sld>
+</file>
+
+<file path=ppt/slides/slide13.xml><?xml version="1.0" encoding="utf-8"?>
+<p:sld xmlns:a="http://schemas.openxmlformats.org/drawingml/2006/main" xmlns:r="http://schemas.openxmlformats.org/officeDocument/2006/relationships" xmlns:p="http://schemas.openxmlformats.org/presentationml/2006/main" xmlns:m="http://schemas.openxmlformats.org/officeDocument/2006/math" xmlns:w="http://schemas.openxmlformats.org/wordprocessingml/2006/main" xmlns:mc="http://schemas.openxmlformats.org/markup-compatibility/2006" showMasterPhAnim="0" showMasterSp="1" show="1">
+  <p:cSld name="">
+    <p:spTree>
+      <p:nvGrpSpPr>
+        <p:cNvPr id="1" name=""/>
+        <p:cNvGrpSpPr/>
+        <p:nvPr/>
+      </p:nvGrpSpPr>
+      <p:grpSpPr bwMode="auto">
+        <a:xfrm>
+          <a:off x="0" y="0"/>
+          <a:ext cx="0" cy="0"/>
+          <a:chOff x="0" y="0"/>
+          <a:chExt cx="0" cy="0"/>
+        </a:xfrm>
+      </p:grpSpPr>
+      <p:sp>
+        <p:nvSpPr>
+          <p:cNvPr id="1274843815" name="Title 1"/>
+          <p:cNvSpPr>
+            <a:spLocks noGrp="1"/>
+          </p:cNvSpPr>
+          <p:nvPr>
+            <p:ph type="title"/>
+          </p:nvPr>
+        </p:nvSpPr>
+        <p:spPr bwMode="auto">
+          <a:xfrm flipH="0" flipV="0">
+            <a:off x="838198" y="365123"/>
+            <a:ext cx="10515600" cy="675749"/>
+          </a:xfrm>
+        </p:spPr>
+        <p:txBody>
+          <a:bodyPr/>
+          <a:lstStyle/>
+          <a:p>
+            <a:pPr>
+              <a:defRPr/>
+            </a:pPr>
+            <a:r>
+              <a:rPr sz="2400"/>
+              <a:t>Характерные особенности UNIX</a:t>
+            </a:r>
+            <a:endParaRPr sz="2400"/>
+          </a:p>
+        </p:txBody>
+      </p:sp>
+      <p:sp>
+        <p:nvSpPr>
+          <p:cNvPr id="1640252049" name="Content Placeholder 2"/>
+          <p:cNvSpPr>
+            <a:spLocks noGrp="1"/>
+          </p:cNvSpPr>
+          <p:nvPr>
+            <p:ph idx="1"/>
+          </p:nvPr>
+        </p:nvSpPr>
+        <p:spPr bwMode="auto">
+          <a:xfrm flipH="0" flipV="0">
+            <a:off x="838198" y="1266725"/>
+            <a:ext cx="10515600" cy="4910234"/>
+          </a:xfrm>
+        </p:spPr>
+        <p:txBody>
+          <a:bodyPr vertOverflow="overflow" horzOverflow="overflow" vert="horz" wrap="square" lIns="91440" tIns="45720" rIns="91440" bIns="45720" numCol="1" spcCol="0" rtlCol="0" fromWordArt="0" anchor="t" anchorCtr="0" forceAA="0" upright="0" compatLnSpc="0">
+            <a:normAutofit/>
+          </a:bodyPr>
+          <a:lstStyle/>
+          <a:p>
+            <a:pPr marL="0" indent="0">
+              <a:buFont typeface="Arial"/>
+              <a:buNone/>
+              <a:defRPr/>
+            </a:pPr>
+            <a:r>
+              <a:rPr lang="ru-RU" sz="1800" b="0" i="0" u="none" strike="noStrike" cap="none" spc="0">
+                <a:solidFill>
+                  <a:schemeClr val="tx1"/>
+                </a:solidFill>
+                <a:latin typeface="Arial"/>
+                <a:ea typeface="Arial"/>
+                <a:cs typeface="Arial"/>
+              </a:rPr>
+              <a:t>- </a:t>
+            </a:r>
+            <a:r>
+              <a:rPr lang="ru-RU" sz="1800" b="1" i="0" u="none" strike="noStrike" cap="none" spc="0">
+                <a:solidFill>
+                  <a:schemeClr val="tx1"/>
+                </a:solidFill>
+                <a:latin typeface="Arial"/>
+                <a:ea typeface="Arial"/>
+                <a:cs typeface="Arial"/>
+              </a:rPr>
+              <a:t>Многопользовательская система</a:t>
+            </a:r>
+            <a:r>
+              <a:rPr lang="ru-RU" sz="1800" b="0" i="0" u="none" strike="noStrike" cap="none" spc="0">
+                <a:solidFill>
+                  <a:schemeClr val="tx1"/>
+                </a:solidFill>
+                <a:latin typeface="Arial"/>
+                <a:ea typeface="Arial"/>
+                <a:cs typeface="Arial"/>
+              </a:rPr>
+              <a:t>. UNIX позволяет нескольким пользователям </a:t>
+            </a:r>
+            <a:r>
+              <a:rPr lang="ru-RU" sz="1800" b="1" i="0" u="none" strike="noStrike" cap="none" spc="0">
+                <a:solidFill>
+                  <a:schemeClr val="tx1"/>
+                </a:solidFill>
+                <a:latin typeface="Arial"/>
+                <a:ea typeface="Arial"/>
+                <a:cs typeface="Arial"/>
+              </a:rPr>
+              <a:t>одновременно </a:t>
+            </a:r>
+            <a:r>
+              <a:rPr lang="ru-RU" sz="1800" b="0" i="0" u="none" strike="noStrike" cap="none" spc="0">
+                <a:solidFill>
+                  <a:schemeClr val="tx1"/>
+                </a:solidFill>
+                <a:latin typeface="Arial"/>
+                <a:ea typeface="Arial"/>
+                <a:cs typeface="Arial"/>
+              </a:rPr>
+              <a:t>работать на одном компьютере. Каждый пользователь имеет свой собственный профиль и настройки.</a:t>
+            </a:r>
+            <a:endParaRPr sz="1800" b="0" i="0" u="none" strike="noStrike" cap="none" spc="0">
+              <a:solidFill>
+                <a:schemeClr val="tx1"/>
+              </a:solidFill>
+              <a:latin typeface="Arial"/>
+              <a:ea typeface="Arial"/>
+              <a:cs typeface="Arial"/>
+            </a:endParaRPr>
+          </a:p>
+          <a:p>
+            <a:pPr marL="0" indent="0">
+              <a:buFont typeface="Arial"/>
+              <a:buNone/>
+              <a:defRPr/>
+            </a:pPr>
+            <a:r>
+              <a:rPr lang="ru-RU" sz="1800" b="0" i="0" u="none" strike="noStrike" cap="none" spc="0">
+                <a:solidFill>
+                  <a:schemeClr val="tx1"/>
+                </a:solidFill>
+                <a:latin typeface="Arial"/>
+                <a:ea typeface="Arial"/>
+                <a:cs typeface="Arial"/>
+              </a:rPr>
+              <a:t>- </a:t>
+            </a:r>
+            <a:r>
+              <a:rPr lang="ru-RU" sz="1800" b="1" i="0" u="none" strike="noStrike" cap="none" spc="0">
+                <a:solidFill>
+                  <a:schemeClr val="tx1"/>
+                </a:solidFill>
+                <a:latin typeface="Arial"/>
+                <a:ea typeface="Arial"/>
+                <a:cs typeface="Arial"/>
+              </a:rPr>
+              <a:t>Многозадачность</a:t>
+            </a:r>
+            <a:r>
+              <a:rPr lang="ru-RU" sz="1800" b="0" i="0" u="none" strike="noStrike" cap="none" spc="0">
+                <a:solidFill>
+                  <a:schemeClr val="tx1"/>
+                </a:solidFill>
+                <a:latin typeface="Arial"/>
+                <a:ea typeface="Arial"/>
+                <a:cs typeface="Arial"/>
+              </a:rPr>
+              <a:t>.</a:t>
+            </a:r>
+            <a:endParaRPr sz="1800" b="0" i="0" u="none" strike="noStrike" cap="none" spc="0">
+              <a:solidFill>
+                <a:schemeClr val="tx1"/>
+              </a:solidFill>
+              <a:latin typeface="Arial"/>
+              <a:ea typeface="Arial"/>
+              <a:cs typeface="Arial"/>
+            </a:endParaRPr>
+          </a:p>
+          <a:p>
+            <a:pPr marL="0" indent="0">
+              <a:buFont typeface="Arial"/>
+              <a:buNone/>
+              <a:defRPr/>
+            </a:pPr>
+            <a:r>
+              <a:rPr lang="ru-RU" sz="1800" b="0" i="0" u="none" strike="noStrike" cap="none" spc="0">
+                <a:solidFill>
+                  <a:schemeClr val="tx1"/>
+                </a:solidFill>
+                <a:latin typeface="Arial"/>
+                <a:ea typeface="Arial"/>
+                <a:cs typeface="Arial"/>
+              </a:rPr>
+              <a:t>- </a:t>
+            </a:r>
+            <a:r>
+              <a:rPr lang="ru-RU" sz="1800" b="1" i="0" u="none" strike="noStrike" cap="none" spc="0">
+                <a:solidFill>
+                  <a:schemeClr val="tx1"/>
+                </a:solidFill>
+                <a:latin typeface="Arial"/>
+                <a:ea typeface="Arial"/>
+                <a:cs typeface="Arial"/>
+              </a:rPr>
+              <a:t>Файловая система</a:t>
+            </a:r>
+            <a:r>
+              <a:rPr lang="ru-RU" sz="1800" b="1" i="0" u="none" strike="noStrike" cap="none" spc="0">
+                <a:solidFill>
+                  <a:schemeClr val="tx1"/>
+                </a:solidFill>
+                <a:latin typeface="Arial"/>
+                <a:ea typeface="Arial"/>
+                <a:cs typeface="Arial"/>
+              </a:rPr>
+              <a:t>. </a:t>
+            </a:r>
+            <a:r>
+              <a:rPr lang="ru-RU" sz="1800" b="0" i="0" u="none" strike="noStrike" cap="none" spc="0">
+                <a:solidFill>
+                  <a:schemeClr val="tx1"/>
+                </a:solidFill>
+                <a:latin typeface="Arial"/>
+                <a:ea typeface="Arial"/>
+                <a:cs typeface="Arial"/>
+              </a:rPr>
+              <a:t>UNIX имеет уникальную иерархическую файловую систему, которая включает корневой каталог и подкаталоги. Всё в UNIX представлено в виде файлов, включая устройства и процессы.</a:t>
+            </a:r>
+            <a:endParaRPr sz="1800" b="0" i="0" u="none" strike="noStrike" cap="none" spc="0">
+              <a:solidFill>
+                <a:schemeClr val="tx1"/>
+              </a:solidFill>
+              <a:latin typeface="Arial"/>
+              <a:ea typeface="Arial"/>
+              <a:cs typeface="Arial"/>
+            </a:endParaRPr>
+          </a:p>
+          <a:p>
+            <a:pPr marL="0" indent="0">
+              <a:buFont typeface="Arial"/>
+              <a:buNone/>
+              <a:defRPr/>
+            </a:pPr>
+            <a:r>
+              <a:rPr lang="ru-RU" sz="1800" b="0" i="0" u="none" strike="noStrike" cap="none" spc="0">
+                <a:solidFill>
+                  <a:schemeClr val="tx1"/>
+                </a:solidFill>
+                <a:latin typeface="Arial"/>
+                <a:ea typeface="Arial"/>
+                <a:cs typeface="Arial"/>
+              </a:rPr>
+              <a:t>- </a:t>
+            </a:r>
+            <a:r>
+              <a:rPr lang="ru-RU" sz="1800" b="1" i="0" u="none" strike="noStrike" cap="none" spc="0">
+                <a:solidFill>
+                  <a:schemeClr val="tx1"/>
+                </a:solidFill>
+                <a:latin typeface="Arial"/>
+                <a:ea typeface="Arial"/>
+                <a:cs typeface="Arial"/>
+              </a:rPr>
+              <a:t>Модульность и простота</a:t>
+            </a:r>
+            <a:r>
+              <a:rPr lang="ru-RU" sz="1800" b="0" i="0" u="none" strike="noStrike" cap="none" spc="0">
+                <a:solidFill>
+                  <a:schemeClr val="tx1"/>
+                </a:solidFill>
+                <a:latin typeface="Arial"/>
+                <a:ea typeface="Arial"/>
+                <a:cs typeface="Arial"/>
+              </a:rPr>
+              <a:t>. UNIX следует философии "делай одну задачу, но делай её хорошо". Многие утилиты UNIX выполняют одну функцию, но могут быть объединены для выполнения сложных задач.</a:t>
+            </a:r>
+            <a:endParaRPr lang="ru-RU" sz="1800" b="0" i="0" u="none" strike="noStrike" cap="none" spc="0">
+              <a:solidFill>
+                <a:schemeClr val="tx1"/>
+              </a:solidFill>
+              <a:latin typeface="Arial"/>
+              <a:ea typeface="Arial"/>
+              <a:cs typeface="Arial"/>
+            </a:endParaRPr>
+          </a:p>
+          <a:p>
+            <a:pPr marL="0" indent="0">
+              <a:buFont typeface="Arial"/>
+              <a:buNone/>
+              <a:defRPr/>
+            </a:pPr>
+            <a:r>
+              <a:rPr lang="ru-RU" sz="1800" b="0" i="0" u="none" strike="noStrike" cap="none" spc="0">
+                <a:solidFill>
+                  <a:schemeClr val="tx1"/>
+                </a:solidFill>
+                <a:latin typeface="Arial"/>
+                <a:ea typeface="Arial"/>
+                <a:cs typeface="Arial"/>
+              </a:rPr>
+              <a:t>- </a:t>
+            </a:r>
+            <a:r>
+              <a:rPr lang="ru-RU" sz="1800" b="1" i="0" u="none" strike="noStrike" cap="none" spc="0">
+                <a:solidFill>
+                  <a:schemeClr val="tx1"/>
+                </a:solidFill>
+                <a:latin typeface="Arial"/>
+                <a:ea typeface="Arial"/>
+                <a:cs typeface="Arial"/>
+              </a:rPr>
+              <a:t>Командная оболочка</a:t>
+            </a:r>
+            <a:r>
+              <a:rPr lang="ru-RU" sz="1800" b="0" i="0" u="none" strike="noStrike" cap="none" spc="0">
+                <a:solidFill>
+                  <a:schemeClr val="tx1"/>
+                </a:solidFill>
+                <a:latin typeface="Arial"/>
+                <a:ea typeface="Arial"/>
+                <a:cs typeface="Arial"/>
+              </a:rPr>
+              <a:t>. </a:t>
+            </a:r>
+            <a:r>
+              <a:rPr lang="ru-RU" sz="1800" b="0" i="0" u="none" strike="noStrike" cap="none" spc="0">
+                <a:solidFill>
+                  <a:schemeClr val="tx1"/>
+                </a:solidFill>
+                <a:latin typeface="Arial"/>
+                <a:ea typeface="Arial"/>
+                <a:cs typeface="Arial"/>
+              </a:rPr>
+              <a:t>Пользователи взаимодействуют с системой через командную оболочку</a:t>
+            </a:r>
+            <a:r>
+              <a:rPr lang="ru-RU" sz="1800" b="0" i="0" u="none" strike="noStrike" cap="none" spc="0">
+                <a:solidFill>
+                  <a:schemeClr val="tx1"/>
+                </a:solidFill>
+                <a:latin typeface="Arial"/>
+                <a:ea typeface="Arial"/>
+                <a:cs typeface="Arial"/>
+              </a:rPr>
+              <a:t> (например, Bash)</a:t>
+            </a:r>
+            <a:endParaRPr lang="ru-RU" sz="1800" b="0" i="0" u="none" strike="noStrike" cap="none" spc="0">
+              <a:solidFill>
+                <a:schemeClr val="tx1"/>
+              </a:solidFill>
+              <a:latin typeface="Arial"/>
+              <a:ea typeface="Arial"/>
+              <a:cs typeface="Arial"/>
+            </a:endParaRPr>
+          </a:p>
+          <a:p>
+            <a:pPr marL="0" indent="0">
+              <a:buFont typeface="Arial"/>
+              <a:buNone/>
+              <a:defRPr/>
+            </a:pPr>
+            <a:r>
+              <a:rPr lang="ru-RU" sz="1800" b="0" i="0" u="none" strike="noStrike" cap="none" spc="0">
+                <a:solidFill>
+                  <a:schemeClr val="tx1"/>
+                </a:solidFill>
+                <a:latin typeface="Arial"/>
+                <a:ea typeface="Arial"/>
+                <a:cs typeface="Arial"/>
+              </a:rPr>
+              <a:t>- </a:t>
+            </a:r>
+            <a:r>
+              <a:rPr lang="ru-RU" sz="1800" b="1" i="0" u="none" strike="noStrike" cap="none" spc="0">
+                <a:solidFill>
+                  <a:schemeClr val="tx1"/>
+                </a:solidFill>
+                <a:latin typeface="Arial"/>
+                <a:ea typeface="Arial"/>
+                <a:cs typeface="Arial"/>
+              </a:rPr>
+              <a:t>Безопасность</a:t>
+            </a:r>
+            <a:r>
+              <a:rPr lang="ru-RU" sz="1800" b="0" i="0" u="none" strike="noStrike" cap="none" spc="0">
+                <a:solidFill>
+                  <a:schemeClr val="tx1"/>
+                </a:solidFill>
+                <a:latin typeface="Arial"/>
+                <a:ea typeface="Arial"/>
+                <a:cs typeface="Arial"/>
+              </a:rPr>
+              <a:t>. </a:t>
+            </a:r>
+            <a:r>
+              <a:rPr lang="ru-RU" sz="1800" b="0" i="0" u="none" strike="noStrike" cap="none" spc="0">
+                <a:solidFill>
+                  <a:schemeClr val="tx1"/>
+                </a:solidFill>
+                <a:latin typeface="Arial"/>
+                <a:ea typeface="Arial"/>
+                <a:cs typeface="Arial"/>
+              </a:rPr>
+              <a:t>Пользователи имеют различные уровни доступа, а файловая система защищена правами доступа к файлам.</a:t>
+            </a:r>
+            <a:endParaRPr lang="ru-RU" sz="1800" b="0" i="0" u="none" strike="noStrike" cap="none" spc="0">
+              <a:solidFill>
+                <a:schemeClr val="tx1"/>
+              </a:solidFill>
+              <a:latin typeface="Arial"/>
+              <a:ea typeface="Arial"/>
+              <a:cs typeface="Arial"/>
+            </a:endParaRPr>
+          </a:p>
+          <a:p>
+            <a:pPr marL="0" indent="0">
+              <a:buFont typeface="Arial"/>
+              <a:buNone/>
+              <a:defRPr/>
+            </a:pPr>
+            <a:r>
+              <a:rPr lang="ru-RU" sz="1800" b="0" i="0" u="none" strike="noStrike" cap="none" spc="0">
+                <a:solidFill>
+                  <a:schemeClr val="tx1"/>
+                </a:solidFill>
+                <a:latin typeface="Arial"/>
+                <a:ea typeface="Arial"/>
+                <a:cs typeface="Arial"/>
+              </a:rPr>
+              <a:t>- </a:t>
+            </a:r>
+            <a:r>
+              <a:rPr lang="ru-RU" sz="1800" b="1" i="0" u="none" strike="noStrike" cap="none" spc="0">
+                <a:solidFill>
+                  <a:schemeClr val="tx1"/>
+                </a:solidFill>
+                <a:latin typeface="Arial"/>
+                <a:ea typeface="Arial"/>
+                <a:cs typeface="Arial"/>
+              </a:rPr>
+              <a:t>TCP/IP</a:t>
+            </a:r>
+            <a:r>
+              <a:rPr lang="ru-RU" sz="1800" b="0" i="0" u="none" strike="noStrike" cap="none" spc="0">
+                <a:solidFill>
+                  <a:schemeClr val="tx1"/>
+                </a:solidFill>
+                <a:latin typeface="Arial"/>
+                <a:ea typeface="Arial"/>
+                <a:cs typeface="Arial"/>
+              </a:rPr>
+              <a:t>. </a:t>
+            </a:r>
+            <a:r>
+              <a:rPr lang="ru-RU" sz="1800" b="0" i="0" u="none" strike="noStrike" cap="none" spc="0">
+                <a:solidFill>
+                  <a:schemeClr val="tx1"/>
+                </a:solidFill>
+                <a:latin typeface="Arial"/>
+                <a:ea typeface="Arial"/>
+                <a:cs typeface="Arial"/>
+              </a:rPr>
+              <a:t>UNIX был одной из первых систем, которая включала поддержку сети TCP/IP, что сделало её основой для многих интернет-сервисов.</a:t>
+            </a:r>
+            <a:endParaRPr lang="ru-RU" sz="1800" b="0" i="0" u="none" strike="noStrike" cap="none" spc="0">
+              <a:solidFill>
+                <a:schemeClr val="tx1"/>
+              </a:solidFill>
+              <a:latin typeface="Arial"/>
+              <a:ea typeface="Arial"/>
+              <a:cs typeface="Arial"/>
+            </a:endParaRPr>
+          </a:p>
+        </p:txBody>
+      </p:sp>
+    </p:spTree>
+  </p:cSld>
+  <p:clrMapOvr>
+    <a:masterClrMapping/>
+  </p:clrMapOvr>
+  <mc:AlternateContent xmlns:mc="http://schemas.openxmlformats.org/markup-compatibility/2006">
+    <mc:Choice xmlns:p159="http://schemas.microsoft.com/office/powerpoint/2015/09/main" xmlns:p14="http://schemas.microsoft.com/office/powerpoint/2010/main" Requires="p159">
+      <p:transition p14:dur="2000" advClick="1"/>
+    </mc:Choice>
+    <mc:Fallback>
+      <p:transition advClick="1"/>
+    </mc:Fallback>
+  </mc:AlternateContent>
+</p:sld>
+</file>
+
+<file path=ppt/slides/slide14.xml><?xml version="1.0" encoding="utf-8"?>
+<p:sld xmlns:a="http://schemas.openxmlformats.org/drawingml/2006/main" xmlns:r="http://schemas.openxmlformats.org/officeDocument/2006/relationships" xmlns:p="http://schemas.openxmlformats.org/presentationml/2006/main" xmlns:m="http://schemas.openxmlformats.org/officeDocument/2006/math" xmlns:w="http://schemas.openxmlformats.org/wordprocessingml/2006/main" xmlns:mc="http://schemas.openxmlformats.org/markup-compatibility/2006" showMasterPhAnim="0" showMasterSp="1" show="1">
+  <p:cSld name="">
+    <p:spTree>
+      <p:nvGrpSpPr>
+        <p:cNvPr id="1" name=""/>
+        <p:cNvGrpSpPr/>
+        <p:nvPr/>
+      </p:nvGrpSpPr>
+      <p:grpSpPr bwMode="auto">
+        <a:xfrm>
+          <a:off x="0" y="0"/>
+          <a:ext cx="0" cy="0"/>
+          <a:chOff x="0" y="0"/>
+          <a:chExt cx="0" cy="0"/>
+        </a:xfrm>
+      </p:grpSpPr>
+      <p:sp>
+        <p:nvSpPr>
+          <p:cNvPr id="1206890700" name="Title 1"/>
+          <p:cNvSpPr>
+            <a:spLocks noGrp="1"/>
+          </p:cNvSpPr>
+          <p:nvPr>
+            <p:ph type="title"/>
+          </p:nvPr>
+        </p:nvSpPr>
+        <p:spPr bwMode="auto">
+          <a:xfrm flipH="0" flipV="0">
+            <a:off x="838198" y="365123"/>
+            <a:ext cx="10515600" cy="675749"/>
+          </a:xfrm>
+        </p:spPr>
+        <p:txBody>
+          <a:bodyPr/>
+          <a:lstStyle/>
+          <a:p>
+            <a:pPr>
+              <a:defRPr/>
+            </a:pPr>
+            <a:r>
+              <a:rPr sz="2400"/>
+              <a:t>Так почему ОС всего 2?</a:t>
+            </a:r>
+            <a:endParaRPr sz="2400"/>
+          </a:p>
+        </p:txBody>
+      </p:sp>
+      <p:sp>
+        <p:nvSpPr>
+          <p:cNvPr id="817066376" name=""/>
+          <p:cNvSpPr txBox="1"/>
+          <p:nvPr/>
+        </p:nvSpPr>
+        <p:spPr bwMode="auto">
+          <a:xfrm flipH="0" flipV="0">
+            <a:off x="4793423" y="812093"/>
+            <a:ext cx="911810" cy="457560"/>
+          </a:xfrm>
+          <a:prstGeom prst="rect">
+            <a:avLst/>
+          </a:prstGeom>
+          <a:noFill/>
+        </p:spPr>
+        <p:txBody>
+          <a:bodyPr vertOverflow="overflow" horzOverflow="overflow" vert="horz" wrap="none" lIns="91440" tIns="45720" rIns="91440" bIns="45720" numCol="1" spcCol="0" rtlCol="0" fromWordArt="0" anchor="t" anchorCtr="0" forceAA="0" upright="0" compatLnSpc="0">
+            <a:spAutoFit/>
+          </a:bodyPr>
+          <a:p>
+            <a:pPr>
+              <a:defRPr/>
+            </a:pPr>
+            <a:r>
+              <a:rPr sz="2400"/>
+              <a:t>UNIX</a:t>
+            </a:r>
+            <a:endParaRPr sz="2400"/>
+          </a:p>
+        </p:txBody>
+      </p:sp>
+      <p:cxnSp>
+        <p:nvCxnSpPr>
+          <p:cNvPr id="0" name=""/>
+          <p:cNvCxnSpPr>
+            <a:cxnSpLocks/>
+          </p:cNvCxnSpPr>
+          <p:nvPr/>
+        </p:nvCxnSpPr>
+        <p:spPr bwMode="auto">
+          <a:xfrm rot="5399978" flipH="0" flipV="1">
+            <a:off x="6029178" y="792414"/>
+            <a:ext cx="678706" cy="1326594"/>
+          </a:xfrm>
+          <a:prstGeom prst="line">
+            <a:avLst/>
+          </a:prstGeom>
+          <a:ln w="19049" cap="flat" cmpd="sng" algn="ctr">
+            <a:solidFill>
+              <a:schemeClr val="tx1"/>
+            </a:solidFill>
+            <a:prstDash val="solid"/>
+            <a:miter lim="800000"/>
+            <a:tailEnd type="arrow" len="med"/>
+          </a:ln>
+        </p:spPr>
+        <p:style>
+          <a:lnRef idx="1">
+            <a:schemeClr val="accent1">
+              <a:shade val="50000"/>
+            </a:schemeClr>
+          </a:lnRef>
+          <a:fillRef idx="0">
+            <a:schemeClr val="accent1"/>
+          </a:fillRef>
+          <a:effectRef idx="0">
+            <a:schemeClr val="accent1"/>
+          </a:effectRef>
+          <a:fontRef idx="minor">
+            <a:schemeClr val="tx1"/>
+          </a:fontRef>
+        </p:style>
+      </p:cxnSp>
+      <p:cxnSp>
+        <p:nvCxnSpPr>
+          <p:cNvPr id="1343105502" name=""/>
+          <p:cNvCxnSpPr>
+            <a:cxnSpLocks/>
+          </p:cNvCxnSpPr>
+          <p:nvPr/>
+        </p:nvCxnSpPr>
+        <p:spPr bwMode="auto">
+          <a:xfrm rot="5399978" flipH="0" flipV="0">
+            <a:off x="2989866" y="2156182"/>
+            <a:ext cx="2908516" cy="1232112"/>
+          </a:xfrm>
+          <a:prstGeom prst="line">
+            <a:avLst/>
+          </a:prstGeom>
+          <a:ln w="19049" cap="flat" cmpd="sng" algn="ctr">
+            <a:solidFill>
+              <a:schemeClr val="tx1"/>
+            </a:solidFill>
+            <a:prstDash val="solid"/>
+            <a:miter lim="800000"/>
+            <a:tailEnd type="arrow" len="med"/>
+          </a:ln>
+        </p:spPr>
+        <p:style>
+          <a:lnRef idx="1">
+            <a:schemeClr val="accent1">
+              <a:shade val="50000"/>
+            </a:schemeClr>
+          </a:lnRef>
+          <a:fillRef idx="0">
+            <a:schemeClr val="accent1"/>
+          </a:fillRef>
+          <a:effectRef idx="0">
+            <a:schemeClr val="accent1"/>
+          </a:effectRef>
+          <a:fontRef idx="minor">
+            <a:schemeClr val="tx1"/>
+          </a:fontRef>
+        </p:style>
+      </p:cxnSp>
+      <p:cxnSp>
+        <p:nvCxnSpPr>
+          <p:cNvPr id="639113016" name=""/>
+          <p:cNvCxnSpPr>
+            <a:cxnSpLocks/>
+          </p:cNvCxnSpPr>
+          <p:nvPr/>
+        </p:nvCxnSpPr>
+        <p:spPr bwMode="auto">
+          <a:xfrm rot="5399978" flipH="0" flipV="0">
+            <a:off x="3675236" y="676878"/>
+            <a:ext cx="579618" cy="1656755"/>
+          </a:xfrm>
+          <a:prstGeom prst="line">
+            <a:avLst/>
+          </a:prstGeom>
+          <a:ln w="19049" cap="flat" cmpd="sng" algn="ctr">
+            <a:solidFill>
+              <a:schemeClr val="tx1"/>
+            </a:solidFill>
+            <a:prstDash val="solid"/>
+            <a:miter lim="800000"/>
+            <a:tailEnd type="arrow" len="med"/>
+          </a:ln>
+        </p:spPr>
+        <p:style>
+          <a:lnRef idx="1">
+            <a:schemeClr val="accent1">
+              <a:shade val="50000"/>
+            </a:schemeClr>
+          </a:lnRef>
+          <a:fillRef idx="0">
+            <a:schemeClr val="accent1"/>
+          </a:fillRef>
+          <a:effectRef idx="0">
+            <a:schemeClr val="accent1"/>
+          </a:effectRef>
+          <a:fontRef idx="minor">
+            <a:schemeClr val="tx1"/>
+          </a:fontRef>
+        </p:style>
+      </p:cxnSp>
+      <p:sp>
+        <p:nvSpPr>
+          <p:cNvPr id="1077931928" name=""/>
+          <p:cNvSpPr txBox="1"/>
+          <p:nvPr/>
+        </p:nvSpPr>
+        <p:spPr bwMode="auto">
+          <a:xfrm flipH="0" flipV="0">
+            <a:off x="424657" y="3089095"/>
+            <a:ext cx="1199793" cy="457560"/>
+          </a:xfrm>
+          <a:prstGeom prst="rect">
+            <a:avLst/>
+          </a:prstGeom>
+          <a:noFill/>
+        </p:spPr>
+        <p:txBody>
+          <a:bodyPr vertOverflow="overflow" horzOverflow="overflow" vert="horz" wrap="none" lIns="91440" tIns="45720" rIns="91440" bIns="45720" numCol="1" spcCol="0" rtlCol="0" fromWordArt="0" anchor="t" anchorCtr="0" forceAA="0" upright="0" compatLnSpc="0">
+            <a:spAutoFit/>
+          </a:bodyPr>
+          <a:p>
+            <a:pPr>
+              <a:defRPr/>
+            </a:pPr>
+            <a:r>
+              <a:rPr sz="2400"/>
+              <a:t>MacOS</a:t>
+            </a:r>
+            <a:endParaRPr sz="2400"/>
+          </a:p>
+        </p:txBody>
+      </p:sp>
+      <p:sp>
+        <p:nvSpPr>
+          <p:cNvPr id="1551174443" name=""/>
+          <p:cNvSpPr txBox="1"/>
+          <p:nvPr/>
+        </p:nvSpPr>
+        <p:spPr bwMode="auto">
+          <a:xfrm flipH="0" flipV="0">
+            <a:off x="1995267" y="1863812"/>
+            <a:ext cx="1648804" cy="457560"/>
+          </a:xfrm>
+          <a:prstGeom prst="rect">
+            <a:avLst/>
+          </a:prstGeom>
+          <a:noFill/>
+        </p:spPr>
+        <p:txBody>
+          <a:bodyPr vertOverflow="overflow" horzOverflow="overflow" vert="horz" wrap="none" lIns="91440" tIns="45720" rIns="91440" bIns="45720" numCol="1" spcCol="0" rtlCol="0" fromWordArt="0" anchor="t" anchorCtr="0" forceAA="0" upright="0" compatLnSpc="0">
+            <a:spAutoFit/>
+          </a:bodyPr>
+          <a:p>
+            <a:pPr>
+              <a:defRPr/>
+            </a:pPr>
+            <a:r>
+              <a:rPr sz="2400"/>
+              <a:t>Ядро XNU</a:t>
+            </a:r>
+            <a:endParaRPr sz="2400"/>
+          </a:p>
+        </p:txBody>
+      </p:sp>
+      <p:cxnSp>
+        <p:nvCxnSpPr>
+          <p:cNvPr id="447205706" name=""/>
+          <p:cNvCxnSpPr>
+            <a:cxnSpLocks/>
+          </p:cNvCxnSpPr>
+          <p:nvPr/>
+        </p:nvCxnSpPr>
+        <p:spPr bwMode="auto">
+          <a:xfrm rot="5399978" flipH="0" flipV="0">
+            <a:off x="1273298" y="2289562"/>
+            <a:ext cx="702306" cy="765927"/>
+          </a:xfrm>
+          <a:prstGeom prst="line">
+            <a:avLst/>
+          </a:prstGeom>
+          <a:ln w="19049" cap="flat" cmpd="sng" algn="ctr">
+            <a:solidFill>
+              <a:schemeClr val="tx1"/>
+            </a:solidFill>
+            <a:prstDash val="solid"/>
+            <a:miter lim="800000"/>
+            <a:tailEnd type="arrow" len="med"/>
+          </a:ln>
+        </p:spPr>
+        <p:style>
+          <a:lnRef idx="1">
+            <a:schemeClr val="accent1">
+              <a:shade val="50000"/>
+            </a:schemeClr>
+          </a:lnRef>
+          <a:fillRef idx="0">
+            <a:schemeClr val="accent1"/>
+          </a:fillRef>
+          <a:effectRef idx="0">
+            <a:schemeClr val="accent1"/>
+          </a:effectRef>
+          <a:fontRef idx="minor">
+            <a:schemeClr val="tx1"/>
+          </a:fontRef>
+        </p:style>
+      </p:cxnSp>
+      <p:cxnSp>
+        <p:nvCxnSpPr>
+          <p:cNvPr id="1549923061" name=""/>
+          <p:cNvCxnSpPr>
+            <a:cxnSpLocks/>
+          </p:cNvCxnSpPr>
+          <p:nvPr/>
+        </p:nvCxnSpPr>
+        <p:spPr bwMode="auto">
+          <a:xfrm rot="5399978" flipH="0" flipV="1">
+            <a:off x="2321418" y="2819624"/>
+            <a:ext cx="996502" cy="0"/>
+          </a:xfrm>
+          <a:prstGeom prst="line">
+            <a:avLst/>
+          </a:prstGeom>
+          <a:ln w="19049" cap="flat" cmpd="sng" algn="ctr">
+            <a:solidFill>
+              <a:schemeClr val="tx1"/>
+            </a:solidFill>
+            <a:prstDash val="solid"/>
+            <a:miter lim="800000"/>
+            <a:tailEnd type="arrow" len="med"/>
+          </a:ln>
+        </p:spPr>
+        <p:style>
+          <a:lnRef idx="1">
+            <a:schemeClr val="accent1">
+              <a:shade val="50000"/>
+            </a:schemeClr>
+          </a:lnRef>
+          <a:fillRef idx="0">
+            <a:schemeClr val="accent1"/>
+          </a:fillRef>
+          <a:effectRef idx="0">
+            <a:schemeClr val="accent1"/>
+          </a:effectRef>
+          <a:fontRef idx="minor">
+            <a:schemeClr val="tx1"/>
+          </a:fontRef>
+        </p:style>
+      </p:cxnSp>
+      <p:sp>
+        <p:nvSpPr>
+          <p:cNvPr id="1712512108" name=""/>
+          <p:cNvSpPr txBox="1"/>
+          <p:nvPr/>
+        </p:nvSpPr>
+        <p:spPr bwMode="auto">
+          <a:xfrm flipH="0" flipV="0">
+            <a:off x="2444972" y="3405088"/>
+            <a:ext cx="691695" cy="457560"/>
+          </a:xfrm>
+          <a:prstGeom prst="rect">
+            <a:avLst/>
+          </a:prstGeom>
+          <a:noFill/>
+        </p:spPr>
+        <p:txBody>
+          <a:bodyPr vertOverflow="overflow" horzOverflow="overflow" vert="horz" wrap="none" lIns="91440" tIns="45720" rIns="91440" bIns="45720" numCol="1" spcCol="0" rtlCol="0" fromWordArt="0" anchor="t" anchorCtr="0" forceAA="0" upright="0" compatLnSpc="0">
+            <a:spAutoFit/>
+          </a:bodyPr>
+          <a:p>
+            <a:pPr>
+              <a:defRPr/>
+            </a:pPr>
+            <a:r>
+              <a:rPr sz="2400"/>
+              <a:t>iOS</a:t>
+            </a:r>
+            <a:endParaRPr sz="2400"/>
+          </a:p>
+        </p:txBody>
+      </p:sp>
+      <p:sp>
+        <p:nvSpPr>
+          <p:cNvPr id="1290774713" name=""/>
+          <p:cNvSpPr txBox="1"/>
+          <p:nvPr/>
+        </p:nvSpPr>
+        <p:spPr bwMode="auto">
+          <a:xfrm flipH="0" flipV="0">
+            <a:off x="6717602" y="1863812"/>
+            <a:ext cx="2151209" cy="457560"/>
+          </a:xfrm>
+          <a:prstGeom prst="rect">
+            <a:avLst/>
+          </a:prstGeom>
+          <a:noFill/>
+        </p:spPr>
+        <p:txBody>
+          <a:bodyPr vertOverflow="overflow" horzOverflow="overflow" vert="horz" wrap="square" lIns="91440" tIns="45720" rIns="91440" bIns="45720" numCol="1" spcCol="0" rtlCol="0" fromWordArt="0" anchor="t" anchorCtr="0" forceAA="0" upright="0" compatLnSpc="0">
+            <a:spAutoFit/>
+          </a:bodyPr>
+          <a:p>
+            <a:pPr>
+              <a:defRPr/>
+            </a:pPr>
+            <a:r>
+              <a:rPr sz="2400"/>
+              <a:t>Ядро Linux</a:t>
+            </a:r>
+            <a:endParaRPr sz="2400"/>
+          </a:p>
+        </p:txBody>
+      </p:sp>
+      <p:cxnSp>
+        <p:nvCxnSpPr>
+          <p:cNvPr id="1165847427" name=""/>
+          <p:cNvCxnSpPr>
+            <a:cxnSpLocks/>
+          </p:cNvCxnSpPr>
+          <p:nvPr/>
+        </p:nvCxnSpPr>
+        <p:spPr bwMode="auto">
+          <a:xfrm rot="5399978" flipH="0" flipV="0">
+            <a:off x="3636104" y="2688714"/>
+            <a:ext cx="2927196" cy="299251"/>
+          </a:xfrm>
+          <a:prstGeom prst="line">
+            <a:avLst/>
+          </a:prstGeom>
+          <a:ln w="19049" cap="flat" cmpd="sng" algn="ctr">
+            <a:solidFill>
+              <a:schemeClr val="tx1"/>
+            </a:solidFill>
+            <a:prstDash val="solid"/>
+            <a:miter lim="800000"/>
+            <a:tailEnd type="arrow" len="med"/>
+          </a:ln>
+        </p:spPr>
+        <p:style>
+          <a:lnRef idx="1">
+            <a:schemeClr val="accent1">
+              <a:shade val="50000"/>
+            </a:schemeClr>
+          </a:lnRef>
+          <a:fillRef idx="0">
+            <a:schemeClr val="accent1"/>
+          </a:fillRef>
+          <a:effectRef idx="0">
+            <a:schemeClr val="accent1"/>
+          </a:effectRef>
+          <a:fontRef idx="minor">
+            <a:schemeClr val="tx1"/>
+          </a:fontRef>
+        </p:style>
+      </p:cxnSp>
+      <p:sp>
+        <p:nvSpPr>
+          <p:cNvPr id="1124826997" name=""/>
+          <p:cNvSpPr txBox="1"/>
+          <p:nvPr/>
+        </p:nvSpPr>
+        <p:spPr bwMode="auto">
+          <a:xfrm flipH="0" flipV="0">
+            <a:off x="3238556" y="4301938"/>
+            <a:ext cx="811030" cy="457560"/>
+          </a:xfrm>
+          <a:prstGeom prst="rect">
+            <a:avLst/>
+          </a:prstGeom>
+          <a:noFill/>
+        </p:spPr>
+        <p:txBody>
+          <a:bodyPr vertOverflow="overflow" horzOverflow="overflow" vert="horz" wrap="square" lIns="91440" tIns="45720" rIns="91440" bIns="45720" numCol="1" spcCol="0" rtlCol="0" fromWordArt="0" anchor="t" anchorCtr="0" forceAA="0" upright="0" compatLnSpc="0">
+            <a:spAutoFit/>
+          </a:bodyPr>
+          <a:p>
+            <a:pPr>
+              <a:defRPr/>
+            </a:pPr>
+            <a:r>
+              <a:rPr sz="2400"/>
+              <a:t>BSD</a:t>
+            </a:r>
+            <a:endParaRPr sz="2400"/>
+          </a:p>
+        </p:txBody>
+      </p:sp>
+      <p:sp>
+        <p:nvSpPr>
+          <p:cNvPr id="1652215823" name=""/>
+          <p:cNvSpPr txBox="1"/>
+          <p:nvPr/>
+        </p:nvSpPr>
+        <p:spPr bwMode="auto">
+          <a:xfrm flipH="0" flipV="0">
+            <a:off x="4589978" y="4378896"/>
+            <a:ext cx="1115255" cy="457560"/>
+          </a:xfrm>
+          <a:prstGeom prst="rect">
+            <a:avLst/>
+          </a:prstGeom>
+          <a:noFill/>
+        </p:spPr>
+        <p:txBody>
+          <a:bodyPr vertOverflow="overflow" horzOverflow="overflow" vert="horz" wrap="none" lIns="91440" tIns="45720" rIns="91440" bIns="45720" numCol="1" spcCol="0" rtlCol="0" fromWordArt="0" anchor="t" anchorCtr="0" forceAA="0" upright="0" compatLnSpc="0">
+            <a:spAutoFit/>
+          </a:bodyPr>
+          <a:p>
+            <a:pPr>
+              <a:defRPr/>
+            </a:pPr>
+            <a:r>
+              <a:rPr sz="2400"/>
+              <a:t>Solaris</a:t>
+            </a:r>
+            <a:endParaRPr sz="2400"/>
+          </a:p>
+        </p:txBody>
+      </p:sp>
+      <p:cxnSp>
+        <p:nvCxnSpPr>
+          <p:cNvPr id="1628579421" name=""/>
+          <p:cNvCxnSpPr>
+            <a:cxnSpLocks/>
+          </p:cNvCxnSpPr>
+          <p:nvPr/>
+        </p:nvCxnSpPr>
+        <p:spPr bwMode="auto">
+          <a:xfrm rot="5399978" flipH="1" flipV="0">
+            <a:off x="9148086" y="1985942"/>
+            <a:ext cx="1261207" cy="299835"/>
+          </a:xfrm>
+          <a:prstGeom prst="line">
+            <a:avLst/>
+          </a:prstGeom>
+          <a:ln w="19049" cap="flat" cmpd="sng" algn="ctr">
+            <a:solidFill>
+              <a:schemeClr val="tx1"/>
+            </a:solidFill>
+            <a:prstDash val="solid"/>
+            <a:miter lim="800000"/>
+            <a:tailEnd type="arrow" len="med"/>
+          </a:ln>
+        </p:spPr>
+        <p:style>
+          <a:lnRef idx="1">
+            <a:schemeClr val="accent1">
+              <a:shade val="50000"/>
+            </a:schemeClr>
+          </a:lnRef>
+          <a:fillRef idx="0">
+            <a:schemeClr val="accent1"/>
+          </a:fillRef>
+          <a:effectRef idx="0">
+            <a:schemeClr val="accent1"/>
+          </a:effectRef>
+          <a:fontRef idx="minor">
+            <a:schemeClr val="tx1"/>
+          </a:fontRef>
+        </p:style>
+      </p:cxnSp>
+      <p:cxnSp>
+        <p:nvCxnSpPr>
+          <p:cNvPr id="722314465" name=""/>
+          <p:cNvCxnSpPr>
+            <a:cxnSpLocks/>
+          </p:cNvCxnSpPr>
+          <p:nvPr/>
+        </p:nvCxnSpPr>
+        <p:spPr bwMode="auto">
+          <a:xfrm rot="5399978" flipH="0" flipV="1">
+            <a:off x="6584208" y="3242439"/>
+            <a:ext cx="1842131" cy="0"/>
+          </a:xfrm>
+          <a:prstGeom prst="line">
+            <a:avLst/>
+          </a:prstGeom>
+          <a:ln w="19049" cap="flat" cmpd="sng" algn="ctr">
+            <a:solidFill>
+              <a:schemeClr val="tx1"/>
+            </a:solidFill>
+            <a:prstDash val="solid"/>
+            <a:miter lim="800000"/>
+            <a:tailEnd type="arrow" len="med"/>
+          </a:ln>
+        </p:spPr>
+        <p:style>
+          <a:lnRef idx="1">
+            <a:schemeClr val="accent1">
+              <a:shade val="50000"/>
+            </a:schemeClr>
+          </a:lnRef>
+          <a:fillRef idx="0">
+            <a:schemeClr val="accent1"/>
+          </a:fillRef>
+          <a:effectRef idx="0">
+            <a:schemeClr val="accent1"/>
+          </a:effectRef>
+          <a:fontRef idx="minor">
+            <a:schemeClr val="tx1"/>
+          </a:fontRef>
+        </p:style>
+      </p:cxnSp>
+      <p:cxnSp>
+        <p:nvCxnSpPr>
+          <p:cNvPr id="1684686849" name=""/>
+          <p:cNvCxnSpPr>
+            <a:cxnSpLocks/>
+          </p:cNvCxnSpPr>
+          <p:nvPr/>
+        </p:nvCxnSpPr>
+        <p:spPr bwMode="auto">
+          <a:xfrm rot="5399978" flipH="0" flipV="1">
+            <a:off x="8523810" y="2064482"/>
+            <a:ext cx="534836" cy="975447"/>
+          </a:xfrm>
+          <a:prstGeom prst="line">
+            <a:avLst/>
+          </a:prstGeom>
+          <a:ln w="19049" cap="flat" cmpd="sng" algn="ctr">
+            <a:solidFill>
+              <a:schemeClr val="tx1"/>
+            </a:solidFill>
+            <a:prstDash val="solid"/>
+            <a:miter lim="800000"/>
+            <a:tailEnd type="arrow" len="med"/>
+          </a:ln>
+        </p:spPr>
+        <p:style>
+          <a:lnRef idx="1">
+            <a:schemeClr val="accent1">
+              <a:shade val="50000"/>
+            </a:schemeClr>
+          </a:lnRef>
+          <a:fillRef idx="0">
+            <a:schemeClr val="accent1"/>
+          </a:fillRef>
+          <a:effectRef idx="0">
+            <a:schemeClr val="accent1"/>
+          </a:effectRef>
+          <a:fontRef idx="minor">
+            <a:schemeClr val="tx1"/>
+          </a:fontRef>
+        </p:style>
+      </p:cxnSp>
+      <p:cxnSp>
+        <p:nvCxnSpPr>
+          <p:cNvPr id="1802806438" name=""/>
+          <p:cNvCxnSpPr>
+            <a:cxnSpLocks/>
+          </p:cNvCxnSpPr>
+          <p:nvPr/>
+        </p:nvCxnSpPr>
+        <p:spPr bwMode="auto">
+          <a:xfrm rot="5399978" flipH="0" flipV="1">
+            <a:off x="7397479" y="2792232"/>
+            <a:ext cx="1601211" cy="809755"/>
+          </a:xfrm>
+          <a:prstGeom prst="line">
+            <a:avLst/>
+          </a:prstGeom>
+          <a:ln w="19049" cap="flat" cmpd="sng" algn="ctr">
+            <a:solidFill>
+              <a:schemeClr val="tx1"/>
+            </a:solidFill>
+            <a:prstDash val="solid"/>
+            <a:miter lim="800000"/>
+            <a:tailEnd type="arrow" len="med"/>
+          </a:ln>
+        </p:spPr>
+        <p:style>
+          <a:lnRef idx="1">
+            <a:schemeClr val="accent1">
+              <a:shade val="50000"/>
+            </a:schemeClr>
+          </a:lnRef>
+          <a:fillRef idx="0">
+            <a:schemeClr val="accent1"/>
+          </a:fillRef>
+          <a:effectRef idx="0">
+            <a:schemeClr val="accent1"/>
+          </a:effectRef>
+          <a:fontRef idx="minor">
+            <a:schemeClr val="tx1"/>
+          </a:fontRef>
+        </p:style>
+      </p:cxnSp>
+      <p:sp>
+        <p:nvSpPr>
+          <p:cNvPr id="38235437" name=""/>
+          <p:cNvSpPr txBox="1"/>
+          <p:nvPr/>
+        </p:nvSpPr>
+        <p:spPr bwMode="auto">
+          <a:xfrm flipH="0" flipV="0">
+            <a:off x="8912094" y="2860315"/>
+            <a:ext cx="2895485" cy="457560"/>
+          </a:xfrm>
+          <a:prstGeom prst="rect">
+            <a:avLst/>
+          </a:prstGeom>
+          <a:noFill/>
+        </p:spPr>
+        <p:txBody>
+          <a:bodyPr vertOverflow="overflow" horzOverflow="overflow" vert="horz" wrap="square" lIns="91440" tIns="45720" rIns="91440" bIns="45720" numCol="1" spcCol="0" rtlCol="0" fromWordArt="0" anchor="t" anchorCtr="0" forceAA="0" upright="0" compatLnSpc="0">
+            <a:spAutoFit/>
+          </a:bodyPr>
+          <a:p>
+            <a:pPr>
+              <a:defRPr/>
+            </a:pPr>
+            <a:r>
+              <a:rPr sz="2400"/>
+              <a:t>Google Android</a:t>
+            </a:r>
+            <a:endParaRPr sz="2400"/>
+          </a:p>
+        </p:txBody>
+      </p:sp>
+      <p:sp>
+        <p:nvSpPr>
+          <p:cNvPr id="105009081" name=""/>
+          <p:cNvSpPr txBox="1"/>
+          <p:nvPr/>
+        </p:nvSpPr>
+        <p:spPr bwMode="auto">
+          <a:xfrm flipH="0" flipV="0">
+            <a:off x="8912094" y="986667"/>
+            <a:ext cx="2351022" cy="457560"/>
+          </a:xfrm>
+          <a:prstGeom prst="rect">
+            <a:avLst/>
+          </a:prstGeom>
+          <a:noFill/>
+        </p:spPr>
+        <p:txBody>
+          <a:bodyPr vertOverflow="overflow" horzOverflow="overflow" vert="horz" wrap="square" lIns="91440" tIns="45720" rIns="91440" bIns="45720" numCol="1" spcCol="0" rtlCol="0" fromWordArt="0" anchor="t" anchorCtr="0" forceAA="0" upright="0" compatLnSpc="0">
+            <a:spAutoFit/>
+          </a:bodyPr>
+          <a:p>
+            <a:pPr>
+              <a:defRPr/>
+            </a:pPr>
+            <a:r>
+              <a:rPr sz="2400"/>
+              <a:t>HarmonyOS</a:t>
+            </a:r>
+            <a:endParaRPr sz="2400"/>
+          </a:p>
+        </p:txBody>
+      </p:sp>
+      <p:sp>
+        <p:nvSpPr>
+          <p:cNvPr id="1904370249" name=""/>
+          <p:cNvSpPr txBox="1"/>
+          <p:nvPr/>
+        </p:nvSpPr>
+        <p:spPr bwMode="auto">
+          <a:xfrm flipH="0" flipV="0">
+            <a:off x="8452361" y="3997716"/>
+            <a:ext cx="2352821" cy="457560"/>
+          </a:xfrm>
+          <a:prstGeom prst="rect">
+            <a:avLst/>
+          </a:prstGeom>
+          <a:noFill/>
+        </p:spPr>
+        <p:txBody>
+          <a:bodyPr vertOverflow="overflow" horzOverflow="overflow" vert="horz" wrap="square" lIns="91440" tIns="45720" rIns="91440" bIns="45720" numCol="1" spcCol="0" rtlCol="0" fromWordArt="0" anchor="t" anchorCtr="0" forceAA="0" upright="0" compatLnSpc="0">
+            <a:spAutoFit/>
+          </a:bodyPr>
+          <a:p>
+            <a:pPr>
+              <a:defRPr/>
+            </a:pPr>
+            <a:r>
+              <a:rPr sz="2400"/>
+              <a:t>CentOS</a:t>
+            </a:r>
+            <a:endParaRPr sz="2400"/>
+          </a:p>
+        </p:txBody>
+      </p:sp>
+      <p:sp>
+        <p:nvSpPr>
+          <p:cNvPr id="999346748" name=""/>
+          <p:cNvSpPr txBox="1"/>
+          <p:nvPr/>
+        </p:nvSpPr>
+        <p:spPr bwMode="auto">
+          <a:xfrm flipH="0" flipV="0">
+            <a:off x="6868472" y="4226496"/>
+            <a:ext cx="2356061" cy="457560"/>
+          </a:xfrm>
+          <a:prstGeom prst="rect">
+            <a:avLst/>
+          </a:prstGeom>
+          <a:noFill/>
+        </p:spPr>
+        <p:txBody>
+          <a:bodyPr vertOverflow="overflow" horzOverflow="overflow" vert="horz" wrap="square" lIns="91440" tIns="45720" rIns="91440" bIns="45720" numCol="1" spcCol="0" rtlCol="0" fromWordArt="0" anchor="t" anchorCtr="0" forceAA="0" upright="0" compatLnSpc="0">
+            <a:spAutoFit/>
+          </a:bodyPr>
+          <a:p>
+            <a:pPr>
+              <a:defRPr/>
+            </a:pPr>
+            <a:r>
+              <a:rPr sz="2400"/>
+              <a:t>Debian</a:t>
+            </a:r>
+            <a:endParaRPr sz="2400"/>
+          </a:p>
+        </p:txBody>
+      </p:sp>
+      <p:cxnSp>
+        <p:nvCxnSpPr>
+          <p:cNvPr id="1970083967" name=""/>
+          <p:cNvCxnSpPr>
+            <a:cxnSpLocks/>
+          </p:cNvCxnSpPr>
+          <p:nvPr/>
+        </p:nvCxnSpPr>
+        <p:spPr bwMode="auto">
+          <a:xfrm rot="5399978" flipH="0" flipV="0">
+            <a:off x="6349526" y="4823197"/>
+            <a:ext cx="710433" cy="583034"/>
+          </a:xfrm>
+          <a:prstGeom prst="line">
+            <a:avLst/>
+          </a:prstGeom>
+          <a:ln w="19049" cap="flat" cmpd="sng" algn="ctr">
+            <a:solidFill>
+              <a:schemeClr val="tx1"/>
+            </a:solidFill>
+            <a:prstDash val="solid"/>
+            <a:miter lim="800000"/>
+            <a:tailEnd type="arrow" len="med"/>
+          </a:ln>
+        </p:spPr>
+        <p:style>
+          <a:lnRef idx="1">
+            <a:schemeClr val="accent1">
+              <a:shade val="50000"/>
+            </a:schemeClr>
+          </a:lnRef>
+          <a:fillRef idx="0">
+            <a:schemeClr val="accent1"/>
+          </a:fillRef>
+          <a:effectRef idx="0">
+            <a:schemeClr val="accent1"/>
+          </a:effectRef>
+          <a:fontRef idx="minor">
+            <a:schemeClr val="tx1"/>
+          </a:fontRef>
+        </p:style>
+      </p:cxnSp>
+      <p:cxnSp>
+        <p:nvCxnSpPr>
+          <p:cNvPr id="443989566" name=""/>
+          <p:cNvCxnSpPr>
+            <a:cxnSpLocks/>
+          </p:cNvCxnSpPr>
+          <p:nvPr/>
+        </p:nvCxnSpPr>
+        <p:spPr bwMode="auto">
+          <a:xfrm rot="5399978" flipH="0" flipV="1">
+            <a:off x="7007263" y="5242136"/>
+            <a:ext cx="1260196" cy="144037"/>
+          </a:xfrm>
+          <a:prstGeom prst="line">
+            <a:avLst/>
+          </a:prstGeom>
+          <a:ln w="19049" cap="flat" cmpd="sng" algn="ctr">
+            <a:solidFill>
+              <a:schemeClr val="tx1"/>
+            </a:solidFill>
+            <a:prstDash val="solid"/>
+            <a:miter lim="800000"/>
+            <a:tailEnd type="arrow" len="med"/>
+          </a:ln>
+        </p:spPr>
+        <p:style>
+          <a:lnRef idx="1">
+            <a:schemeClr val="accent1">
+              <a:shade val="50000"/>
+            </a:schemeClr>
+          </a:lnRef>
+          <a:fillRef idx="0">
+            <a:schemeClr val="accent1"/>
+          </a:fillRef>
+          <a:effectRef idx="0">
+            <a:schemeClr val="accent1"/>
+          </a:effectRef>
+          <a:fontRef idx="minor">
+            <a:schemeClr val="tx1"/>
+          </a:fontRef>
+        </p:style>
+      </p:cxnSp>
+      <p:cxnSp>
+        <p:nvCxnSpPr>
+          <p:cNvPr id="635958654" name=""/>
+          <p:cNvCxnSpPr>
+            <a:cxnSpLocks/>
+          </p:cNvCxnSpPr>
+          <p:nvPr/>
+        </p:nvCxnSpPr>
+        <p:spPr bwMode="auto">
+          <a:xfrm rot="5399978" flipH="0" flipV="1">
+            <a:off x="7907066" y="4687795"/>
+            <a:ext cx="792877" cy="764639"/>
+          </a:xfrm>
+          <a:prstGeom prst="line">
+            <a:avLst/>
+          </a:prstGeom>
+          <a:ln w="19049" cap="flat" cmpd="sng" algn="ctr">
+            <a:solidFill>
+              <a:schemeClr val="tx1"/>
+            </a:solidFill>
+            <a:prstDash val="solid"/>
+            <a:miter lim="800000"/>
+            <a:tailEnd type="arrow" len="med"/>
+          </a:ln>
+        </p:spPr>
+        <p:style>
+          <a:lnRef idx="1">
+            <a:schemeClr val="accent1">
+              <a:shade val="50000"/>
+            </a:schemeClr>
+          </a:lnRef>
+          <a:fillRef idx="0">
+            <a:schemeClr val="accent1"/>
+          </a:fillRef>
+          <a:effectRef idx="0">
+            <a:schemeClr val="accent1"/>
+          </a:effectRef>
+          <a:fontRef idx="minor">
+            <a:schemeClr val="tx1"/>
+          </a:fontRef>
+        </p:style>
+      </p:cxnSp>
+      <p:sp>
+        <p:nvSpPr>
+          <p:cNvPr id="1503999035" name=""/>
+          <p:cNvSpPr txBox="1"/>
+          <p:nvPr/>
+        </p:nvSpPr>
+        <p:spPr bwMode="auto">
+          <a:xfrm flipH="0" flipV="0">
+            <a:off x="5437145" y="5571532"/>
+            <a:ext cx="2356061" cy="457560"/>
+          </a:xfrm>
+          <a:prstGeom prst="rect">
+            <a:avLst/>
+          </a:prstGeom>
+          <a:noFill/>
+        </p:spPr>
+        <p:txBody>
+          <a:bodyPr vertOverflow="overflow" horzOverflow="overflow" vert="horz" wrap="square" lIns="91440" tIns="45720" rIns="91440" bIns="45720" numCol="1" spcCol="0" rtlCol="0" fromWordArt="0" anchor="t" anchorCtr="0" forceAA="0" upright="0" compatLnSpc="0">
+            <a:spAutoFit/>
+          </a:bodyPr>
+          <a:p>
+            <a:pPr>
+              <a:defRPr/>
+            </a:pPr>
+            <a:r>
+              <a:rPr sz="2400"/>
+              <a:t>Ubuntu</a:t>
+            </a:r>
+            <a:endParaRPr sz="2400"/>
+          </a:p>
+        </p:txBody>
+      </p:sp>
+      <p:sp>
+        <p:nvSpPr>
+          <p:cNvPr id="2081941877" name=""/>
+          <p:cNvSpPr txBox="1"/>
+          <p:nvPr/>
+        </p:nvSpPr>
+        <p:spPr bwMode="auto">
+          <a:xfrm flipH="0" flipV="0">
+            <a:off x="8912094" y="5980128"/>
+            <a:ext cx="183636" cy="366119"/>
+          </a:xfrm>
+          <a:prstGeom prst="rect">
+            <a:avLst/>
+          </a:prstGeom>
+          <a:noFill/>
+        </p:spPr>
+        <p:txBody>
+          <a:bodyPr vertOverflow="overflow" horzOverflow="overflow" vert="horz" wrap="none" lIns="91440" tIns="45720" rIns="91440" bIns="45720" numCol="1" spcCol="0" rtlCol="0" fromWordArt="0" anchor="t" anchorCtr="0" forceAA="0" upright="0" compatLnSpc="0">
+            <a:spAutoFit/>
+          </a:bodyPr>
+          <a:p>
+            <a:pPr>
+              <a:defRPr/>
+            </a:pPr>
+            <a:endParaRPr/>
+          </a:p>
+        </p:txBody>
+      </p:sp>
+      <p:sp>
+        <p:nvSpPr>
+          <p:cNvPr id="166884015" name=""/>
+          <p:cNvSpPr txBox="1"/>
+          <p:nvPr/>
+        </p:nvSpPr>
+        <p:spPr bwMode="auto">
+          <a:xfrm flipH="0" flipV="0">
+            <a:off x="7067787" y="5980128"/>
+            <a:ext cx="2360021" cy="457560"/>
+          </a:xfrm>
+          <a:prstGeom prst="rect">
+            <a:avLst/>
+          </a:prstGeom>
+          <a:noFill/>
+        </p:spPr>
+        <p:txBody>
+          <a:bodyPr vertOverflow="overflow" horzOverflow="overflow" vert="horz" wrap="square" lIns="91440" tIns="45720" rIns="91440" bIns="45720" numCol="1" spcCol="0" rtlCol="0" fromWordArt="0" anchor="t" anchorCtr="0" forceAA="0" upright="0" compatLnSpc="0">
+            <a:spAutoFit/>
+          </a:bodyPr>
+          <a:p>
+            <a:pPr>
+              <a:defRPr/>
+            </a:pPr>
+            <a:r>
+              <a:rPr sz="2400"/>
+              <a:t>Linux Mint</a:t>
+            </a:r>
+            <a:endParaRPr sz="2400"/>
+          </a:p>
+        </p:txBody>
+      </p:sp>
+      <p:sp>
+        <p:nvSpPr>
+          <p:cNvPr id="927669055" name=""/>
+          <p:cNvSpPr txBox="1"/>
+          <p:nvPr/>
+        </p:nvSpPr>
+        <p:spPr bwMode="auto">
+          <a:xfrm flipH="0" flipV="0">
+            <a:off x="8685825" y="5466553"/>
+            <a:ext cx="2358941" cy="457560"/>
+          </a:xfrm>
+          <a:prstGeom prst="rect">
+            <a:avLst/>
+          </a:prstGeom>
+          <a:noFill/>
+        </p:spPr>
+        <p:txBody>
+          <a:bodyPr vertOverflow="overflow" horzOverflow="overflow" vert="horz" wrap="square" lIns="91440" tIns="45720" rIns="91440" bIns="45720" numCol="1" spcCol="0" rtlCol="0" fromWordArt="0" anchor="t" anchorCtr="0" forceAA="0" upright="0" compatLnSpc="0">
+            <a:spAutoFit/>
+          </a:bodyPr>
+          <a:p>
+            <a:pPr>
+              <a:defRPr/>
+            </a:pPr>
+            <a:r>
+              <a:rPr sz="2400"/>
+              <a:t>SteamOS</a:t>
+            </a:r>
+            <a:endParaRPr sz="2400"/>
+          </a:p>
+        </p:txBody>
+      </p:sp>
+      <p:cxnSp>
+        <p:nvCxnSpPr>
+          <p:cNvPr id="930570226" name=""/>
+          <p:cNvCxnSpPr>
+            <a:cxnSpLocks/>
+          </p:cNvCxnSpPr>
+          <p:nvPr/>
+        </p:nvCxnSpPr>
+        <p:spPr bwMode="auto">
+          <a:xfrm rot="5399978" flipH="1" flipV="1">
+            <a:off x="10603599" y="2309756"/>
+            <a:ext cx="602687" cy="168360"/>
+          </a:xfrm>
+          <a:prstGeom prst="line">
+            <a:avLst/>
+          </a:prstGeom>
+          <a:ln w="19049" cap="flat" cmpd="sng" algn="ctr">
+            <a:solidFill>
+              <a:schemeClr val="tx1"/>
+            </a:solidFill>
+            <a:prstDash val="solid"/>
+            <a:miter lim="800000"/>
+            <a:tailEnd type="arrow" len="med"/>
+          </a:ln>
+        </p:spPr>
+        <p:style>
+          <a:lnRef idx="1">
+            <a:schemeClr val="accent1">
+              <a:shade val="50000"/>
+            </a:schemeClr>
+          </a:lnRef>
+          <a:fillRef idx="0">
+            <a:schemeClr val="accent1"/>
+          </a:fillRef>
+          <a:effectRef idx="0">
+            <a:schemeClr val="accent1"/>
+          </a:effectRef>
+          <a:fontRef idx="minor">
+            <a:schemeClr val="tx1"/>
+          </a:fontRef>
+        </p:style>
+      </p:cxnSp>
+      <p:sp>
+        <p:nvSpPr>
+          <p:cNvPr id="959996969" name=""/>
+          <p:cNvSpPr txBox="1"/>
+          <p:nvPr/>
+        </p:nvSpPr>
+        <p:spPr bwMode="auto">
+          <a:xfrm flipH="0" flipV="0">
+            <a:off x="10177207" y="1566285"/>
+            <a:ext cx="2353181" cy="457560"/>
+          </a:xfrm>
+          <a:prstGeom prst="rect">
+            <a:avLst/>
+          </a:prstGeom>
+          <a:noFill/>
+        </p:spPr>
+        <p:txBody>
+          <a:bodyPr vertOverflow="overflow" horzOverflow="overflow" vert="horz" wrap="square" lIns="91440" tIns="45720" rIns="91440" bIns="45720" numCol="1" spcCol="0" rtlCol="0" fromWordArt="0" anchor="t" anchorCtr="0" forceAA="0" upright="0" compatLnSpc="0">
+            <a:spAutoFit/>
+          </a:bodyPr>
+          <a:p>
+            <a:pPr>
+              <a:defRPr/>
+            </a:pPr>
+            <a:r>
+              <a:rPr sz="2400"/>
+              <a:t>Fire OS</a:t>
+            </a:r>
+            <a:endParaRPr sz="2400"/>
+          </a:p>
+        </p:txBody>
+      </p:sp>
+      <p:sp>
+        <p:nvSpPr>
+          <p:cNvPr id="1761782079" name=""/>
+          <p:cNvSpPr txBox="1"/>
+          <p:nvPr/>
+        </p:nvSpPr>
+        <p:spPr bwMode="auto">
+          <a:xfrm flipH="0" flipV="0">
+            <a:off x="5624098" y="2947528"/>
+            <a:ext cx="2161288" cy="457560"/>
+          </a:xfrm>
+          <a:prstGeom prst="rect">
+            <a:avLst/>
+          </a:prstGeom>
+          <a:noFill/>
+        </p:spPr>
+        <p:txBody>
+          <a:bodyPr vertOverflow="overflow" horzOverflow="overflow" vert="horz" wrap="square" lIns="91440" tIns="45720" rIns="91440" bIns="45720" numCol="1" spcCol="0" rtlCol="0" fromWordArt="0" anchor="t" anchorCtr="0" forceAA="0" upright="0" compatLnSpc="0">
+            <a:spAutoFit/>
+          </a:bodyPr>
+          <a:p>
+            <a:pPr>
+              <a:defRPr/>
+            </a:pPr>
+            <a:r>
+              <a:rPr sz="2400"/>
+              <a:t>Chrome OS</a:t>
+            </a:r>
+            <a:endParaRPr sz="2400"/>
+          </a:p>
+        </p:txBody>
+      </p:sp>
+      <p:cxnSp>
+        <p:nvCxnSpPr>
+          <p:cNvPr id="1340117309" name=""/>
+          <p:cNvCxnSpPr>
+            <a:cxnSpLocks/>
+            <a:endCxn id="1761782079" idx="0"/>
+          </p:cNvCxnSpPr>
+          <p:nvPr/>
+        </p:nvCxnSpPr>
+        <p:spPr bwMode="auto">
+          <a:xfrm rot="5399978" flipH="0" flipV="0">
+            <a:off x="6671068" y="2439473"/>
+            <a:ext cx="541729" cy="474379"/>
+          </a:xfrm>
+          <a:prstGeom prst="line">
+            <a:avLst/>
+          </a:prstGeom>
+          <a:ln w="19049" cap="flat" cmpd="sng" algn="ctr">
+            <a:solidFill>
+              <a:schemeClr val="tx1"/>
+            </a:solidFill>
+            <a:prstDash val="solid"/>
+            <a:miter lim="800000"/>
+            <a:tailEnd type="arrow" len="med"/>
+          </a:ln>
+        </p:spPr>
+        <p:style>
+          <a:lnRef idx="1">
+            <a:schemeClr val="accent1">
+              <a:shade val="50000"/>
+            </a:schemeClr>
+          </a:lnRef>
+          <a:fillRef idx="0">
+            <a:schemeClr val="accent1"/>
+          </a:fillRef>
+          <a:effectRef idx="0">
+            <a:schemeClr val="accent1"/>
+          </a:effectRef>
+          <a:fontRef idx="minor">
+            <a:schemeClr val="tx1"/>
+          </a:fontRef>
+        </p:style>
+      </p:cxnSp>
+    </p:spTree>
+  </p:cSld>
+  <p:clrMapOvr>
+    <a:masterClrMapping/>
+  </p:clrMapOvr>
+  <mc:AlternateContent xmlns:mc="http://schemas.openxmlformats.org/markup-compatibility/2006">
+    <mc:Choice xmlns:p159="http://schemas.microsoft.com/office/powerpoint/2015/09/main" xmlns:p14="http://schemas.microsoft.com/office/powerpoint/2010/main" Requires="p159">
+      <p:transition p14:dur="2000" advClick="1"/>
+    </mc:Choice>
+    <mc:Fallback>
+      <p:transition advClick="1"/>
+    </mc:Fallback>
+  </mc:AlternateContent>
+</p:sld>
+</file>
+
+<file path=ppt/slides/slide15.xml><?xml version="1.0" encoding="utf-8"?>
+<p:sld xmlns:a="http://schemas.openxmlformats.org/drawingml/2006/main" xmlns:r="http://schemas.openxmlformats.org/officeDocument/2006/relationships" xmlns:p="http://schemas.openxmlformats.org/presentationml/2006/main" xmlns:m="http://schemas.openxmlformats.org/officeDocument/2006/math" xmlns:w="http://schemas.openxmlformats.org/wordprocessingml/2006/main" xmlns:mc="http://schemas.openxmlformats.org/markup-compatibility/2006" showMasterPhAnim="0" showMasterSp="1" show="1">
+  <p:cSld name="">
+    <p:spTree>
+      <p:nvGrpSpPr>
+        <p:cNvPr id="1" name=""/>
+        <p:cNvGrpSpPr/>
+        <p:nvPr/>
+      </p:nvGrpSpPr>
+      <p:grpSpPr bwMode="auto">
+        <a:xfrm>
+          <a:off x="0" y="0"/>
+          <a:ext cx="0" cy="0"/>
+          <a:chOff x="0" y="0"/>
+          <a:chExt cx="0" cy="0"/>
+        </a:xfrm>
+      </p:grpSpPr>
+      <p:sp>
+        <p:nvSpPr>
+          <p:cNvPr id="1218325292" name="Title 1"/>
+          <p:cNvSpPr>
+            <a:spLocks noGrp="1"/>
+          </p:cNvSpPr>
+          <p:nvPr>
+            <p:ph type="title"/>
+          </p:nvPr>
+        </p:nvSpPr>
+        <p:spPr bwMode="auto">
+          <a:xfrm flipH="0" flipV="0">
+            <a:off x="838199" y="365124"/>
+            <a:ext cx="10515600" cy="685570"/>
+          </a:xfrm>
+        </p:spPr>
+        <p:txBody>
+          <a:bodyPr/>
+          <a:lstStyle/>
+          <a:p>
+            <a:pPr>
+              <a:defRPr/>
+            </a:pPr>
+            <a:r>
+              <a:rPr sz="2400"/>
+              <a:t>А есть ли ещё уникальные ОС?</a:t>
+            </a:r>
+            <a:endParaRPr sz="2400"/>
+          </a:p>
+        </p:txBody>
+      </p:sp>
+      <p:sp>
+        <p:nvSpPr>
+          <p:cNvPr id="169471687" name="Content Placeholder 2"/>
+          <p:cNvSpPr>
+            <a:spLocks noGrp="1"/>
+          </p:cNvSpPr>
+          <p:nvPr>
+            <p:ph idx="1"/>
+          </p:nvPr>
+        </p:nvSpPr>
+        <p:spPr bwMode="auto">
+          <a:xfrm flipH="0" flipV="0">
+            <a:off x="838199" y="1139072"/>
+            <a:ext cx="5339325" cy="5037890"/>
+          </a:xfrm>
+        </p:spPr>
+        <p:txBody>
+          <a:bodyPr/>
+          <a:lstStyle/>
+          <a:p>
+            <a:pPr>
+              <a:defRPr/>
+            </a:pPr>
+            <a:r>
+              <a:rPr lang="ru-RU" sz="1800" b="0" i="0" u="none" strike="noStrike" cap="none" spc="0">
+                <a:solidFill>
+                  <a:schemeClr val="tx1"/>
+                </a:solidFill>
+                <a:latin typeface="Arial"/>
+                <a:ea typeface="Arial"/>
+                <a:cs typeface="Arial"/>
+              </a:rPr>
+              <a:t>IBM z/OS</a:t>
+            </a:r>
+            <a:r>
+              <a:rPr sz="1800"/>
+              <a:t> – с 1970-х до наших дней. До сих пор используется в банковской сфере для обработки транзакций, в телекоммуникациях для </a:t>
+            </a:r>
+            <a:r>
+              <a:rPr lang="ru-RU" sz="1800" b="0" i="0" u="none" strike="noStrike" cap="none" spc="0">
+                <a:solidFill>
+                  <a:schemeClr val="tx1"/>
+                </a:solidFill>
+                <a:latin typeface="Arial"/>
+                <a:ea typeface="Arial"/>
+                <a:cs typeface="Arial"/>
+              </a:rPr>
+              <a:t>биллинговых систем, управления абонентами и данных о вызовах, управления производственными мощностями.</a:t>
+            </a:r>
+            <a:endParaRPr lang="ru-RU" sz="1800" b="0" i="0" u="none" strike="noStrike" cap="none" spc="0">
+              <a:solidFill>
+                <a:schemeClr val="tx1"/>
+              </a:solidFill>
+              <a:latin typeface="Arial"/>
+              <a:ea typeface="Arial"/>
+              <a:cs typeface="Arial"/>
+            </a:endParaRPr>
+          </a:p>
+          <a:p>
+            <a:pPr>
+              <a:defRPr/>
+            </a:pPr>
+            <a:r>
+              <a:rPr lang="ru-RU" sz="1800" b="0" i="0" u="none" strike="noStrike" cap="none" spc="0">
+                <a:solidFill>
+                  <a:schemeClr val="tx1"/>
+                </a:solidFill>
+                <a:latin typeface="Arial"/>
+                <a:ea typeface="Arial"/>
+                <a:cs typeface="Arial"/>
+              </a:rPr>
+              <a:t>Используется одной из крупнейших банковских компаний в мире - </a:t>
+            </a:r>
+            <a:r>
+              <a:rPr lang="ru-RU" sz="1800" b="0" i="0" u="none" strike="noStrike" cap="none" spc="0">
+                <a:solidFill>
+                  <a:schemeClr val="tx1"/>
+                </a:solidFill>
+                <a:latin typeface="Arial"/>
+                <a:ea typeface="Arial"/>
+                <a:cs typeface="Arial"/>
+              </a:rPr>
+              <a:t>JPMorgan Chase</a:t>
+            </a:r>
+            <a:r>
+              <a:rPr lang="ru-RU" sz="1800" b="0" i="0" u="none" strike="noStrike" cap="none" spc="0">
+                <a:solidFill>
+                  <a:schemeClr val="tx1"/>
+                </a:solidFill>
+                <a:latin typeface="Arial"/>
+                <a:ea typeface="Arial"/>
+                <a:cs typeface="Arial"/>
+              </a:rPr>
+              <a:t> </a:t>
+            </a:r>
+            <a:r>
+              <a:rPr lang="ru-RU" sz="1800" b="0" i="0" u="none" strike="noStrike" cap="none" spc="0">
+                <a:solidFill>
+                  <a:schemeClr val="tx1"/>
+                </a:solidFill>
+                <a:latin typeface="Arial"/>
+                <a:ea typeface="Arial"/>
+                <a:cs typeface="Arial"/>
+              </a:rPr>
+              <a:t>.</a:t>
+            </a:r>
+            <a:endParaRPr sz="1800" b="0" i="0" u="none" strike="noStrike" cap="none" spc="0">
+              <a:solidFill>
+                <a:schemeClr val="tx1"/>
+              </a:solidFill>
+              <a:latin typeface="Arial"/>
+              <a:ea typeface="Arial"/>
+              <a:cs typeface="Arial"/>
+            </a:endParaRPr>
+          </a:p>
+          <a:p>
+            <a:pPr>
+              <a:defRPr/>
+            </a:pPr>
+            <a:r>
+              <a:rPr lang="ru-RU" sz="1800" b="0" i="0" u="none" strike="noStrike" cap="none" spc="0">
+                <a:solidFill>
+                  <a:schemeClr val="tx1"/>
+                </a:solidFill>
+                <a:latin typeface="Arial"/>
+                <a:ea typeface="Arial"/>
+                <a:cs typeface="Arial"/>
+              </a:rPr>
+              <a:t>Последнее обновление: 29 сентября 2023г.</a:t>
+            </a:r>
+            <a:endParaRPr sz="1800"/>
+          </a:p>
+        </p:txBody>
+      </p:sp>
+      <p:pic>
+        <p:nvPicPr>
+          <p:cNvPr id="1037675821" name=""/>
+          <p:cNvPicPr>
+            <a:picLocks noChangeAspect="1"/>
+          </p:cNvPicPr>
+          <p:nvPr/>
+        </p:nvPicPr>
+        <p:blipFill>
+          <a:blip r:embed="rId3"/>
+          <a:stretch/>
+        </p:blipFill>
+        <p:spPr bwMode="auto">
+          <a:xfrm>
+            <a:off x="6235437" y="1050695"/>
+            <a:ext cx="5467349" cy="3686175"/>
+          </a:xfrm>
+          <a:prstGeom prst="rect">
+            <a:avLst/>
+          </a:prstGeom>
+        </p:spPr>
+      </p:pic>
+    </p:spTree>
+  </p:cSld>
+  <p:clrMapOvr>
+    <a:masterClrMapping/>
+  </p:clrMapOvr>
+  <mc:AlternateContent xmlns:mc="http://schemas.openxmlformats.org/markup-compatibility/2006">
+    <mc:Choice xmlns:p159="http://schemas.microsoft.com/office/powerpoint/2015/09/main" xmlns:p14="http://schemas.microsoft.com/office/powerpoint/2010/main" Requires="p159">
+      <p:transition p14:dur="2000" advClick="1"/>
+    </mc:Choice>
+    <mc:Fallback>
+      <p:transition advClick="1"/>
+    </mc:Fallback>
+  </mc:AlternateContent>
+</p:sld>
+</file>
+
+<file path=ppt/slides/slide16.xml><?xml version="1.0" encoding="utf-8"?>
+<p:sld xmlns:a="http://schemas.openxmlformats.org/drawingml/2006/main" xmlns:r="http://schemas.openxmlformats.org/officeDocument/2006/relationships" xmlns:p="http://schemas.openxmlformats.org/presentationml/2006/main" xmlns:m="http://schemas.openxmlformats.org/officeDocument/2006/math" xmlns:w="http://schemas.openxmlformats.org/wordprocessingml/2006/main" xmlns:mc="http://schemas.openxmlformats.org/markup-compatibility/2006" showMasterPhAnim="0" showMasterSp="1" show="1">
+  <p:cSld name="">
+    <p:spTree>
+      <p:nvGrpSpPr>
+        <p:cNvPr id="1" name=""/>
+        <p:cNvGrpSpPr/>
+        <p:nvPr/>
+      </p:nvGrpSpPr>
+      <p:grpSpPr bwMode="auto">
+        <a:xfrm>
+          <a:off x="0" y="0"/>
+          <a:ext cx="0" cy="0"/>
+          <a:chOff x="0" y="0"/>
+          <a:chExt cx="0" cy="0"/>
+        </a:xfrm>
+      </p:grpSpPr>
+      <p:sp>
+        <p:nvSpPr>
+          <p:cNvPr id="776213852" name="Title 1"/>
+          <p:cNvSpPr>
+            <a:spLocks noGrp="1"/>
+          </p:cNvSpPr>
+          <p:nvPr>
+            <p:ph type="title"/>
+          </p:nvPr>
+        </p:nvSpPr>
+        <p:spPr bwMode="auto">
+          <a:xfrm flipH="0" flipV="0">
+            <a:off x="838199" y="365124"/>
+            <a:ext cx="10515600" cy="685570"/>
+          </a:xfrm>
+        </p:spPr>
+        <p:txBody>
+          <a:bodyPr/>
+          <a:lstStyle/>
+          <a:p>
+            <a:pPr>
+              <a:defRPr/>
+            </a:pPr>
+            <a:r>
+              <a:rPr sz="2400"/>
+              <a:t>А есть ли ещё уникальные ОС?</a:t>
+            </a:r>
+            <a:endParaRPr sz="2400"/>
+          </a:p>
+        </p:txBody>
+      </p:sp>
+      <p:sp>
+        <p:nvSpPr>
+          <p:cNvPr id="1636724754" name="Content Placeholder 2"/>
+          <p:cNvSpPr>
+            <a:spLocks noGrp="1"/>
+          </p:cNvSpPr>
+          <p:nvPr>
+            <p:ph idx="1"/>
+          </p:nvPr>
+        </p:nvSpPr>
+        <p:spPr bwMode="auto">
+          <a:xfrm flipH="0" flipV="0">
+            <a:off x="838199" y="1139072"/>
+            <a:ext cx="5257799" cy="5037890"/>
+          </a:xfrm>
+        </p:spPr>
+        <p:txBody>
+          <a:bodyPr/>
+          <a:lstStyle/>
+          <a:p>
+            <a:pPr marL="228600" marR="0" indent="-228600" algn="l">
+              <a:lnSpc>
+                <a:spcPct val="90000"/>
+              </a:lnSpc>
+              <a:spcBef>
+                <a:spcPts val="999"/>
+              </a:spcBef>
+              <a:spcAft>
+                <a:spcPts val="0"/>
+              </a:spcAft>
+              <a:buFont typeface="Arial"/>
+              <a:buChar char="•"/>
+              <a:defRPr/>
+            </a:pPr>
+            <a:r>
+              <a:rPr lang="ru-RU" sz="1800" b="0" i="0" u="none" strike="noStrike" cap="none" spc="0">
+                <a:solidFill>
+                  <a:schemeClr val="tx1"/>
+                </a:solidFill>
+                <a:latin typeface="Arial"/>
+                <a:ea typeface="Arial"/>
+                <a:cs typeface="Arial"/>
+              </a:rPr>
+              <a:t>OpenVMS</a:t>
+            </a:r>
+            <a:r>
+              <a:rPr sz="1800"/>
+              <a:t> – с 1970-х до наших дней. </a:t>
+            </a:r>
+            <a:r>
+              <a:rPr lang="ru-RU" sz="1800" b="0" i="0" u="none" strike="noStrike" cap="none" spc="0">
+                <a:solidFill>
+                  <a:schemeClr val="tx1"/>
+                </a:solidFill>
+                <a:latin typeface="Arial"/>
+                <a:ea typeface="Arial"/>
+                <a:cs typeface="Arial"/>
+              </a:rPr>
+              <a:t>Применяется для построения отказоустойчивых систем высокой готовности и mission-critical применений. </a:t>
+            </a:r>
+            <a:r>
+              <a:rPr lang="ru-RU" sz="1800" b="0" i="0" u="none" strike="noStrike" cap="none" spc="0">
+                <a:solidFill>
+                  <a:schemeClr val="tx1"/>
+                </a:solidFill>
+                <a:latin typeface="Arial"/>
+                <a:ea typeface="Arial"/>
+                <a:cs typeface="Arial"/>
+              </a:rPr>
+              <a:t> </a:t>
+            </a:r>
+            <a:r>
+              <a:rPr lang="ru-RU" sz="1800" b="0" i="0" u="none" strike="noStrike" cap="none" spc="0">
+                <a:solidFill>
+                  <a:schemeClr val="tx1"/>
+                </a:solidFill>
+                <a:latin typeface="Arial"/>
+                <a:ea typeface="Arial"/>
+                <a:cs typeface="Arial"/>
+              </a:rPr>
+              <a:t>Среди заказчиков OpenVMS преобладают оборонные структуры и банки, </a:t>
+            </a:r>
+            <a:r>
+              <a:rPr lang="ru-RU" sz="1800" b="0" i="0" u="none" strike="noStrike" cap="none" spc="0">
+                <a:solidFill>
+                  <a:schemeClr val="tx1"/>
+                </a:solidFill>
+                <a:latin typeface="Arial"/>
+                <a:ea typeface="Arial"/>
+                <a:cs typeface="Arial"/>
+              </a:rPr>
+              <a:t>телекоммуникационные компании, предприятия непрерывного цикла (АЭС).</a:t>
+            </a:r>
+            <a:endParaRPr lang="ru-RU" sz="1800" b="0" i="0" u="none" strike="noStrike" cap="none" spc="0">
+              <a:solidFill>
+                <a:schemeClr val="tx1"/>
+              </a:solidFill>
+              <a:latin typeface="Arial"/>
+              <a:ea typeface="Arial"/>
+              <a:cs typeface="Arial"/>
+            </a:endParaRPr>
+          </a:p>
+          <a:p>
+            <a:pPr>
+              <a:defRPr/>
+            </a:pPr>
+            <a:r>
+              <a:rPr lang="ru-RU" sz="1800" b="0" i="0" u="none" strike="noStrike" cap="none" spc="0">
+                <a:solidFill>
+                  <a:schemeClr val="tx1"/>
+                </a:solidFill>
+                <a:latin typeface="Arial"/>
+                <a:ea typeface="Arial"/>
+                <a:cs typeface="Arial"/>
+              </a:rPr>
+              <a:t>Используется в Парижском метро</a:t>
+            </a:r>
+            <a:r>
+              <a:rPr lang="ru-RU" sz="1800" b="0" i="0" u="none" strike="noStrike" cap="none" spc="0">
+                <a:solidFill>
+                  <a:schemeClr val="tx1"/>
+                </a:solidFill>
+                <a:latin typeface="Arial"/>
+                <a:ea typeface="Arial"/>
+                <a:cs typeface="Arial"/>
+              </a:rPr>
+              <a:t>.</a:t>
+            </a:r>
+            <a:endParaRPr sz="1800" b="0" i="0" u="none" strike="noStrike" cap="none" spc="0">
+              <a:solidFill>
+                <a:schemeClr val="tx1"/>
+              </a:solidFill>
+              <a:latin typeface="Arial"/>
+              <a:ea typeface="Arial"/>
+              <a:cs typeface="Arial"/>
+            </a:endParaRPr>
+          </a:p>
+          <a:p>
+            <a:pPr>
+              <a:defRPr/>
+            </a:pPr>
+            <a:r>
+              <a:rPr lang="ru-RU" sz="1800" b="0" i="0" u="none" strike="noStrike" cap="none" spc="0">
+                <a:solidFill>
+                  <a:schemeClr val="tx1"/>
+                </a:solidFill>
+                <a:latin typeface="Arial"/>
+                <a:ea typeface="Arial"/>
+                <a:cs typeface="Arial"/>
+              </a:rPr>
+              <a:t>Последнее обновление: 15 июня2023г.</a:t>
+            </a:r>
+            <a:endParaRPr sz="1800"/>
+          </a:p>
+        </p:txBody>
+      </p:sp>
+      <p:pic>
+        <p:nvPicPr>
+          <p:cNvPr id="1234669926" name=""/>
+          <p:cNvPicPr>
+            <a:picLocks noChangeAspect="1"/>
+          </p:cNvPicPr>
+          <p:nvPr/>
+        </p:nvPicPr>
+        <p:blipFill>
+          <a:blip r:embed="rId3"/>
+          <a:stretch/>
+        </p:blipFill>
+        <p:spPr bwMode="auto">
+          <a:xfrm flipH="0" flipV="0">
+            <a:off x="6706778" y="1139072"/>
+            <a:ext cx="4724226" cy="3588947"/>
+          </a:xfrm>
+          <a:prstGeom prst="rect">
+            <a:avLst/>
+          </a:prstGeom>
+        </p:spPr>
+      </p:pic>
+    </p:spTree>
+  </p:cSld>
+  <p:clrMapOvr>
+    <a:masterClrMapping/>
+  </p:clrMapOvr>
+  <mc:AlternateContent xmlns:mc="http://schemas.openxmlformats.org/markup-compatibility/2006">
+    <mc:Choice xmlns:p159="http://schemas.microsoft.com/office/powerpoint/2015/09/main" xmlns:p14="http://schemas.microsoft.com/office/powerpoint/2010/main" Requires="p159">
+      <p:transition p14:dur="2000" advClick="1"/>
+    </mc:Choice>
+    <mc:Fallback>
+      <p:transition advClick="1"/>
+    </mc:Fallback>
+  </mc:AlternateContent>
+</p:sld>
+</file>
+
+<file path=ppt/slides/slide17.xml><?xml version="1.0" encoding="utf-8"?>
+<p:sld xmlns:a="http://schemas.openxmlformats.org/drawingml/2006/main" xmlns:r="http://schemas.openxmlformats.org/officeDocument/2006/relationships" xmlns:p="http://schemas.openxmlformats.org/presentationml/2006/main" xmlns:m="http://schemas.openxmlformats.org/officeDocument/2006/math" xmlns:w="http://schemas.openxmlformats.org/wordprocessingml/2006/main" xmlns:mc="http://schemas.openxmlformats.org/markup-compatibility/2006" showMasterPhAnim="0" showMasterSp="1" show="1">
+  <p:cSld name="">
+    <p:spTree>
+      <p:nvGrpSpPr>
+        <p:cNvPr id="1" name=""/>
+        <p:cNvGrpSpPr/>
+        <p:nvPr/>
+      </p:nvGrpSpPr>
+      <p:grpSpPr bwMode="auto">
+        <a:xfrm>
+          <a:off x="0" y="0"/>
+          <a:ext cx="0" cy="0"/>
+          <a:chOff x="0" y="0"/>
+          <a:chExt cx="0" cy="0"/>
+        </a:xfrm>
+      </p:grpSpPr>
+      <p:sp>
+        <p:nvSpPr>
+          <p:cNvPr id="857257159" name="Title 1"/>
+          <p:cNvSpPr>
+            <a:spLocks noGrp="1"/>
+          </p:cNvSpPr>
+          <p:nvPr>
+            <p:ph type="title"/>
+          </p:nvPr>
+        </p:nvSpPr>
+        <p:spPr bwMode="auto">
+          <a:xfrm flipH="0" flipV="0">
+            <a:off x="838199" y="365124"/>
+            <a:ext cx="10515600" cy="685570"/>
+          </a:xfrm>
+        </p:spPr>
+        <p:txBody>
+          <a:bodyPr/>
+          <a:lstStyle/>
+          <a:p>
+            <a:pPr>
+              <a:defRPr/>
+            </a:pPr>
+            <a:r>
+              <a:rPr sz="2400"/>
+              <a:t>А есть ли ещё уникальные ОС?</a:t>
+            </a:r>
+            <a:endParaRPr sz="2400"/>
+          </a:p>
+        </p:txBody>
+      </p:sp>
+      <p:sp>
+        <p:nvSpPr>
+          <p:cNvPr id="1098972104" name="Content Placeholder 2"/>
+          <p:cNvSpPr>
+            <a:spLocks noGrp="1"/>
+          </p:cNvSpPr>
+          <p:nvPr>
+            <p:ph idx="1"/>
+          </p:nvPr>
+        </p:nvSpPr>
+        <p:spPr bwMode="auto">
+          <a:xfrm flipH="0" flipV="0">
+            <a:off x="838199" y="1139072"/>
+            <a:ext cx="4553758" cy="5037890"/>
+          </a:xfrm>
+        </p:spPr>
+        <p:txBody>
+          <a:bodyPr/>
+          <a:lstStyle/>
+          <a:p>
+            <a:pPr marL="228600" marR="0" indent="-228600" algn="l">
+              <a:lnSpc>
+                <a:spcPct val="90000"/>
+              </a:lnSpc>
+              <a:spcBef>
+                <a:spcPts val="999"/>
+              </a:spcBef>
+              <a:spcAft>
+                <a:spcPts val="0"/>
+              </a:spcAft>
+              <a:buFont typeface="Arial"/>
+              <a:buChar char="•"/>
+              <a:defRPr/>
+            </a:pPr>
+            <a:r>
+              <a:rPr lang="ru-RU" sz="1800" b="0" i="0" u="none" strike="noStrike" cap="none" spc="0">
+                <a:solidFill>
+                  <a:schemeClr val="tx1"/>
+                </a:solidFill>
+                <a:latin typeface="Arial"/>
+                <a:ea typeface="Arial"/>
+                <a:cs typeface="Arial"/>
+              </a:rPr>
+              <a:t>HarmonyOS NEXT</a:t>
+            </a:r>
+            <a:r>
+              <a:rPr sz="1800"/>
+              <a:t> – с 4 августа 2023. ОС от </a:t>
+            </a:r>
+            <a:r>
+              <a:rPr lang="ru-RU" sz="1800" b="0" i="0" u="none" strike="noStrike" cap="none" spc="0">
+                <a:solidFill>
+                  <a:schemeClr val="tx1"/>
+                </a:solidFill>
+                <a:latin typeface="Arial"/>
+                <a:ea typeface="Arial"/>
+                <a:cs typeface="Arial"/>
+              </a:rPr>
+              <a:t>Huawei</a:t>
+            </a:r>
+            <a:r>
+              <a:rPr lang="ru-RU" sz="1800" b="0" i="0" u="none" strike="noStrike" cap="none" spc="0">
+                <a:solidFill>
+                  <a:schemeClr val="tx1"/>
+                </a:solidFill>
+                <a:latin typeface="+mn-lt"/>
+                <a:ea typeface="+mn-ea"/>
+                <a:cs typeface="+mn-cs"/>
+              </a:rPr>
+              <a:t> </a:t>
+            </a:r>
+            <a:r>
+              <a:rPr sz="1800"/>
+              <a:t>с собственным ядром. Не поддерживает Android приложения.</a:t>
+            </a:r>
+            <a:endParaRPr sz="1800"/>
+          </a:p>
+          <a:p>
+            <a:pPr marL="228600" marR="0" indent="-228600" algn="l">
+              <a:lnSpc>
+                <a:spcPct val="90000"/>
+              </a:lnSpc>
+              <a:spcBef>
+                <a:spcPts val="999"/>
+              </a:spcBef>
+              <a:spcAft>
+                <a:spcPts val="0"/>
+              </a:spcAft>
+              <a:buFont typeface="Arial"/>
+              <a:buChar char="•"/>
+              <a:defRPr/>
+            </a:pPr>
+            <a:r>
+              <a:rPr lang="ru-RU" sz="1800"/>
+              <a:t>Используется в </a:t>
+            </a:r>
+            <a:r>
+              <a:rPr lang="ru-RU" sz="1800" b="0" i="0" u="none" strike="noStrike" cap="none" spc="0">
+                <a:solidFill>
+                  <a:schemeClr val="tx1"/>
+                </a:solidFill>
+                <a:latin typeface="Arial"/>
+                <a:ea typeface="Arial"/>
+                <a:cs typeface="Arial"/>
+              </a:rPr>
+              <a:t>Huawei</a:t>
+            </a:r>
+            <a:r>
+              <a:rPr lang="ru-RU" sz="1800"/>
+              <a:t> </a:t>
+            </a:r>
+            <a:r>
+              <a:rPr lang="ru-RU" sz="1800" b="0" i="0" u="none" strike="noStrike" cap="none" spc="0">
+                <a:solidFill>
+                  <a:schemeClr val="tx1"/>
+                </a:solidFill>
+                <a:latin typeface="Arial"/>
+                <a:ea typeface="Arial"/>
+                <a:cs typeface="Arial"/>
+              </a:rPr>
+              <a:t>Mate 60, Mate 60 Pro</a:t>
+            </a:r>
+            <a:r>
+              <a:rPr lang="ru-RU" sz="1800" b="0" i="0" u="none" strike="noStrike" cap="none" spc="0">
+                <a:solidFill>
+                  <a:schemeClr val="tx1"/>
+                </a:solidFill>
+                <a:latin typeface="Arial"/>
+                <a:ea typeface="Arial"/>
+                <a:cs typeface="Arial"/>
+              </a:rPr>
+              <a:t> </a:t>
+            </a:r>
+            <a:r>
+              <a:rPr lang="ru-RU" sz="1800" b="0" i="0" u="none" strike="noStrike" cap="none" spc="0">
+                <a:solidFill>
+                  <a:schemeClr val="tx1"/>
+                </a:solidFill>
+                <a:latin typeface="Arial"/>
+                <a:ea typeface="Arial"/>
+                <a:cs typeface="Arial"/>
+              </a:rPr>
+              <a:t> и Mate X5. Выпускается только в Китае.</a:t>
+            </a:r>
+            <a:endParaRPr lang="ru-RU" sz="1800" b="0" i="0" u="none" strike="noStrike" cap="none" spc="0">
+              <a:solidFill>
+                <a:schemeClr val="tx1"/>
+              </a:solidFill>
+              <a:latin typeface="Arial"/>
+              <a:cs typeface="Arial"/>
+            </a:endParaRPr>
+          </a:p>
+          <a:p>
+            <a:pPr>
+              <a:defRPr/>
+            </a:pPr>
+            <a:r>
+              <a:rPr lang="ru-RU" sz="1800" b="0" i="0" u="none" strike="noStrike" cap="none" spc="0">
+                <a:solidFill>
+                  <a:schemeClr val="tx1"/>
+                </a:solidFill>
+                <a:latin typeface="Arial"/>
+                <a:ea typeface="Arial"/>
+                <a:cs typeface="Arial"/>
+              </a:rPr>
+              <a:t>Последнее обновление: 30 августа 2024г.</a:t>
+            </a:r>
+            <a:endParaRPr sz="1800"/>
+          </a:p>
+        </p:txBody>
+      </p:sp>
+      <p:pic>
+        <p:nvPicPr>
+          <p:cNvPr id="2093682595" name=""/>
+          <p:cNvPicPr>
+            <a:picLocks noChangeAspect="1"/>
+          </p:cNvPicPr>
+          <p:nvPr/>
+        </p:nvPicPr>
+        <p:blipFill>
+          <a:blip r:embed="rId3"/>
+          <a:stretch/>
+        </p:blipFill>
+        <p:spPr bwMode="auto">
+          <a:xfrm flipH="0" flipV="0">
+            <a:off x="9190970" y="365124"/>
+            <a:ext cx="2573899" cy="5679739"/>
+          </a:xfrm>
+          <a:prstGeom prst="rect">
+            <a:avLst/>
+          </a:prstGeom>
+        </p:spPr>
+      </p:pic>
+      <p:pic>
+        <p:nvPicPr>
+          <p:cNvPr id="459501392" name=""/>
+          <p:cNvPicPr>
+            <a:picLocks noChangeAspect="1"/>
+          </p:cNvPicPr>
+          <p:nvPr/>
+        </p:nvPicPr>
+        <p:blipFill>
+          <a:blip r:embed="rId4"/>
+          <a:stretch/>
+        </p:blipFill>
+        <p:spPr bwMode="auto">
+          <a:xfrm flipH="0" flipV="0">
+            <a:off x="6262932" y="365124"/>
+            <a:ext cx="2477504" cy="5734644"/>
+          </a:xfrm>
+          <a:prstGeom prst="rect">
+            <a:avLst/>
+          </a:prstGeom>
+        </p:spPr>
+      </p:pic>
+    </p:spTree>
+  </p:cSld>
+  <p:clrMapOvr>
+    <a:masterClrMapping/>
+  </p:clrMapOvr>
+  <mc:AlternateContent xmlns:mc="http://schemas.openxmlformats.org/markup-compatibility/2006">
+    <mc:Choice xmlns:p159="http://schemas.microsoft.com/office/powerpoint/2015/09/main" xmlns:p14="http://schemas.microsoft.com/office/powerpoint/2010/main" Requires="p159">
+      <p:transition p14:dur="2000" advClick="1"/>
+    </mc:Choice>
+    <mc:Fallback>
+      <p:transition advClick="1"/>
+    </mc:Fallback>
+  </mc:AlternateContent>
+</p:sld>
+</file>
+
 <file path=ppt/slides/slide2.xml><?xml version="1.0" encoding="utf-8"?>
 <p:sld xmlns:a="http://schemas.openxmlformats.org/drawingml/2006/main" xmlns:r="http://schemas.openxmlformats.org/officeDocument/2006/relationships" xmlns:p="http://schemas.openxmlformats.org/presentationml/2006/main" xmlns:m="http://schemas.openxmlformats.org/officeDocument/2006/math" xmlns:w="http://schemas.openxmlformats.org/wordprocessingml/2006/main" xmlns:mc="http://schemas.openxmlformats.org/markup-compatibility/2006" showMasterPhAnim="0" showMasterSp="1" show="1">
   <p:cSld name="">
@@ -4094,7 +8350,7 @@
         </p:blipFill>
         <p:spPr bwMode="auto">
           <a:xfrm>
-            <a:off x="3396414" y="4211052"/>
+            <a:off x="3396413" y="4211052"/>
             <a:ext cx="1666874" cy="1666874"/>
           </a:xfrm>
           <a:prstGeom prst="rect">
@@ -4187,7 +8443,7 @@
       </p:grpSpPr>
       <p:sp>
         <p:nvSpPr>
-          <p:cNvPr id="1521335383" name="Title 1"/>
+          <p:cNvPr id="1474875752" name="Title 1"/>
           <p:cNvSpPr>
             <a:spLocks noGrp="1"/>
           </p:cNvSpPr>
@@ -4195,7 +8451,12 @@
             <p:ph type="title"/>
           </p:nvPr>
         </p:nvSpPr>
-        <p:spPr bwMode="auto"/>
+        <p:spPr bwMode="auto">
+          <a:xfrm flipH="0" flipV="0">
+            <a:off x="838198" y="365124"/>
+            <a:ext cx="10515600" cy="595730"/>
+          </a:xfrm>
+        </p:spPr>
         <p:txBody>
           <a:bodyPr/>
           <a:lstStyle/>
@@ -4203,13 +8464,17 @@
             <a:pPr>
               <a:defRPr/>
             </a:pPr>
-            <a:endParaRPr/>
-          </a:p>
-        </p:txBody>
-      </p:sp>
-      <p:sp>
-        <p:nvSpPr>
-          <p:cNvPr id="1595017968" name="Content Placeholder 2"/>
+            <a:r>
+              <a:rPr sz="2400"/>
+              <a:t>Что происходит по нажатию кнопки питания?</a:t>
+            </a:r>
+            <a:endParaRPr sz="2400"/>
+          </a:p>
+        </p:txBody>
+      </p:sp>
+      <p:sp>
+        <p:nvSpPr>
+          <p:cNvPr id="1338141703" name="Content Placeholder 2"/>
           <p:cNvSpPr>
             <a:spLocks noGrp="1"/>
           </p:cNvSpPr>
@@ -4217,7 +8482,530 @@
             <p:ph idx="1"/>
           </p:nvPr>
         </p:nvSpPr>
-        <p:spPr bwMode="auto"/>
+        <p:spPr bwMode="auto">
+          <a:xfrm flipH="0" flipV="0">
+            <a:off x="838198" y="1135023"/>
+            <a:ext cx="10515600" cy="5326265"/>
+          </a:xfrm>
+        </p:spPr>
+        <p:txBody>
+          <a:bodyPr vertOverflow="overflow" horzOverflow="overflow" vert="horz" wrap="square" lIns="91440" tIns="45720" rIns="91440" bIns="45720" numCol="1" spcCol="0" rtlCol="0" fromWordArt="0" anchor="t" anchorCtr="0" forceAA="0" upright="0" compatLnSpc="0">
+            <a:normAutofit/>
+          </a:bodyPr>
+          <a:lstStyle/>
+          <a:p>
+            <a:pPr marL="341029" lvl="0" indent="-283879" algn="l" defTabSz="914400">
+              <a:lnSpc>
+                <a:spcPct val="90000"/>
+              </a:lnSpc>
+              <a:spcBef>
+                <a:spcPts val="499"/>
+              </a:spcBef>
+              <a:spcAft>
+                <a:spcPts val="0"/>
+              </a:spcAft>
+              <a:buFont typeface="Arial"/>
+              <a:buAutoNum type="arabicPeriod"/>
+              <a:defRPr/>
+            </a:pPr>
+            <a:r>
+              <a:rPr lang="ru-RU" sz="1800" b="1" i="0" u="none" strike="noStrike" cap="none" spc="0">
+                <a:solidFill>
+                  <a:schemeClr val="tx1"/>
+                </a:solidFill>
+                <a:latin typeface="Arial"/>
+                <a:ea typeface="Arial"/>
+                <a:cs typeface="Arial"/>
+              </a:rPr>
+              <a:t>Замыкание цепи.</a:t>
+            </a:r>
+            <a:r>
+              <a:rPr lang="ru-RU" sz="1800" b="0" i="0" u="none" strike="noStrike" cap="none" spc="0">
+                <a:solidFill>
+                  <a:schemeClr val="tx1"/>
+                </a:solidFill>
+                <a:latin typeface="Arial"/>
+                <a:ea typeface="Arial"/>
+                <a:cs typeface="Arial"/>
+              </a:rPr>
+              <a:t> Нажатие кнопки питания замыкает электрическую цепь, посылая сигнал на блок питания (PSU).</a:t>
+            </a:r>
+            <a:endParaRPr sz="1800" b="0" i="0" u="none" strike="noStrike" cap="none" spc="0">
+              <a:solidFill>
+                <a:schemeClr val="tx1"/>
+              </a:solidFill>
+              <a:latin typeface="Arial"/>
+              <a:ea typeface="Arial"/>
+              <a:cs typeface="Arial"/>
+            </a:endParaRPr>
+          </a:p>
+          <a:p>
+            <a:pPr marL="341029" lvl="0" indent="-283879" algn="l" defTabSz="914400">
+              <a:lnSpc>
+                <a:spcPct val="90000"/>
+              </a:lnSpc>
+              <a:spcBef>
+                <a:spcPts val="499"/>
+              </a:spcBef>
+              <a:spcAft>
+                <a:spcPts val="0"/>
+              </a:spcAft>
+              <a:buFont typeface="Arial"/>
+              <a:buAutoNum type="arabicPeriod"/>
+              <a:defRPr/>
+            </a:pPr>
+            <a:endParaRPr sz="1800" b="0" i="0" u="none" strike="noStrike" cap="none" spc="0">
+              <a:solidFill>
+                <a:schemeClr val="tx1"/>
+              </a:solidFill>
+              <a:latin typeface="Arial"/>
+              <a:ea typeface="Arial"/>
+              <a:cs typeface="Arial"/>
+            </a:endParaRPr>
+          </a:p>
+          <a:p>
+            <a:pPr marL="341029" lvl="0" indent="-283879" algn="l" defTabSz="914400">
+              <a:lnSpc>
+                <a:spcPct val="90000"/>
+              </a:lnSpc>
+              <a:spcBef>
+                <a:spcPts val="499"/>
+              </a:spcBef>
+              <a:spcAft>
+                <a:spcPts val="0"/>
+              </a:spcAft>
+              <a:buFont typeface="Arial"/>
+              <a:buAutoNum type="arabicPeriod"/>
+              <a:defRPr/>
+            </a:pPr>
+            <a:r>
+              <a:rPr lang="ru-RU" sz="1800" b="1" i="0" u="none" strike="noStrike" cap="none" spc="0">
+                <a:solidFill>
+                  <a:schemeClr val="tx1"/>
+                </a:solidFill>
+                <a:latin typeface="Arial"/>
+                <a:ea typeface="Arial"/>
+                <a:cs typeface="Arial"/>
+              </a:rPr>
+              <a:t>Инициализация блока питания</a:t>
+            </a:r>
+            <a:r>
+              <a:rPr lang="ru-RU" sz="1800" b="1" i="0" u="none" strike="noStrike" cap="none" spc="0">
+                <a:solidFill>
+                  <a:schemeClr val="tx1"/>
+                </a:solidFill>
+                <a:latin typeface="Arial"/>
+                <a:ea typeface="Arial"/>
+                <a:cs typeface="Arial"/>
+              </a:rPr>
+              <a:t>. </a:t>
+            </a:r>
+            <a:r>
+              <a:rPr lang="ru-RU" sz="1800" b="0" i="0" u="none" strike="noStrike" cap="none" spc="0">
+                <a:solidFill>
+                  <a:schemeClr val="tx1"/>
+                </a:solidFill>
+                <a:latin typeface="Arial"/>
+                <a:ea typeface="Arial"/>
+                <a:cs typeface="Arial"/>
+              </a:rPr>
+              <a:t>PSU проверяет наличие корректных выходных напряжений на своих каналах (например, +12В, +5В, +3.3В).</a:t>
+            </a:r>
+            <a:endParaRPr sz="1800" b="0" i="0" u="none" strike="noStrike" cap="none" spc="0">
+              <a:solidFill>
+                <a:schemeClr val="tx1"/>
+              </a:solidFill>
+              <a:latin typeface="Arial"/>
+              <a:ea typeface="Arial"/>
+              <a:cs typeface="Arial"/>
+            </a:endParaRPr>
+          </a:p>
+          <a:p>
+            <a:pPr marL="341029" lvl="0" indent="-283879" algn="l" defTabSz="914400">
+              <a:lnSpc>
+                <a:spcPct val="90000"/>
+              </a:lnSpc>
+              <a:spcBef>
+                <a:spcPts val="499"/>
+              </a:spcBef>
+              <a:spcAft>
+                <a:spcPts val="0"/>
+              </a:spcAft>
+              <a:buFont typeface="Arial"/>
+              <a:buAutoNum type="arabicPeriod"/>
+              <a:defRPr/>
+            </a:pPr>
+            <a:endParaRPr sz="1800" b="0" i="0" u="none" strike="noStrike" cap="none" spc="0">
+              <a:solidFill>
+                <a:schemeClr val="tx1"/>
+              </a:solidFill>
+              <a:latin typeface="Arial"/>
+              <a:ea typeface="Arial"/>
+              <a:cs typeface="Arial"/>
+            </a:endParaRPr>
+          </a:p>
+          <a:p>
+            <a:pPr marL="341029" lvl="0" indent="-283879" algn="l" defTabSz="914400">
+              <a:lnSpc>
+                <a:spcPct val="90000"/>
+              </a:lnSpc>
+              <a:spcBef>
+                <a:spcPts val="499"/>
+              </a:spcBef>
+              <a:spcAft>
+                <a:spcPts val="0"/>
+              </a:spcAft>
+              <a:buFont typeface="Arial"/>
+              <a:buAutoNum type="arabicPeriod"/>
+              <a:defRPr/>
+            </a:pPr>
+            <a:r>
+              <a:rPr lang="ru-RU" sz="1800" b="1" i="0" u="none" strike="noStrike" cap="none" spc="0">
+                <a:solidFill>
+                  <a:schemeClr val="tx1"/>
+                </a:solidFill>
+                <a:latin typeface="Arial"/>
+                <a:ea typeface="Arial"/>
+                <a:cs typeface="Arial"/>
+              </a:rPr>
+              <a:t>Сигнал Power Good</a:t>
+            </a:r>
+            <a:r>
+              <a:rPr lang="ru-RU" sz="1800" b="0" i="0" u="none" strike="noStrike" cap="none" spc="0">
+                <a:solidFill>
+                  <a:schemeClr val="tx1"/>
+                </a:solidFill>
+                <a:latin typeface="Arial"/>
+                <a:ea typeface="Arial"/>
+                <a:cs typeface="Arial"/>
+              </a:rPr>
+              <a:t>. </a:t>
+            </a:r>
+            <a:r>
+              <a:rPr lang="ru-RU" sz="1800" b="0" i="0" u="none" strike="noStrike" cap="none" spc="0">
+                <a:solidFill>
+                  <a:schemeClr val="tx1"/>
+                </a:solidFill>
+                <a:latin typeface="Arial"/>
+                <a:ea typeface="Arial"/>
+                <a:cs typeface="Arial"/>
+              </a:rPr>
+              <a:t>PSU отправляет сигнал "Power Good" на материнскую плату, указывая на стабильность и достаточность напряжений для запуска системы.</a:t>
+            </a:r>
+            <a:endParaRPr sz="1800" b="0" i="0" u="none" strike="noStrike" cap="none" spc="0">
+              <a:solidFill>
+                <a:schemeClr val="tx1"/>
+              </a:solidFill>
+              <a:latin typeface="Arial"/>
+              <a:ea typeface="Arial"/>
+              <a:cs typeface="Arial"/>
+            </a:endParaRPr>
+          </a:p>
+          <a:p>
+            <a:pPr marL="341029" lvl="0" indent="-283879" algn="l" defTabSz="914400">
+              <a:lnSpc>
+                <a:spcPct val="90000"/>
+              </a:lnSpc>
+              <a:spcBef>
+                <a:spcPts val="499"/>
+              </a:spcBef>
+              <a:spcAft>
+                <a:spcPts val="0"/>
+              </a:spcAft>
+              <a:buFont typeface="Arial"/>
+              <a:buAutoNum type="arabicPeriod"/>
+              <a:defRPr/>
+            </a:pPr>
+            <a:endParaRPr sz="1800" b="0" i="0" u="none" strike="noStrike" cap="none" spc="0">
+              <a:solidFill>
+                <a:schemeClr val="tx1"/>
+              </a:solidFill>
+              <a:latin typeface="Arial"/>
+              <a:ea typeface="Arial"/>
+              <a:cs typeface="Arial"/>
+            </a:endParaRPr>
+          </a:p>
+          <a:p>
+            <a:pPr marL="341029" lvl="0" indent="-283879" algn="l" defTabSz="914400">
+              <a:lnSpc>
+                <a:spcPct val="90000"/>
+              </a:lnSpc>
+              <a:spcBef>
+                <a:spcPts val="499"/>
+              </a:spcBef>
+              <a:spcAft>
+                <a:spcPts val="0"/>
+              </a:spcAft>
+              <a:buFont typeface="Arial"/>
+              <a:buAutoNum type="arabicPeriod"/>
+              <a:defRPr/>
+            </a:pPr>
+            <a:r>
+              <a:rPr lang="ru-RU" sz="1800" b="1" i="0" u="none" strike="noStrike" cap="none" spc="0">
+                <a:solidFill>
+                  <a:schemeClr val="tx1"/>
+                </a:solidFill>
+                <a:latin typeface="Arial"/>
+                <a:ea typeface="Arial"/>
+                <a:cs typeface="Arial"/>
+              </a:rPr>
+              <a:t>Инициализация материнской платы</a:t>
+            </a:r>
+            <a:r>
+              <a:rPr lang="ru-RU" sz="1800" b="1" i="0" u="none" strike="noStrike" cap="none" spc="0">
+                <a:solidFill>
+                  <a:schemeClr val="tx1"/>
+                </a:solidFill>
+                <a:latin typeface="Arial"/>
+                <a:ea typeface="Arial"/>
+                <a:cs typeface="Arial"/>
+              </a:rPr>
+              <a:t>.</a:t>
+            </a:r>
+            <a:r>
+              <a:rPr lang="ru-RU" sz="1800" b="1" i="0" u="none" strike="noStrike" cap="none" spc="0">
+                <a:solidFill>
+                  <a:schemeClr val="tx1"/>
+                </a:solidFill>
+                <a:latin typeface="Arial"/>
+                <a:ea typeface="Arial"/>
+                <a:cs typeface="Arial"/>
+              </a:rPr>
+              <a:t> </a:t>
+            </a:r>
+            <a:r>
+              <a:rPr lang="ru-RU" sz="1800" b="0" i="0" u="none" strike="noStrike" cap="none" spc="0">
+                <a:solidFill>
+                  <a:schemeClr val="tx1"/>
+                </a:solidFill>
+                <a:latin typeface="Arial"/>
+                <a:ea typeface="Arial"/>
+                <a:cs typeface="Arial"/>
+              </a:rPr>
+              <a:t>По сигналу "Power Good" процессор (CPU) начинает выполнение первой инструкции с заранее определённого адреса (обычно это адрес, где находится стартовый код BIOS или UEFI)</a:t>
+            </a:r>
+            <a:r>
+              <a:rPr lang="ru-RU" sz="1800" b="0" i="0" u="none" strike="noStrike" cap="none" spc="0">
+                <a:solidFill>
+                  <a:schemeClr val="tx1"/>
+                </a:solidFill>
+                <a:latin typeface="Arial"/>
+                <a:ea typeface="Arial"/>
+                <a:cs typeface="Arial"/>
+              </a:rPr>
+              <a:t>.</a:t>
+            </a:r>
+            <a:endParaRPr sz="1800" b="0" i="0" u="none" strike="noStrike" cap="none" spc="0">
+              <a:solidFill>
+                <a:schemeClr val="tx1"/>
+              </a:solidFill>
+              <a:latin typeface="Arial"/>
+              <a:ea typeface="Arial"/>
+              <a:cs typeface="Arial"/>
+            </a:endParaRPr>
+          </a:p>
+          <a:p>
+            <a:pPr marL="341029" lvl="0" indent="-283879" algn="l" defTabSz="914400">
+              <a:lnSpc>
+                <a:spcPct val="90000"/>
+              </a:lnSpc>
+              <a:spcBef>
+                <a:spcPts val="499"/>
+              </a:spcBef>
+              <a:spcAft>
+                <a:spcPts val="0"/>
+              </a:spcAft>
+              <a:buFont typeface="Arial"/>
+              <a:buAutoNum type="arabicPeriod"/>
+              <a:defRPr/>
+            </a:pPr>
+            <a:endParaRPr sz="1800" b="0" i="0" u="none" strike="noStrike" cap="none" spc="0">
+              <a:solidFill>
+                <a:schemeClr val="tx1"/>
+              </a:solidFill>
+              <a:latin typeface="Arial"/>
+              <a:ea typeface="Arial"/>
+              <a:cs typeface="Arial"/>
+            </a:endParaRPr>
+          </a:p>
+          <a:p>
+            <a:pPr marL="327936" marR="0" lvl="0" indent="-327936" algn="l" defTabSz="914400">
+              <a:lnSpc>
+                <a:spcPct val="90000"/>
+              </a:lnSpc>
+              <a:spcBef>
+                <a:spcPts val="499"/>
+              </a:spcBef>
+              <a:spcAft>
+                <a:spcPts val="0"/>
+              </a:spcAft>
+              <a:buFont typeface="Arial"/>
+              <a:buAutoNum type="arabicPeriod" startAt="5"/>
+              <a:defRPr/>
+            </a:pPr>
+            <a:r>
+              <a:rPr lang="ru-RU" sz="1800" b="1" i="0" u="none" strike="noStrike" cap="none" spc="0">
+                <a:solidFill>
+                  <a:schemeClr val="tx1"/>
+                </a:solidFill>
+                <a:latin typeface="Arial"/>
+                <a:ea typeface="Arial"/>
+                <a:cs typeface="Arial"/>
+              </a:rPr>
+              <a:t>Проверка обращения к памяти. </a:t>
+            </a:r>
+            <a:r>
+              <a:rPr lang="ru-RU" sz="1800" b="0" i="0" u="none" strike="noStrike" cap="none" spc="0">
+                <a:solidFill>
+                  <a:schemeClr val="tx1"/>
+                </a:solidFill>
+                <a:latin typeface="Arial"/>
+                <a:ea typeface="Arial"/>
+                <a:cs typeface="Arial"/>
+              </a:rPr>
+              <a:t>Процессор исполняет стартовый код, который находится в энергонезависимой памяти</a:t>
+            </a:r>
+            <a:r>
+              <a:rPr lang="ru-RU" sz="1800" b="0" i="0" u="none" strike="noStrike" cap="none" spc="0">
+                <a:solidFill>
+                  <a:schemeClr val="tx1"/>
+                </a:solidFill>
+                <a:latin typeface="Arial"/>
+                <a:ea typeface="Arial"/>
+                <a:cs typeface="Arial"/>
+              </a:rPr>
+              <a:t>.</a:t>
+            </a:r>
+            <a:r>
+              <a:rPr lang="ru-RU" sz="1800" b="0" i="0" u="none" strike="noStrike" cap="none" spc="0">
+                <a:solidFill>
+                  <a:schemeClr val="tx1"/>
+                </a:solidFill>
+                <a:latin typeface="Arial"/>
+                <a:ea typeface="Arial"/>
+                <a:cs typeface="Arial"/>
+              </a:rPr>
+              <a:t> Этот код выполняет первичные шаги для обеспечения корректной работы процессора и обращения к памяти.</a:t>
+            </a:r>
+            <a:endParaRPr lang="ru-RU" sz="1800" b="0" i="0" u="none" strike="noStrike" cap="none" spc="0">
+              <a:solidFill>
+                <a:schemeClr val="tx1"/>
+              </a:solidFill>
+              <a:latin typeface="Arial"/>
+              <a:ea typeface="Arial"/>
+              <a:cs typeface="Arial"/>
+            </a:endParaRPr>
+          </a:p>
+          <a:p>
+            <a:pPr marL="327936" marR="0" lvl="0" indent="-327936" algn="l" defTabSz="914400">
+              <a:lnSpc>
+                <a:spcPct val="90000"/>
+              </a:lnSpc>
+              <a:spcBef>
+                <a:spcPts val="499"/>
+              </a:spcBef>
+              <a:spcAft>
+                <a:spcPts val="0"/>
+              </a:spcAft>
+              <a:buFont typeface="Arial"/>
+              <a:buAutoNum type="arabicPeriod" startAt="5"/>
+              <a:defRPr/>
+            </a:pPr>
+            <a:endParaRPr lang="ru-RU" sz="1800" b="0" i="0" u="none" strike="noStrike" cap="none" spc="0">
+              <a:solidFill>
+                <a:schemeClr val="tx1"/>
+              </a:solidFill>
+              <a:latin typeface="Arial"/>
+              <a:ea typeface="Arial"/>
+              <a:cs typeface="Arial"/>
+            </a:endParaRPr>
+          </a:p>
+          <a:p>
+            <a:pPr marL="327936" marR="0" lvl="0" indent="-327936" algn="l" defTabSz="914400">
+              <a:lnSpc>
+                <a:spcPct val="90000"/>
+              </a:lnSpc>
+              <a:spcBef>
+                <a:spcPts val="499"/>
+              </a:spcBef>
+              <a:spcAft>
+                <a:spcPts val="0"/>
+              </a:spcAft>
+              <a:buFont typeface="Arial"/>
+              <a:buAutoNum type="arabicPeriod" startAt="5"/>
+              <a:defRPr/>
+            </a:pPr>
+            <a:r>
+              <a:rPr lang="ru-RU" sz="1800" b="1" i="0" u="none" strike="noStrike" cap="none" spc="0">
+                <a:solidFill>
+                  <a:schemeClr val="tx1"/>
+                </a:solidFill>
+                <a:latin typeface="Arial"/>
+                <a:ea typeface="Arial"/>
+                <a:cs typeface="Arial"/>
+              </a:rPr>
+              <a:t>Запуск BIOS/UEFI</a:t>
+            </a:r>
+            <a:endParaRPr lang="ru-RU" sz="1800" b="0" i="0" u="none" strike="noStrike" cap="none" spc="0">
+              <a:solidFill>
+                <a:schemeClr val="tx1"/>
+              </a:solidFill>
+              <a:latin typeface="Arial"/>
+              <a:ea typeface="Arial"/>
+              <a:cs typeface="Arial"/>
+            </a:endParaRPr>
+          </a:p>
+        </p:txBody>
+      </p:sp>
+    </p:spTree>
+  </p:cSld>
+  <p:clrMapOvr>
+    <a:masterClrMapping/>
+  </p:clrMapOvr>
+  <mc:AlternateContent xmlns:mc="http://schemas.openxmlformats.org/markup-compatibility/2006">
+    <mc:Choice xmlns:p159="http://schemas.microsoft.com/office/powerpoint/2015/09/main" xmlns:p14="http://schemas.microsoft.com/office/powerpoint/2010/main" Requires="p159">
+      <p:transition p14:dur="2000" advClick="1"/>
+    </mc:Choice>
+    <mc:Fallback>
+      <p:transition advClick="1"/>
+    </mc:Fallback>
+  </mc:AlternateContent>
+</p:sld>
+</file>
+
+<file path=ppt/slides/slide4.xml><?xml version="1.0" encoding="utf-8"?>
+<p:sld xmlns:a="http://schemas.openxmlformats.org/drawingml/2006/main" xmlns:r="http://schemas.openxmlformats.org/officeDocument/2006/relationships" xmlns:p="http://schemas.openxmlformats.org/presentationml/2006/main" xmlns:m="http://schemas.openxmlformats.org/officeDocument/2006/math" xmlns:w="http://schemas.openxmlformats.org/wordprocessingml/2006/main" xmlns:mc="http://schemas.openxmlformats.org/markup-compatibility/2006" showMasterPhAnim="0" showMasterSp="1" show="1">
+  <p:cSld name="">
+    <p:spTree>
+      <p:nvGrpSpPr>
+        <p:cNvPr id="1" name=""/>
+        <p:cNvGrpSpPr/>
+        <p:nvPr/>
+      </p:nvGrpSpPr>
+      <p:grpSpPr bwMode="auto">
+        <a:xfrm>
+          <a:off x="0" y="0"/>
+          <a:ext cx="0" cy="0"/>
+          <a:chOff x="0" y="0"/>
+          <a:chExt cx="0" cy="0"/>
+        </a:xfrm>
+      </p:grpSpPr>
+      <p:sp>
+        <p:nvSpPr>
+          <p:cNvPr id="1378627073" name="Title 1"/>
+          <p:cNvSpPr>
+            <a:spLocks noGrp="1"/>
+          </p:cNvSpPr>
+          <p:nvPr>
+            <p:ph type="title"/>
+          </p:nvPr>
+        </p:nvSpPr>
+        <p:spPr bwMode="auto">
+          <a:xfrm flipH="0" flipV="0">
+            <a:off x="838198" y="365124"/>
+            <a:ext cx="10515600" cy="595730"/>
+          </a:xfrm>
+        </p:spPr>
         <p:txBody>
           <a:bodyPr/>
           <a:lstStyle/>
@@ -4225,10 +9013,2307 @@
             <a:pPr>
               <a:defRPr/>
             </a:pPr>
-            <a:endParaRPr/>
-          </a:p>
-        </p:txBody>
-      </p:sp>
+            <a:r>
+              <a:rPr sz="2400"/>
+              <a:t>BIOS и UEFI</a:t>
+            </a:r>
+            <a:endParaRPr sz="2400"/>
+          </a:p>
+        </p:txBody>
+      </p:sp>
+      <p:sp>
+        <p:nvSpPr>
+          <p:cNvPr id="403541200" name="Content Placeholder 2"/>
+          <p:cNvSpPr>
+            <a:spLocks noGrp="1"/>
+          </p:cNvSpPr>
+          <p:nvPr>
+            <p:ph idx="1"/>
+          </p:nvPr>
+        </p:nvSpPr>
+        <p:spPr bwMode="auto">
+          <a:xfrm flipH="0" flipV="0">
+            <a:off x="838198" y="1311775"/>
+            <a:ext cx="10515600" cy="4972759"/>
+          </a:xfrm>
+        </p:spPr>
+        <p:txBody>
+          <a:bodyPr vertOverflow="overflow" horzOverflow="overflow" vert="horz" wrap="square" lIns="91440" tIns="45720" rIns="91440" bIns="45720" numCol="1" spcCol="0" rtlCol="0" fromWordArt="0" anchor="t" anchorCtr="0" forceAA="0" upright="0" compatLnSpc="0">
+            <a:normAutofit/>
+          </a:bodyPr>
+          <a:lstStyle/>
+          <a:p>
+            <a:pPr>
+              <a:defRPr/>
+            </a:pPr>
+            <a:r>
+              <a:rPr lang="ru-RU" sz="1800" b="1" i="0" u="none" strike="noStrike" cap="none" spc="0">
+                <a:solidFill>
+                  <a:schemeClr val="tx1"/>
+                </a:solidFill>
+                <a:latin typeface="Arial"/>
+                <a:ea typeface="Arial"/>
+                <a:cs typeface="Arial"/>
+              </a:rPr>
+              <a:t>BIOS </a:t>
+            </a:r>
+            <a:r>
+              <a:rPr lang="ru-RU" sz="1800" b="0" i="0" u="none" strike="noStrike" cap="none" spc="0">
+                <a:solidFill>
+                  <a:schemeClr val="tx1"/>
+                </a:solidFill>
+                <a:latin typeface="Arial"/>
+                <a:ea typeface="Arial"/>
+                <a:cs typeface="Arial"/>
+              </a:rPr>
+              <a:t>(Basic Input/Output System) и </a:t>
+            </a:r>
+            <a:r>
+              <a:rPr lang="ru-RU" sz="1800" b="1" i="0" u="none" strike="noStrike" cap="none" spc="0">
+                <a:solidFill>
+                  <a:schemeClr val="tx1"/>
+                </a:solidFill>
+                <a:latin typeface="Arial"/>
+                <a:ea typeface="Arial"/>
+                <a:cs typeface="Arial"/>
+              </a:rPr>
+              <a:t>UEFI </a:t>
+            </a:r>
+            <a:r>
+              <a:rPr lang="ru-RU" sz="1800" b="0" i="0" u="none" strike="noStrike" cap="none" spc="0">
+                <a:solidFill>
+                  <a:schemeClr val="tx1"/>
+                </a:solidFill>
+                <a:latin typeface="Arial"/>
+                <a:ea typeface="Arial"/>
+                <a:cs typeface="Arial"/>
+              </a:rPr>
+              <a:t>(Unified Extensible Firmware Interface) – это два различных типа прошивки, которые используются для инициализации аппаратной части компьютера и загрузки операционной системы. </a:t>
+            </a:r>
+            <a:endParaRPr sz="1800" b="0" i="0" u="none" strike="noStrike" cap="none" spc="0">
+              <a:solidFill>
+                <a:schemeClr val="tx1"/>
+              </a:solidFill>
+              <a:latin typeface="Arial"/>
+              <a:ea typeface="Arial"/>
+              <a:cs typeface="Arial"/>
+            </a:endParaRPr>
+          </a:p>
+          <a:p>
+            <a:pPr marL="228600" marR="0" indent="-228600" algn="l">
+              <a:lnSpc>
+                <a:spcPct val="90000"/>
+              </a:lnSpc>
+              <a:spcBef>
+                <a:spcPts val="999"/>
+              </a:spcBef>
+              <a:spcAft>
+                <a:spcPts val="0"/>
+              </a:spcAft>
+              <a:buFont typeface="Arial"/>
+              <a:buChar char="•"/>
+              <a:defRPr/>
+            </a:pPr>
+            <a:r>
+              <a:rPr lang="ru-RU" sz="1800" b="0" i="0" u="none" strike="noStrike" cap="none" spc="0">
+                <a:solidFill>
+                  <a:schemeClr val="tx1"/>
+                </a:solidFill>
+                <a:latin typeface="Arial"/>
+                <a:ea typeface="Arial"/>
+                <a:cs typeface="Arial"/>
+              </a:rPr>
+              <a:t>BIOS существует уже давно и эволюционировал мало. Он появился с выпуском первых ПК в 1980-х. </a:t>
+            </a:r>
+            <a:r>
+              <a:rPr lang="ru-RU" sz="1800" b="0" i="0" u="none" strike="noStrike" cap="none" spc="0">
+                <a:solidFill>
+                  <a:schemeClr val="tx1"/>
+                </a:solidFill>
+                <a:latin typeface="Arial"/>
+                <a:ea typeface="Arial"/>
+                <a:cs typeface="Arial"/>
+              </a:rPr>
+              <a:t>У традиционного BIOS до сих пор есть серьёзные ограничения: проблемы с одновременной загрузкой нескольких устройств, ограничения на размер памяти, плохая защищённость. </a:t>
+            </a:r>
+            <a:endParaRPr lang="ru-RU" sz="1800" b="0" i="0" u="none" strike="noStrike" cap="none" spc="0">
+              <a:solidFill>
+                <a:schemeClr val="tx1"/>
+              </a:solidFill>
+              <a:latin typeface="Arial"/>
+              <a:cs typeface="Arial"/>
+            </a:endParaRPr>
+          </a:p>
+          <a:p>
+            <a:pPr marL="228600" marR="0" indent="-228600" algn="l">
+              <a:lnSpc>
+                <a:spcPct val="90000"/>
+              </a:lnSpc>
+              <a:spcBef>
+                <a:spcPts val="999"/>
+              </a:spcBef>
+              <a:spcAft>
+                <a:spcPts val="0"/>
+              </a:spcAft>
+              <a:buFont typeface="Arial"/>
+              <a:buChar char="•"/>
+              <a:defRPr/>
+            </a:pPr>
+            <a:r>
+              <a:rPr lang="ru-RU" sz="1800" b="0" i="0" u="none" strike="noStrike" cap="none" spc="0">
+                <a:solidFill>
+                  <a:schemeClr val="tx1"/>
+                </a:solidFill>
+                <a:latin typeface="Arial"/>
+                <a:ea typeface="Arial"/>
+                <a:cs typeface="Arial"/>
+              </a:rPr>
+              <a:t>BIOS пора было заменить. Intel начала работу над Extensible Firmware Interface (EFI) ещё в 1998 году. Apple выбрала EFI, перейдя на архитектуру Intel на своих Маках в 2006-м, но другие производители не  пошли за ней.</a:t>
+            </a:r>
+            <a:br>
+              <a:rPr lang="ru-RU" sz="1800" b="0" i="0" u="none" strike="noStrike" cap="none" spc="0">
+                <a:solidFill>
+                  <a:schemeClr val="tx1"/>
+                </a:solidFill>
+                <a:latin typeface="Arial"/>
+                <a:ea typeface="Arial"/>
+                <a:cs typeface="Arial"/>
+              </a:rPr>
+            </a:br>
+            <a:br>
+              <a:rPr lang="ru-RU" sz="1800" b="0" i="0" u="none" strike="noStrike" cap="none" spc="0">
+                <a:solidFill>
+                  <a:schemeClr val="tx1"/>
+                </a:solidFill>
+                <a:latin typeface="Arial"/>
+                <a:ea typeface="Arial"/>
+                <a:cs typeface="Arial"/>
+              </a:rPr>
+            </a:br>
+            <a:r>
+              <a:rPr lang="ru-RU" sz="1800" b="0" i="0" u="none" strike="noStrike" cap="none" spc="0">
+                <a:solidFill>
+                  <a:schemeClr val="tx1"/>
+                </a:solidFill>
+                <a:latin typeface="Arial"/>
+                <a:ea typeface="Arial"/>
+                <a:cs typeface="Arial"/>
+              </a:rPr>
+              <a:t>В 2007 Intel, AMD, Microsoft и производители PC договорились о новой  спецификации Unified Extensible Firmware Interface (UEFI),  унифицированный интерфейс расширяемой прошивки. </a:t>
+            </a:r>
+            <a:r>
+              <a:rPr lang="ru-RU" sz="1800" b="0" i="0" u="none" strike="noStrike" cap="none" spc="0">
+                <a:solidFill>
+                  <a:schemeClr val="tx1"/>
+                </a:solidFill>
+                <a:latin typeface="Arial"/>
+                <a:ea typeface="Arial"/>
+                <a:cs typeface="Arial"/>
+              </a:rPr>
+              <a:t>Поддержка UEFI в ОС Windows появилась с  выходом Windows Vista Service Pack 1 и Windows 7.</a:t>
+            </a:r>
+            <a:r>
+              <a:rPr sz="1800" b="0" i="0" u="none">
+                <a:solidFill>
+                  <a:srgbClr val="000000"/>
+                </a:solidFill>
+                <a:latin typeface="Times New Roman"/>
+                <a:ea typeface="Times New Roman"/>
+                <a:cs typeface="Times New Roman"/>
+              </a:rPr>
+              <a:t> </a:t>
+            </a:r>
+            <a:endParaRPr sz="1800"/>
+          </a:p>
+        </p:txBody>
+      </p:sp>
+    </p:spTree>
+  </p:cSld>
+  <p:clrMapOvr>
+    <a:masterClrMapping/>
+  </p:clrMapOvr>
+  <mc:AlternateContent xmlns:mc="http://schemas.openxmlformats.org/markup-compatibility/2006">
+    <mc:Choice xmlns:p159="http://schemas.microsoft.com/office/powerpoint/2015/09/main" xmlns:p14="http://schemas.microsoft.com/office/powerpoint/2010/main" Requires="p159">
+      <p:transition p14:dur="2000" advClick="1"/>
+    </mc:Choice>
+    <mc:Fallback>
+      <p:transition advClick="1"/>
+    </mc:Fallback>
+  </mc:AlternateContent>
+</p:sld>
+</file>
+
+<file path=ppt/slides/slide5.xml><?xml version="1.0" encoding="utf-8"?>
+<p:sld xmlns:a="http://schemas.openxmlformats.org/drawingml/2006/main" xmlns:r="http://schemas.openxmlformats.org/officeDocument/2006/relationships" xmlns:p="http://schemas.openxmlformats.org/presentationml/2006/main" xmlns:m="http://schemas.openxmlformats.org/officeDocument/2006/math" xmlns:w="http://schemas.openxmlformats.org/wordprocessingml/2006/main" xmlns:mc="http://schemas.openxmlformats.org/markup-compatibility/2006" showMasterPhAnim="0" showMasterSp="1" show="1">
+  <p:cSld name="">
+    <p:spTree>
+      <p:nvGrpSpPr>
+        <p:cNvPr id="1" name=""/>
+        <p:cNvGrpSpPr/>
+        <p:nvPr/>
+      </p:nvGrpSpPr>
+      <p:grpSpPr bwMode="auto">
+        <a:xfrm>
+          <a:off x="0" y="0"/>
+          <a:ext cx="0" cy="0"/>
+          <a:chOff x="0" y="0"/>
+          <a:chExt cx="0" cy="0"/>
+        </a:xfrm>
+      </p:grpSpPr>
+      <p:sp>
+        <p:nvSpPr>
+          <p:cNvPr id="960574471" name="Title 1"/>
+          <p:cNvSpPr>
+            <a:spLocks noGrp="1"/>
+          </p:cNvSpPr>
+          <p:nvPr>
+            <p:ph type="title"/>
+          </p:nvPr>
+        </p:nvSpPr>
+        <p:spPr bwMode="auto">
+          <a:xfrm flipH="0" flipV="0">
+            <a:off x="838198" y="365124"/>
+            <a:ext cx="10515600" cy="595730"/>
+          </a:xfrm>
+        </p:spPr>
+        <p:txBody>
+          <a:bodyPr/>
+          <a:lstStyle/>
+          <a:p>
+            <a:pPr>
+              <a:defRPr/>
+            </a:pPr>
+            <a:r>
+              <a:rPr sz="2400"/>
+              <a:t>Загрузка ОС</a:t>
+            </a:r>
+            <a:endParaRPr sz="2400"/>
+          </a:p>
+        </p:txBody>
+      </p:sp>
+      <p:sp>
+        <p:nvSpPr>
+          <p:cNvPr id="567009593" name="Content Placeholder 2"/>
+          <p:cNvSpPr>
+            <a:spLocks noGrp="1"/>
+          </p:cNvSpPr>
+          <p:nvPr>
+            <p:ph idx="1"/>
+          </p:nvPr>
+        </p:nvSpPr>
+        <p:spPr bwMode="auto">
+          <a:xfrm flipH="0" flipV="0">
+            <a:off x="838198" y="1066286"/>
+            <a:ext cx="10515600" cy="5404821"/>
+          </a:xfrm>
+        </p:spPr>
+        <p:txBody>
+          <a:bodyPr vertOverflow="overflow" horzOverflow="overflow" vert="horz" wrap="square" lIns="91440" tIns="45720" rIns="91440" bIns="45720" numCol="1" spcCol="0" rtlCol="0" fromWordArt="0" anchor="t" anchorCtr="0" forceAA="0" upright="0" compatLnSpc="0">
+            <a:normAutofit/>
+          </a:bodyPr>
+          <a:lstStyle/>
+          <a:p>
+            <a:pPr marL="394023" indent="-394023">
+              <a:buFont typeface="Arial"/>
+              <a:buAutoNum type="arabicPeriod"/>
+              <a:defRPr/>
+            </a:pPr>
+            <a:r>
+              <a:rPr sz="1800"/>
+              <a:t>Инициализация прошивки – BIOS/UEFI.</a:t>
+            </a:r>
+            <a:endParaRPr sz="1800"/>
+          </a:p>
+          <a:p>
+            <a:pPr marL="750015" marR="0" lvl="1" indent="-349965" algn="l" defTabSz="914400">
+              <a:lnSpc>
+                <a:spcPct val="90000"/>
+              </a:lnSpc>
+              <a:spcBef>
+                <a:spcPts val="499"/>
+              </a:spcBef>
+              <a:spcAft>
+                <a:spcPts val="0"/>
+              </a:spcAft>
+              <a:buFont typeface="Arial"/>
+              <a:buAutoNum type="alphaLcPeriod"/>
+              <a:defRPr/>
+            </a:pPr>
+            <a:r>
+              <a:rPr lang="ru-RU" sz="1800" b="0" i="0" u="none" strike="noStrike" cap="none" spc="0">
+                <a:solidFill>
+                  <a:schemeClr val="tx1"/>
+                </a:solidFill>
+                <a:latin typeface="Arial"/>
+                <a:ea typeface="Arial"/>
+                <a:cs typeface="Arial"/>
+              </a:rPr>
+              <a:t>Процессор (CPU) начинает выполнение инструкций с заранее определённого адреса после включения питания.</a:t>
+            </a:r>
+            <a:endParaRPr sz="1800" strike="noStrike" cap="none" spc="0"/>
+          </a:p>
+          <a:p>
+            <a:pPr marL="750015" marR="0" lvl="1" indent="-349965" algn="l" defTabSz="914400">
+              <a:lnSpc>
+                <a:spcPct val="90000"/>
+              </a:lnSpc>
+              <a:spcBef>
+                <a:spcPts val="499"/>
+              </a:spcBef>
+              <a:spcAft>
+                <a:spcPts val="0"/>
+              </a:spcAft>
+              <a:buFont typeface="Arial"/>
+              <a:buAutoNum type="alphaLcPeriod"/>
+              <a:defRPr/>
+            </a:pPr>
+            <a:r>
+              <a:rPr lang="ru-RU" sz="1800" b="0" i="0" u="none" strike="noStrike" cap="none" spc="0">
+                <a:solidFill>
+                  <a:schemeClr val="tx1"/>
+                </a:solidFill>
+                <a:latin typeface="Arial"/>
+                <a:ea typeface="Arial"/>
+                <a:cs typeface="Arial"/>
+              </a:rPr>
+              <a:t>BIOS/UEFI</a:t>
+            </a:r>
+            <a:r>
+              <a:rPr lang="ru-RU" sz="1800" b="0" i="0" u="none" strike="noStrike" cap="none" spc="0">
+                <a:solidFill>
+                  <a:schemeClr val="tx1"/>
+                </a:solidFill>
+                <a:latin typeface="Arial"/>
+                <a:ea typeface="Arial"/>
+                <a:cs typeface="Arial"/>
+              </a:rPr>
+              <a:t> инициализирует базовые компоненты системы, такие как память и периферийные устройства.</a:t>
+            </a:r>
+            <a:endParaRPr sz="1800" b="0" i="0" u="none" strike="noStrike" cap="none" spc="0">
+              <a:solidFill>
+                <a:schemeClr val="tx1"/>
+              </a:solidFill>
+              <a:latin typeface="Arial"/>
+              <a:ea typeface="Arial"/>
+              <a:cs typeface="Arial"/>
+            </a:endParaRPr>
+          </a:p>
+          <a:p>
+            <a:pPr marL="327936" marR="0" lvl="0" indent="-327936" algn="l" defTabSz="914400">
+              <a:lnSpc>
+                <a:spcPct val="90000"/>
+              </a:lnSpc>
+              <a:spcBef>
+                <a:spcPts val="499"/>
+              </a:spcBef>
+              <a:spcAft>
+                <a:spcPts val="0"/>
+              </a:spcAft>
+              <a:buFont typeface="Arial"/>
+              <a:buAutoNum type="arabicPeriod"/>
+              <a:defRPr/>
+            </a:pPr>
+            <a:r>
+              <a:rPr lang="ru-RU" sz="1800" b="0" i="0" u="none" strike="noStrike" cap="none" spc="0">
+                <a:solidFill>
+                  <a:schemeClr val="tx1"/>
+                </a:solidFill>
+                <a:latin typeface="Arial"/>
+                <a:ea typeface="Arial"/>
+                <a:cs typeface="Arial"/>
+              </a:rPr>
+              <a:t>POST (Power-On Self Test)</a:t>
+            </a:r>
+            <a:endParaRPr sz="1800" b="0" i="0" u="none" strike="noStrike" cap="none" spc="0">
+              <a:solidFill>
+                <a:schemeClr val="tx1"/>
+              </a:solidFill>
+              <a:latin typeface="Arial"/>
+              <a:ea typeface="Arial"/>
+              <a:cs typeface="Arial"/>
+            </a:endParaRPr>
+          </a:p>
+          <a:p>
+            <a:pPr marL="683929" marR="0" lvl="1" indent="-283879" algn="l" defTabSz="914400">
+              <a:lnSpc>
+                <a:spcPct val="90000"/>
+              </a:lnSpc>
+              <a:spcBef>
+                <a:spcPts val="499"/>
+              </a:spcBef>
+              <a:spcAft>
+                <a:spcPts val="0"/>
+              </a:spcAft>
+              <a:buFont typeface="Arial"/>
+              <a:buAutoNum type="alphaLcPeriod"/>
+              <a:defRPr/>
+            </a:pPr>
+            <a:r>
+              <a:rPr lang="ru-RU" sz="1800" b="0" i="0" u="none" strike="noStrike" cap="none" spc="0">
+                <a:solidFill>
+                  <a:schemeClr val="tx1"/>
+                </a:solidFill>
+                <a:latin typeface="Arial"/>
+                <a:ea typeface="Arial"/>
+                <a:cs typeface="Arial"/>
+              </a:rPr>
+              <a:t>BIOS/</a:t>
+            </a:r>
+            <a:r>
+              <a:rPr lang="ru-RU" sz="1800" b="0" i="0" u="none" strike="noStrike" cap="none" spc="0">
+                <a:solidFill>
+                  <a:schemeClr val="tx1"/>
+                </a:solidFill>
+                <a:latin typeface="Arial"/>
+                <a:ea typeface="Arial"/>
+                <a:cs typeface="Arial"/>
+              </a:rPr>
+              <a:t>UEFI</a:t>
+            </a:r>
+            <a:r>
+              <a:rPr lang="ru-RU" sz="1800" b="0" i="0" u="none" strike="noStrike" cap="none" spc="0">
+                <a:solidFill>
+                  <a:schemeClr val="tx1"/>
+                </a:solidFill>
+                <a:latin typeface="Arial"/>
+                <a:ea typeface="Arial"/>
+                <a:cs typeface="Arial"/>
+              </a:rPr>
+              <a:t> выполняет тестирование основных компонентов системы (видеоадаптер, ОЗУ, процессор и другие устройства) для проверки их работоспособности.</a:t>
+            </a:r>
+            <a:endParaRPr sz="1800" b="0" i="0" u="none" strike="noStrike" cap="none" spc="0">
+              <a:solidFill>
+                <a:schemeClr val="tx1"/>
+              </a:solidFill>
+              <a:latin typeface="Arial"/>
+              <a:ea typeface="Arial"/>
+              <a:cs typeface="Arial"/>
+            </a:endParaRPr>
+          </a:p>
+          <a:p>
+            <a:pPr marL="683929" marR="0" lvl="1" indent="-283879" algn="l" defTabSz="914400">
+              <a:lnSpc>
+                <a:spcPct val="90000"/>
+              </a:lnSpc>
+              <a:spcBef>
+                <a:spcPts val="499"/>
+              </a:spcBef>
+              <a:spcAft>
+                <a:spcPts val="0"/>
+              </a:spcAft>
+              <a:buFont typeface="Arial"/>
+              <a:buAutoNum type="alphaLcPeriod"/>
+              <a:defRPr/>
+            </a:pPr>
+            <a:r>
+              <a:rPr lang="ru-RU" sz="1800" b="0" i="0" u="none" strike="noStrike" cap="none" spc="0">
+                <a:solidFill>
+                  <a:schemeClr val="tx1"/>
+                </a:solidFill>
+                <a:latin typeface="Arial"/>
+                <a:ea typeface="Arial"/>
+                <a:cs typeface="Arial"/>
+              </a:rPr>
+              <a:t>При успешном завершении POST, BIOS издаёт звуковой сигнал</a:t>
+            </a:r>
+            <a:endParaRPr sz="1800" b="0" i="0" u="none" strike="noStrike" cap="none" spc="0">
+              <a:solidFill>
+                <a:schemeClr val="tx1"/>
+              </a:solidFill>
+              <a:latin typeface="Arial"/>
+              <a:ea typeface="Arial"/>
+              <a:cs typeface="Arial"/>
+            </a:endParaRPr>
+          </a:p>
+          <a:p>
+            <a:pPr marL="327936" marR="0" lvl="0" indent="-327936" algn="l" defTabSz="914400">
+              <a:lnSpc>
+                <a:spcPct val="90000"/>
+              </a:lnSpc>
+              <a:spcBef>
+                <a:spcPts val="499"/>
+              </a:spcBef>
+              <a:spcAft>
+                <a:spcPts val="0"/>
+              </a:spcAft>
+              <a:buFont typeface="Arial"/>
+              <a:buAutoNum type="arabicPeriod"/>
+              <a:defRPr/>
+            </a:pPr>
+            <a:r>
+              <a:rPr lang="ru-RU" sz="1800" b="0" i="0" u="none" strike="noStrike" cap="none" spc="0">
+                <a:solidFill>
+                  <a:schemeClr val="tx1"/>
+                </a:solidFill>
+                <a:latin typeface="Arial"/>
+                <a:ea typeface="Arial"/>
+                <a:cs typeface="Arial"/>
+              </a:rPr>
+              <a:t>Инициализация оборудования</a:t>
+            </a:r>
+            <a:endParaRPr sz="1800" b="0" i="0" u="none" strike="noStrike" cap="none" spc="0">
+              <a:solidFill>
+                <a:schemeClr val="tx1"/>
+              </a:solidFill>
+              <a:latin typeface="Arial"/>
+              <a:ea typeface="Arial"/>
+              <a:cs typeface="Arial"/>
+            </a:endParaRPr>
+          </a:p>
+          <a:p>
+            <a:pPr marL="683929" marR="0" lvl="1" indent="-283879" algn="l" defTabSz="914400">
+              <a:lnSpc>
+                <a:spcPct val="90000"/>
+              </a:lnSpc>
+              <a:spcBef>
+                <a:spcPts val="499"/>
+              </a:spcBef>
+              <a:spcAft>
+                <a:spcPts val="0"/>
+              </a:spcAft>
+              <a:buFont typeface="Arial"/>
+              <a:buAutoNum type="alphaLcPeriod"/>
+              <a:defRPr/>
+            </a:pPr>
+            <a:r>
+              <a:rPr lang="ru-RU" sz="1800" b="0" i="0" u="none" strike="noStrike" cap="none" spc="0">
+                <a:solidFill>
+                  <a:schemeClr val="tx1"/>
+                </a:solidFill>
+                <a:latin typeface="Arial"/>
+                <a:ea typeface="Arial"/>
+                <a:cs typeface="Arial"/>
+              </a:rPr>
+              <a:t>Обнаружение и инициализация всех подключенных устройств (</a:t>
+            </a:r>
+            <a:r>
+              <a:rPr lang="ru-RU" sz="1800" b="0" i="0" u="none" strike="noStrike" cap="none" spc="0">
+                <a:solidFill>
+                  <a:schemeClr val="tx1"/>
+                </a:solidFill>
+                <a:latin typeface="Arial"/>
+                <a:ea typeface="Arial"/>
+                <a:cs typeface="Arial"/>
+              </a:rPr>
+              <a:t>клавиатура, мышь, дисководы, </a:t>
+            </a:r>
+            <a:r>
+              <a:rPr lang="ru-RU" sz="1800" b="1" i="0" u="none" strike="noStrike" cap="none" spc="0">
+                <a:solidFill>
+                  <a:schemeClr val="tx1"/>
+                </a:solidFill>
+                <a:latin typeface="Arial"/>
+                <a:ea typeface="Arial"/>
+                <a:cs typeface="Arial"/>
+              </a:rPr>
+              <a:t>жесткие диски</a:t>
+            </a:r>
+            <a:r>
+              <a:rPr lang="ru-RU" sz="1800" b="0" i="0" u="none" strike="noStrike" cap="none" spc="0">
+                <a:solidFill>
+                  <a:schemeClr val="tx1"/>
+                </a:solidFill>
+                <a:latin typeface="Arial"/>
+                <a:ea typeface="Arial"/>
+                <a:cs typeface="Arial"/>
+              </a:rPr>
+              <a:t> и другие периферийные устройства</a:t>
+            </a:r>
+            <a:r>
+              <a:rPr lang="ru-RU" sz="1800" b="0" i="0" u="none" strike="noStrike" cap="none" spc="0">
+                <a:solidFill>
+                  <a:schemeClr val="tx1"/>
+                </a:solidFill>
+                <a:latin typeface="Arial"/>
+                <a:ea typeface="Arial"/>
+                <a:cs typeface="Arial"/>
+              </a:rPr>
+              <a:t>)</a:t>
+            </a:r>
+            <a:endParaRPr sz="1800" b="0" i="0" u="none" strike="noStrike" cap="none" spc="0">
+              <a:solidFill>
+                <a:schemeClr val="tx1"/>
+              </a:solidFill>
+              <a:latin typeface="Arial"/>
+              <a:ea typeface="Arial"/>
+              <a:cs typeface="Arial"/>
+            </a:endParaRPr>
+          </a:p>
+          <a:p>
+            <a:pPr marL="327936" marR="0" lvl="0" indent="-327936" algn="l" defTabSz="914400">
+              <a:lnSpc>
+                <a:spcPct val="90000"/>
+              </a:lnSpc>
+              <a:spcBef>
+                <a:spcPts val="499"/>
+              </a:spcBef>
+              <a:spcAft>
+                <a:spcPts val="0"/>
+              </a:spcAft>
+              <a:buFont typeface="Arial"/>
+              <a:buAutoNum type="arabicPeriod"/>
+              <a:defRPr/>
+            </a:pPr>
+            <a:r>
+              <a:rPr lang="ru-RU" sz="1800" b="0" i="0" u="none" strike="noStrike" cap="none" spc="0">
+                <a:solidFill>
+                  <a:schemeClr val="tx1"/>
+                </a:solidFill>
+                <a:latin typeface="Arial"/>
+                <a:ea typeface="Arial"/>
+                <a:cs typeface="Arial"/>
+              </a:rPr>
+              <a:t>Boot Manager</a:t>
+            </a:r>
+            <a:endParaRPr sz="1800" b="0" i="0" u="none" strike="noStrike" cap="none" spc="0">
+              <a:solidFill>
+                <a:schemeClr val="tx1"/>
+              </a:solidFill>
+              <a:latin typeface="Arial"/>
+              <a:ea typeface="Arial"/>
+              <a:cs typeface="Arial"/>
+            </a:endParaRPr>
+          </a:p>
+          <a:p>
+            <a:pPr marL="683929" marR="0" lvl="1" indent="-283879" algn="l" defTabSz="914400">
+              <a:lnSpc>
+                <a:spcPct val="90000"/>
+              </a:lnSpc>
+              <a:spcBef>
+                <a:spcPts val="499"/>
+              </a:spcBef>
+              <a:spcAft>
+                <a:spcPts val="0"/>
+              </a:spcAft>
+              <a:buFont typeface="Arial"/>
+              <a:buAutoNum type="alphaLcPeriod"/>
+              <a:defRPr/>
+            </a:pPr>
+            <a:r>
+              <a:rPr lang="ru-RU" sz="1800" b="0" i="0" u="none" strike="noStrike" cap="none" spc="0">
+                <a:solidFill>
+                  <a:schemeClr val="tx1"/>
+                </a:solidFill>
+                <a:latin typeface="Arial"/>
+                <a:ea typeface="Arial"/>
+                <a:cs typeface="Arial"/>
+              </a:rPr>
+              <a:t>Определение порядка загрузки на основе настроек конфигурации, заданных пользователем (диск, флешка и т.д.)</a:t>
+            </a:r>
+            <a:endParaRPr sz="1800" b="0" i="0" u="none" strike="noStrike" cap="none" spc="0">
+              <a:solidFill>
+                <a:schemeClr val="tx1"/>
+              </a:solidFill>
+              <a:latin typeface="Arial"/>
+              <a:ea typeface="Arial"/>
+              <a:cs typeface="Arial"/>
+            </a:endParaRPr>
+          </a:p>
+          <a:p>
+            <a:pPr marL="683929" marR="0" lvl="1" indent="-283879" algn="l" defTabSz="914400">
+              <a:lnSpc>
+                <a:spcPct val="90000"/>
+              </a:lnSpc>
+              <a:spcBef>
+                <a:spcPts val="499"/>
+              </a:spcBef>
+              <a:spcAft>
+                <a:spcPts val="0"/>
+              </a:spcAft>
+              <a:buFont typeface="Arial"/>
+              <a:buAutoNum type="alphaLcPeriod"/>
+              <a:defRPr/>
+            </a:pPr>
+            <a:r>
+              <a:rPr lang="ru-RU" sz="1800" b="0" i="0" u="none" strike="noStrike" cap="none" spc="0">
+                <a:solidFill>
+                  <a:schemeClr val="tx1"/>
+                </a:solidFill>
+                <a:latin typeface="Arial"/>
+                <a:ea typeface="Arial"/>
+                <a:cs typeface="Arial"/>
+              </a:rPr>
+              <a:t>Поиск программы-загрузчика на загрузочном секторе (ESP/1-2 сектор MBR)</a:t>
+            </a:r>
+            <a:endParaRPr lang="ru-RU" sz="1800" b="0" i="0" u="none" strike="noStrike" cap="none" spc="0">
+              <a:solidFill>
+                <a:schemeClr val="tx1"/>
+              </a:solidFill>
+              <a:latin typeface="Arial"/>
+              <a:ea typeface="Arial"/>
+              <a:cs typeface="Arial"/>
+            </a:endParaRPr>
+          </a:p>
+          <a:p>
+            <a:pPr marL="283879" marR="0" lvl="0" indent="-283879" algn="l" defTabSz="914400">
+              <a:lnSpc>
+                <a:spcPct val="90000"/>
+              </a:lnSpc>
+              <a:spcBef>
+                <a:spcPts val="499"/>
+              </a:spcBef>
+              <a:spcAft>
+                <a:spcPts val="0"/>
+              </a:spcAft>
+              <a:buFont typeface="Arial"/>
+              <a:buAutoNum type="arabicPeriod"/>
+              <a:defRPr/>
+            </a:pPr>
+            <a:r>
+              <a:rPr lang="ru-RU" sz="1800" b="0" i="0" u="none" strike="noStrike" cap="none" spc="0">
+                <a:solidFill>
+                  <a:schemeClr val="tx1"/>
+                </a:solidFill>
+                <a:latin typeface="Arial"/>
+                <a:ea typeface="Arial"/>
+                <a:cs typeface="Arial"/>
+              </a:rPr>
+              <a:t>Запуск загрузчика ОС</a:t>
+            </a:r>
+            <a:endParaRPr sz="1800" strike="noStrike" cap="none" spc="0"/>
+          </a:p>
+        </p:txBody>
+      </p:sp>
+    </p:spTree>
+  </p:cSld>
+  <p:clrMapOvr>
+    <a:masterClrMapping/>
+  </p:clrMapOvr>
+  <mc:AlternateContent xmlns:mc="http://schemas.openxmlformats.org/markup-compatibility/2006">
+    <mc:Choice xmlns:p159="http://schemas.microsoft.com/office/powerpoint/2015/09/main" xmlns:p14="http://schemas.microsoft.com/office/powerpoint/2010/main" Requires="p159">
+      <p:transition p14:dur="2000" advClick="1"/>
+    </mc:Choice>
+    <mc:Fallback>
+      <p:transition advClick="1"/>
+    </mc:Fallback>
+  </mc:AlternateContent>
+</p:sld>
+</file>
+
+<file path=ppt/slides/slide6.xml><?xml version="1.0" encoding="utf-8"?>
+<p:sld xmlns:a="http://schemas.openxmlformats.org/drawingml/2006/main" xmlns:r="http://schemas.openxmlformats.org/officeDocument/2006/relationships" xmlns:p="http://schemas.openxmlformats.org/presentationml/2006/main" xmlns:m="http://schemas.openxmlformats.org/officeDocument/2006/math" xmlns:w="http://schemas.openxmlformats.org/wordprocessingml/2006/main" xmlns:mc="http://schemas.openxmlformats.org/markup-compatibility/2006" showMasterPhAnim="0" showMasterSp="1" show="1">
+  <p:cSld name="">
+    <p:spTree>
+      <p:nvGrpSpPr>
+        <p:cNvPr id="1" name=""/>
+        <p:cNvGrpSpPr/>
+        <p:nvPr/>
+      </p:nvGrpSpPr>
+      <p:grpSpPr bwMode="auto">
+        <a:xfrm>
+          <a:off x="0" y="0"/>
+          <a:ext cx="0" cy="0"/>
+          <a:chOff x="0" y="0"/>
+          <a:chExt cx="0" cy="0"/>
+        </a:xfrm>
+      </p:grpSpPr>
+      <p:sp>
+        <p:nvSpPr>
+          <p:cNvPr id="1595017968" name="Content Placeholder 2"/>
+          <p:cNvSpPr>
+            <a:spLocks noGrp="1"/>
+          </p:cNvSpPr>
+          <p:nvPr>
+            <p:ph idx="1"/>
+          </p:nvPr>
+        </p:nvSpPr>
+        <p:spPr bwMode="auto">
+          <a:xfrm flipH="0" flipV="0">
+            <a:off x="838198" y="484605"/>
+            <a:ext cx="10515600" cy="5692357"/>
+          </a:xfrm>
+        </p:spPr>
+        <p:txBody>
+          <a:bodyPr vertOverflow="overflow" horzOverflow="overflow" vert="horz" wrap="square" lIns="91440" tIns="45720" rIns="91440" bIns="45720" numCol="1" spcCol="0" rtlCol="0" fromWordArt="0" anchor="t" anchorCtr="0" forceAA="0" upright="0" compatLnSpc="0">
+            <a:normAutofit/>
+          </a:bodyPr>
+          <a:lstStyle/>
+          <a:p>
+            <a:pPr marL="0" indent="0">
+              <a:buFont typeface="Arial"/>
+              <a:buNone/>
+              <a:defRPr/>
+            </a:pPr>
+            <a:r>
+              <a:rPr lang="ru-RU" sz="1800" b="1" i="0" u="none" strike="noStrike" cap="none" spc="0">
+                <a:solidFill>
+                  <a:schemeClr val="tx1"/>
+                </a:solidFill>
+                <a:latin typeface="Arial"/>
+                <a:ea typeface="Arial"/>
+                <a:cs typeface="Arial"/>
+              </a:rPr>
+              <a:t>Операционная система</a:t>
+            </a:r>
+            <a:r>
+              <a:rPr lang="ru-RU" sz="1800" b="0" i="0" u="none" strike="noStrike" cap="none" spc="0">
+                <a:solidFill>
+                  <a:schemeClr val="tx1"/>
+                </a:solidFill>
+                <a:latin typeface="Arial"/>
+                <a:ea typeface="Arial"/>
+                <a:cs typeface="Arial"/>
+              </a:rPr>
+              <a:t> представляет собой совокупность взаимосвязанных программ, </a:t>
+            </a:r>
+            <a:r>
+              <a:rPr lang="ru-RU" sz="1800" b="0" i="0" u="none" strike="noStrike" cap="none" spc="0">
+                <a:solidFill>
+                  <a:schemeClr val="tx1"/>
+                </a:solidFill>
+                <a:latin typeface="Arial"/>
+                <a:ea typeface="Arial"/>
+                <a:cs typeface="Arial"/>
+              </a:rPr>
+              <a:t>координирующих действия вычислительной машины; под ее управлением </a:t>
+            </a:r>
+            <a:r>
+              <a:rPr lang="ru-RU" sz="1800" b="0" i="0" u="none" strike="noStrike" cap="none" spc="0">
+                <a:solidFill>
+                  <a:schemeClr val="tx1"/>
+                </a:solidFill>
+                <a:latin typeface="Arial"/>
+                <a:ea typeface="Arial"/>
+                <a:cs typeface="Arial"/>
+              </a:rPr>
+              <a:t>осуществляется выполнение программ.</a:t>
+            </a:r>
+            <a:endParaRPr sz="1800" b="0" i="0" u="none" strike="noStrike" cap="none" spc="0">
+              <a:solidFill>
+                <a:schemeClr val="tx1"/>
+              </a:solidFill>
+              <a:latin typeface="Arial"/>
+              <a:ea typeface="Arial"/>
+              <a:cs typeface="Arial"/>
+            </a:endParaRPr>
+          </a:p>
+          <a:p>
+            <a:pPr marL="0" indent="0">
+              <a:buFont typeface="Arial"/>
+              <a:buNone/>
+              <a:defRPr/>
+            </a:pPr>
+            <a:endParaRPr sz="1800" b="0" i="0" u="none" strike="noStrike" cap="none" spc="0">
+              <a:solidFill>
+                <a:schemeClr val="tx1"/>
+              </a:solidFill>
+              <a:latin typeface="Arial"/>
+              <a:ea typeface="Arial"/>
+              <a:cs typeface="Arial"/>
+            </a:endParaRPr>
+          </a:p>
+          <a:p>
+            <a:pPr marL="0" marR="0" indent="0" algn="l">
+              <a:lnSpc>
+                <a:spcPct val="89000"/>
+              </a:lnSpc>
+              <a:spcBef>
+                <a:spcPts val="999"/>
+              </a:spcBef>
+              <a:spcAft>
+                <a:spcPts val="0"/>
+              </a:spcAft>
+              <a:buFont typeface="Arial"/>
+              <a:buNone/>
+              <a:defRPr/>
+            </a:pPr>
+            <a:r>
+              <a:rPr lang="ru-RU" sz="1800" b="0" i="0" u="none" strike="noStrike" cap="none" spc="0">
+                <a:solidFill>
+                  <a:schemeClr val="tx1"/>
+                </a:solidFill>
+                <a:latin typeface="Arial"/>
+                <a:ea typeface="Arial"/>
+                <a:cs typeface="Arial"/>
+              </a:rPr>
+              <a:t>Основная функция операционной системы — исполнять прикладные программы и </a:t>
+            </a:r>
+            <a:r>
+              <a:rPr lang="ru-RU" sz="1800" b="0" i="0" u="none" strike="noStrike" cap="none" spc="0">
+                <a:solidFill>
+                  <a:schemeClr val="tx1"/>
+                </a:solidFill>
+                <a:latin typeface="Arial"/>
+                <a:ea typeface="Arial"/>
+                <a:cs typeface="Arial"/>
+              </a:rPr>
+              <a:t>предоставлять интерфейс между программами и аппаратурой.</a:t>
+            </a:r>
+            <a:endParaRPr sz="1800" b="0" i="0" u="none" strike="noStrike" cap="none" spc="0">
+              <a:solidFill>
+                <a:schemeClr val="tx1"/>
+              </a:solidFill>
+              <a:latin typeface="Arial"/>
+              <a:cs typeface="Arial"/>
+            </a:endParaRPr>
+          </a:p>
+          <a:p>
+            <a:pPr marL="0" marR="0" indent="0" algn="l">
+              <a:lnSpc>
+                <a:spcPct val="89000"/>
+              </a:lnSpc>
+              <a:spcBef>
+                <a:spcPts val="999"/>
+              </a:spcBef>
+              <a:spcAft>
+                <a:spcPts val="0"/>
+              </a:spcAft>
+              <a:buFont typeface="Arial"/>
+              <a:buNone/>
+              <a:defRPr/>
+            </a:pPr>
+            <a:endParaRPr sz="1800" b="0" i="0" u="none" strike="noStrike" cap="none" spc="0">
+              <a:solidFill>
+                <a:schemeClr val="tx1"/>
+              </a:solidFill>
+              <a:latin typeface="Arial"/>
+              <a:cs typeface="Arial"/>
+            </a:endParaRPr>
+          </a:p>
+          <a:p>
+            <a:pPr marL="0" marR="0" indent="0" algn="l">
+              <a:lnSpc>
+                <a:spcPct val="89000"/>
+              </a:lnSpc>
+              <a:spcBef>
+                <a:spcPts val="999"/>
+              </a:spcBef>
+              <a:spcAft>
+                <a:spcPts val="0"/>
+              </a:spcAft>
+              <a:buFont typeface="Arial"/>
+              <a:buNone/>
+              <a:defRPr/>
+            </a:pPr>
+            <a:r>
+              <a:rPr lang="ru-RU" sz="1800" b="0" i="0" u="none" strike="noStrike" cap="none" spc="0">
+                <a:solidFill>
+                  <a:schemeClr val="tx1"/>
+                </a:solidFill>
+                <a:latin typeface="Arial"/>
+                <a:ea typeface="Arial"/>
+                <a:cs typeface="Arial"/>
+              </a:rPr>
+              <a:t>Немного подробнее:</a:t>
+            </a:r>
+            <a:endParaRPr sz="1800" b="0" i="0" u="none" strike="noStrike" cap="none" spc="0">
+              <a:solidFill>
+                <a:schemeClr val="tx1"/>
+              </a:solidFill>
+              <a:latin typeface="Arial"/>
+              <a:cs typeface="Arial"/>
+            </a:endParaRPr>
+          </a:p>
+          <a:p>
+            <a:pPr>
+              <a:defRPr/>
+            </a:pPr>
+            <a:r>
+              <a:rPr lang="ru-RU" sz="1800" b="0" i="0" u="none" strike="noStrike" cap="none" spc="0">
+                <a:solidFill>
+                  <a:schemeClr val="tx1"/>
+                </a:solidFill>
+                <a:latin typeface="Arial"/>
+                <a:ea typeface="Arial"/>
+                <a:cs typeface="Arial"/>
+              </a:rPr>
+              <a:t>осуществление диалога с пользователем;</a:t>
+            </a:r>
+            <a:endParaRPr sz="1800" b="0" i="0" u="none" strike="noStrike" cap="none" spc="0">
+              <a:solidFill>
+                <a:schemeClr val="tx1"/>
+              </a:solidFill>
+              <a:latin typeface="Arial"/>
+              <a:cs typeface="Arial"/>
+            </a:endParaRPr>
+          </a:p>
+          <a:p>
+            <a:pPr>
+              <a:defRPr/>
+            </a:pPr>
+            <a:r>
+              <a:rPr lang="ru-RU" sz="1800" b="0" i="0" u="none" strike="noStrike" cap="none" spc="0">
+                <a:solidFill>
+                  <a:schemeClr val="tx1"/>
+                </a:solidFill>
+                <a:latin typeface="Arial"/>
+                <a:ea typeface="Arial"/>
+                <a:cs typeface="Arial"/>
+              </a:rPr>
+              <a:t>ввод-вывод и управление данными;</a:t>
+            </a:r>
+            <a:endParaRPr sz="1800" b="0" i="0" u="none" strike="noStrike" cap="none" spc="0">
+              <a:solidFill>
+                <a:schemeClr val="tx1"/>
+              </a:solidFill>
+              <a:latin typeface="Arial"/>
+              <a:cs typeface="Arial"/>
+            </a:endParaRPr>
+          </a:p>
+          <a:p>
+            <a:pPr>
+              <a:defRPr/>
+            </a:pPr>
+            <a:r>
+              <a:rPr lang="ru-RU" sz="1800" b="0" i="0" u="none" strike="noStrike" cap="none" spc="0">
+                <a:solidFill>
+                  <a:schemeClr val="tx1"/>
+                </a:solidFill>
+                <a:latin typeface="Arial"/>
+                <a:ea typeface="Arial"/>
+                <a:cs typeface="Arial"/>
+              </a:rPr>
+              <a:t>запуск, планирование и организация процесса обработки программ;</a:t>
+            </a:r>
+            <a:endParaRPr sz="1800" b="0" i="0" u="none" strike="noStrike" cap="none" spc="0">
+              <a:solidFill>
+                <a:schemeClr val="tx1"/>
+              </a:solidFill>
+              <a:latin typeface="Arial"/>
+              <a:cs typeface="Arial"/>
+            </a:endParaRPr>
+          </a:p>
+          <a:p>
+            <a:pPr>
+              <a:defRPr/>
+            </a:pPr>
+            <a:r>
+              <a:rPr lang="ru-RU" sz="1800" b="0" i="0" u="none" strike="noStrike" cap="none" spc="0">
+                <a:solidFill>
+                  <a:schemeClr val="tx1"/>
+                </a:solidFill>
+                <a:latin typeface="Arial"/>
+                <a:ea typeface="Arial"/>
+                <a:cs typeface="Arial"/>
+              </a:rPr>
+              <a:t>распределение ресурсов (оперативной памяти, процессора, внешних устройств);</a:t>
+            </a:r>
+            <a:endParaRPr sz="1800" b="0" i="0" u="none" strike="noStrike" cap="none" spc="0">
+              <a:solidFill>
+                <a:schemeClr val="tx1"/>
+              </a:solidFill>
+              <a:latin typeface="Arial"/>
+              <a:cs typeface="Arial"/>
+            </a:endParaRPr>
+          </a:p>
+          <a:p>
+            <a:pPr>
+              <a:defRPr/>
+            </a:pPr>
+            <a:r>
+              <a:rPr lang="ru-RU" sz="1800" b="0" i="0" u="none" strike="noStrike" cap="none" spc="0">
+                <a:solidFill>
+                  <a:schemeClr val="tx1"/>
+                </a:solidFill>
+                <a:latin typeface="Arial"/>
+                <a:ea typeface="Arial"/>
+                <a:cs typeface="Arial"/>
+              </a:rPr>
+              <a:t>передача информации между различными внутренними устройствами;</a:t>
+            </a:r>
+            <a:endParaRPr sz="1800" b="0" i="0" u="none" strike="noStrike" cap="none" spc="0">
+              <a:solidFill>
+                <a:schemeClr val="tx1"/>
+              </a:solidFill>
+              <a:latin typeface="Arial"/>
+              <a:cs typeface="Arial"/>
+            </a:endParaRPr>
+          </a:p>
+          <a:p>
+            <a:pPr>
+              <a:defRPr/>
+            </a:pPr>
+            <a:r>
+              <a:rPr lang="ru-RU" sz="1800" b="0" i="0" u="none" strike="noStrike" cap="none" spc="0">
+                <a:solidFill>
+                  <a:schemeClr val="tx1"/>
+                </a:solidFill>
+                <a:latin typeface="Arial"/>
+                <a:ea typeface="Arial"/>
+                <a:cs typeface="Arial"/>
+              </a:rPr>
+              <a:t>программная поддержка работы периферийных устройств</a:t>
+            </a:r>
+            <a:r>
+              <a:rPr lang="ru-RU" sz="1800" b="0" i="0" u="none" strike="noStrike" cap="none" spc="0">
+                <a:solidFill>
+                  <a:schemeClr val="tx1"/>
+                </a:solidFill>
+                <a:latin typeface="Arial"/>
+                <a:ea typeface="Arial"/>
+                <a:cs typeface="Arial"/>
+              </a:rPr>
+              <a:t>.</a:t>
+            </a:r>
+            <a:endParaRPr sz="1800" b="0" i="0" u="none" strike="noStrike" cap="none" spc="0">
+              <a:solidFill>
+                <a:schemeClr val="tx1"/>
+              </a:solidFill>
+              <a:latin typeface="Arial"/>
+              <a:cs typeface="Arial"/>
+            </a:endParaRPr>
+          </a:p>
+        </p:txBody>
+      </p:sp>
+    </p:spTree>
+  </p:cSld>
+  <p:clrMapOvr>
+    <a:masterClrMapping/>
+  </p:clrMapOvr>
+  <mc:AlternateContent xmlns:mc="http://schemas.openxmlformats.org/markup-compatibility/2006">
+    <mc:Choice xmlns:p159="http://schemas.microsoft.com/office/powerpoint/2015/09/main" xmlns:p14="http://schemas.microsoft.com/office/powerpoint/2010/main" Requires="p159">
+      <p:transition p14:dur="2000" advClick="1"/>
+    </mc:Choice>
+    <mc:Fallback>
+      <p:transition advClick="1"/>
+    </mc:Fallback>
+  </mc:AlternateContent>
+</p:sld>
+</file>
+
+<file path=ppt/slides/slide7.xml><?xml version="1.0" encoding="utf-8"?>
+<p:sld xmlns:a="http://schemas.openxmlformats.org/drawingml/2006/main" xmlns:r="http://schemas.openxmlformats.org/officeDocument/2006/relationships" xmlns:p="http://schemas.openxmlformats.org/presentationml/2006/main" xmlns:m="http://schemas.openxmlformats.org/officeDocument/2006/math" xmlns:w="http://schemas.openxmlformats.org/wordprocessingml/2006/main" xmlns:mc="http://schemas.openxmlformats.org/markup-compatibility/2006" showMasterPhAnim="0" showMasterSp="1" show="1">
+  <p:cSld name="">
+    <p:spTree>
+      <p:nvGrpSpPr>
+        <p:cNvPr id="1" name=""/>
+        <p:cNvGrpSpPr/>
+        <p:nvPr/>
+      </p:nvGrpSpPr>
+      <p:grpSpPr bwMode="auto">
+        <a:xfrm>
+          <a:off x="0" y="0"/>
+          <a:ext cx="0" cy="0"/>
+          <a:chOff x="0" y="0"/>
+          <a:chExt cx="0" cy="0"/>
+        </a:xfrm>
+      </p:grpSpPr>
+      <p:sp>
+        <p:nvSpPr>
+          <p:cNvPr id="1415980093" name="Title 1"/>
+          <p:cNvSpPr>
+            <a:spLocks noGrp="1"/>
+          </p:cNvSpPr>
+          <p:nvPr>
+            <p:ph type="title"/>
+          </p:nvPr>
+        </p:nvSpPr>
+        <p:spPr bwMode="auto">
+          <a:xfrm flipH="0" flipV="0">
+            <a:off x="838198" y="365124"/>
+            <a:ext cx="10515600" cy="687637"/>
+          </a:xfrm>
+        </p:spPr>
+        <p:txBody>
+          <a:bodyPr/>
+          <a:lstStyle/>
+          <a:p>
+            <a:pPr>
+              <a:defRPr/>
+            </a:pPr>
+            <a:r>
+              <a:rPr sz="2400"/>
+              <a:t>Из чего состоит ОС?</a:t>
+            </a:r>
+            <a:endParaRPr sz="2400"/>
+          </a:p>
+        </p:txBody>
+      </p:sp>
+      <p:sp>
+        <p:nvSpPr>
+          <p:cNvPr id="2145770124" name="Content Placeholder 2"/>
+          <p:cNvSpPr>
+            <a:spLocks noGrp="1"/>
+          </p:cNvSpPr>
+          <p:nvPr>
+            <p:ph idx="1"/>
+          </p:nvPr>
+        </p:nvSpPr>
+        <p:spPr bwMode="auto">
+          <a:xfrm flipH="0" flipV="0">
+            <a:off x="838198" y="1311776"/>
+            <a:ext cx="10515600" cy="4865186"/>
+          </a:xfrm>
+        </p:spPr>
+        <p:txBody>
+          <a:bodyPr vertOverflow="overflow" horzOverflow="overflow" vert="horz" wrap="square" lIns="91440" tIns="45720" rIns="91440" bIns="45720" numCol="1" spcCol="0" rtlCol="0" fromWordArt="0" anchor="t" anchorCtr="0" forceAA="0" upright="0" compatLnSpc="0">
+            <a:normAutofit/>
+          </a:bodyPr>
+          <a:lstStyle/>
+          <a:p>
+            <a:pPr marL="0" indent="0">
+              <a:buFont typeface="Arial"/>
+              <a:buNone/>
+              <a:defRPr/>
+            </a:pPr>
+            <a:r>
+              <a:rPr lang="ru-RU" sz="1800" b="1" i="0" u="none" strike="noStrike" cap="none" spc="0">
+                <a:solidFill>
+                  <a:schemeClr val="tx1"/>
+                </a:solidFill>
+                <a:latin typeface="Arial"/>
+                <a:ea typeface="Arial"/>
+                <a:cs typeface="Arial"/>
+              </a:rPr>
+              <a:t>1. Загрузчик ОС</a:t>
+            </a:r>
+            <a:r>
+              <a:rPr lang="ru-RU" sz="1800" b="0" i="0" u="none" strike="noStrike" cap="none" spc="0">
+                <a:solidFill>
+                  <a:schemeClr val="tx1"/>
+                </a:solidFill>
+                <a:latin typeface="Arial"/>
+                <a:ea typeface="Arial"/>
+                <a:cs typeface="Arial"/>
+              </a:rPr>
+              <a:t>. Программа, которая загружает файлы операционной системы, когда </a:t>
+            </a:r>
+            <a:r>
+              <a:rPr lang="ru-RU" sz="1800" b="0" i="0" u="none" strike="noStrike" cap="none" spc="0">
+                <a:solidFill>
+                  <a:schemeClr val="tx1"/>
+                </a:solidFill>
+                <a:latin typeface="Arial"/>
+                <a:ea typeface="Arial"/>
+                <a:cs typeface="Arial"/>
+              </a:rPr>
+              <a:t>пользователь запускает компьютер. </a:t>
+            </a:r>
+            <a:endParaRPr sz="1800" b="0" i="0" u="none" strike="noStrike" cap="none" spc="0">
+              <a:solidFill>
+                <a:schemeClr val="tx1"/>
+              </a:solidFill>
+              <a:latin typeface="Arial"/>
+              <a:cs typeface="Arial"/>
+            </a:endParaRPr>
+          </a:p>
+          <a:p>
+            <a:pPr marL="0" indent="0">
+              <a:buFont typeface="Arial"/>
+              <a:buNone/>
+              <a:defRPr/>
+            </a:pPr>
+            <a:r>
+              <a:rPr lang="ru-RU" sz="1800" b="1" i="0" u="none" strike="noStrike" cap="none" spc="0">
+                <a:solidFill>
+                  <a:schemeClr val="tx1"/>
+                </a:solidFill>
+                <a:latin typeface="Arial"/>
+                <a:ea typeface="Arial"/>
+                <a:cs typeface="Arial"/>
+              </a:rPr>
+              <a:t>2. Ядро ОС</a:t>
+            </a:r>
+            <a:r>
+              <a:rPr lang="ru-RU" sz="1800" b="0" i="0" u="none" strike="noStrike" cap="none" spc="0">
+                <a:solidFill>
+                  <a:schemeClr val="tx1"/>
+                </a:solidFill>
+                <a:latin typeface="Arial"/>
+                <a:ea typeface="Arial"/>
+                <a:cs typeface="Arial"/>
+              </a:rPr>
+              <a:t>. В ОС выделяется некоторая часть важных модулей, которые должны </a:t>
+            </a:r>
+            <a:r>
+              <a:rPr lang="ru-RU" sz="1800" b="0" i="0" u="none" strike="noStrike" cap="none" spc="0">
+                <a:solidFill>
+                  <a:schemeClr val="tx1"/>
+                </a:solidFill>
+                <a:latin typeface="Arial"/>
+                <a:ea typeface="Arial"/>
+                <a:cs typeface="Arial"/>
+              </a:rPr>
+              <a:t>постоянно находиться в оперативной памяти для более эффективной организации </a:t>
+            </a:r>
+            <a:r>
+              <a:rPr lang="ru-RU" sz="1800" b="0" i="0" u="none" strike="noStrike" cap="none" spc="0">
+                <a:solidFill>
+                  <a:schemeClr val="tx1"/>
+                </a:solidFill>
+                <a:latin typeface="Arial"/>
+                <a:ea typeface="Arial"/>
+                <a:cs typeface="Arial"/>
+              </a:rPr>
+              <a:t>вычислительного процесса. Эту часть в ОС называют ядром.</a:t>
+            </a:r>
+            <a:endParaRPr sz="1800" b="0" i="0" u="none" strike="noStrike" cap="none" spc="0">
+              <a:solidFill>
+                <a:schemeClr val="tx1"/>
+              </a:solidFill>
+              <a:latin typeface="Arial"/>
+              <a:cs typeface="Arial"/>
+            </a:endParaRPr>
+          </a:p>
+          <a:p>
+            <a:pPr marL="0" indent="0">
+              <a:buFont typeface="Arial"/>
+              <a:buNone/>
+              <a:defRPr/>
+            </a:pPr>
+            <a:r>
+              <a:rPr lang="ru-RU" sz="1800" b="1" i="0" u="none" strike="noStrike" cap="none" spc="0">
+                <a:solidFill>
+                  <a:schemeClr val="tx1"/>
+                </a:solidFill>
+                <a:latin typeface="Arial"/>
+                <a:ea typeface="Arial"/>
+                <a:cs typeface="Arial"/>
+              </a:rPr>
+              <a:t>3. Драйверы</a:t>
+            </a:r>
+            <a:r>
+              <a:rPr lang="ru-RU" sz="1800" b="0" i="0" u="none" strike="noStrike" cap="none" spc="0">
+                <a:solidFill>
+                  <a:schemeClr val="tx1"/>
+                </a:solidFill>
+                <a:latin typeface="Arial"/>
+                <a:ea typeface="Arial"/>
+                <a:cs typeface="Arial"/>
+              </a:rPr>
+              <a:t>. Дополнительный софт для управления устройствами, которые подключают </a:t>
+            </a:r>
+            <a:r>
+              <a:rPr lang="ru-RU" sz="1800" b="0" i="0" u="none" strike="noStrike" cap="none" spc="0">
+                <a:solidFill>
+                  <a:schemeClr val="tx1"/>
+                </a:solidFill>
+                <a:latin typeface="Arial"/>
+                <a:ea typeface="Arial"/>
+                <a:cs typeface="Arial"/>
+              </a:rPr>
+              <a:t>к ПК. </a:t>
+            </a:r>
+            <a:endParaRPr sz="1800" b="0" i="0" u="none" strike="noStrike" cap="none" spc="0">
+              <a:solidFill>
+                <a:schemeClr val="tx1"/>
+              </a:solidFill>
+              <a:latin typeface="Arial"/>
+              <a:cs typeface="Arial"/>
+            </a:endParaRPr>
+          </a:p>
+          <a:p>
+            <a:pPr marL="0" indent="0">
+              <a:buFont typeface="Arial"/>
+              <a:buNone/>
+              <a:defRPr/>
+            </a:pPr>
+            <a:r>
+              <a:rPr lang="ru-RU" sz="1800" b="1" i="0" u="none" strike="noStrike" cap="none" spc="0">
+                <a:solidFill>
+                  <a:schemeClr val="tx1"/>
+                </a:solidFill>
+                <a:latin typeface="Arial"/>
+                <a:ea typeface="Arial"/>
+                <a:cs typeface="Arial"/>
+              </a:rPr>
+              <a:t>4. Командный процессор</a:t>
+            </a:r>
+            <a:r>
+              <a:rPr lang="ru-RU" sz="1800" b="0" i="0" u="none" strike="noStrike" cap="none" spc="0">
+                <a:solidFill>
+                  <a:schemeClr val="tx1"/>
+                </a:solidFill>
+                <a:latin typeface="Arial"/>
+                <a:ea typeface="Arial"/>
+                <a:cs typeface="Arial"/>
+              </a:rPr>
+              <a:t>. Передает действия пользователя компьютеру (ЭВМ), чтобы тот </a:t>
+            </a:r>
+            <a:r>
+              <a:rPr lang="ru-RU" sz="1800" b="0" i="0" u="none" strike="noStrike" cap="none" spc="0">
+                <a:solidFill>
+                  <a:schemeClr val="tx1"/>
+                </a:solidFill>
+                <a:latin typeface="Arial"/>
+                <a:ea typeface="Arial"/>
+                <a:cs typeface="Arial"/>
+              </a:rPr>
+              <a:t>их обработал.</a:t>
+            </a:r>
+            <a:endParaRPr sz="1800" b="0" i="0" u="none" strike="noStrike" cap="none" spc="0">
+              <a:solidFill>
+                <a:schemeClr val="tx1"/>
+              </a:solidFill>
+              <a:latin typeface="Arial"/>
+              <a:cs typeface="Arial"/>
+            </a:endParaRPr>
+          </a:p>
+          <a:p>
+            <a:pPr marL="0" indent="0">
+              <a:buFont typeface="Arial"/>
+              <a:buNone/>
+              <a:defRPr/>
+            </a:pPr>
+            <a:r>
+              <a:rPr lang="ru-RU" sz="1800" b="1" i="0" u="none" strike="noStrike" cap="none" spc="0">
+                <a:solidFill>
+                  <a:schemeClr val="tx1"/>
+                </a:solidFill>
+                <a:latin typeface="Arial"/>
+                <a:ea typeface="Arial"/>
+                <a:cs typeface="Arial"/>
+              </a:rPr>
+              <a:t>5. Пользовательский интерфейс</a:t>
+            </a:r>
+            <a:r>
+              <a:rPr lang="ru-RU" sz="1800" b="0" i="0" u="none" strike="noStrike" cap="none" spc="0">
+                <a:solidFill>
+                  <a:schemeClr val="tx1"/>
+                </a:solidFill>
+                <a:latin typeface="Arial"/>
+                <a:ea typeface="Arial"/>
+                <a:cs typeface="Arial"/>
+              </a:rPr>
+              <a:t>. Графический или консольный.</a:t>
+            </a:r>
+            <a:endParaRPr sz="1800"/>
+          </a:p>
+        </p:txBody>
+      </p:sp>
+    </p:spTree>
+  </p:cSld>
+  <p:clrMapOvr>
+    <a:masterClrMapping/>
+  </p:clrMapOvr>
+  <mc:AlternateContent xmlns:mc="http://schemas.openxmlformats.org/markup-compatibility/2006">
+    <mc:Choice xmlns:p159="http://schemas.microsoft.com/office/powerpoint/2015/09/main" xmlns:p14="http://schemas.microsoft.com/office/powerpoint/2010/main" Requires="p159">
+      <p:transition p14:dur="2000" advClick="1"/>
+    </mc:Choice>
+    <mc:Fallback>
+      <p:transition advClick="1"/>
+    </mc:Fallback>
+  </mc:AlternateContent>
+</p:sld>
+</file>
+
+<file path=ppt/slides/slide8.xml><?xml version="1.0" encoding="utf-8"?>
+<p:sld xmlns:a="http://schemas.openxmlformats.org/drawingml/2006/main" xmlns:r="http://schemas.openxmlformats.org/officeDocument/2006/relationships" xmlns:p="http://schemas.openxmlformats.org/presentationml/2006/main" xmlns:m="http://schemas.openxmlformats.org/officeDocument/2006/math" xmlns:w="http://schemas.openxmlformats.org/wordprocessingml/2006/main" xmlns:mc="http://schemas.openxmlformats.org/markup-compatibility/2006" showMasterPhAnim="0" showMasterSp="1" show="1">
+  <p:cSld name="">
+    <p:spTree>
+      <p:nvGrpSpPr>
+        <p:cNvPr id="1" name=""/>
+        <p:cNvGrpSpPr/>
+        <p:nvPr/>
+      </p:nvGrpSpPr>
+      <p:grpSpPr bwMode="auto">
+        <a:xfrm>
+          <a:off x="0" y="0"/>
+          <a:ext cx="0" cy="0"/>
+          <a:chOff x="0" y="0"/>
+          <a:chExt cx="0" cy="0"/>
+        </a:xfrm>
+      </p:grpSpPr>
+      <p:sp>
+        <p:nvSpPr>
+          <p:cNvPr id="2059392791" name="Title 1"/>
+          <p:cNvSpPr>
+            <a:spLocks noGrp="1"/>
+          </p:cNvSpPr>
+          <p:nvPr>
+            <p:ph type="title"/>
+          </p:nvPr>
+        </p:nvSpPr>
+        <p:spPr bwMode="auto">
+          <a:xfrm flipH="0" flipV="0">
+            <a:off x="838198" y="365124"/>
+            <a:ext cx="10515600" cy="734668"/>
+          </a:xfrm>
+        </p:spPr>
+        <p:txBody>
+          <a:bodyPr/>
+          <a:lstStyle/>
+          <a:p>
+            <a:pPr>
+              <a:defRPr/>
+            </a:pPr>
+            <a:r>
+              <a:rPr sz="2400"/>
+              <a:t>Что делает загрузчик ОС?</a:t>
+            </a:r>
+            <a:endParaRPr sz="2400"/>
+          </a:p>
+        </p:txBody>
+      </p:sp>
+      <p:sp>
+        <p:nvSpPr>
+          <p:cNvPr id="1151710882" name="Content Placeholder 2"/>
+          <p:cNvSpPr>
+            <a:spLocks noGrp="1"/>
+          </p:cNvSpPr>
+          <p:nvPr>
+            <p:ph idx="1"/>
+          </p:nvPr>
+        </p:nvSpPr>
+        <p:spPr bwMode="auto">
+          <a:xfrm>
+            <a:off x="838198" y="1305186"/>
+            <a:ext cx="10515600" cy="4351338"/>
+          </a:xfrm>
+        </p:spPr>
+        <p:txBody>
+          <a:bodyPr vertOverflow="overflow" horzOverflow="overflow" vert="horz" wrap="square" lIns="91440" tIns="45720" rIns="91440" bIns="45720" numCol="1" spcCol="0" rtlCol="0" fromWordArt="0" anchor="t" anchorCtr="0" forceAA="0" upright="0" compatLnSpc="0">
+            <a:normAutofit/>
+          </a:bodyPr>
+          <a:lstStyle/>
+          <a:p>
+            <a:pPr marL="349965" indent="-349965">
+              <a:buFont typeface="Arial"/>
+              <a:buAutoNum type="arabicPeriod"/>
+              <a:defRPr/>
+            </a:pPr>
+            <a:r>
+              <a:rPr lang="ru-RU" sz="1800" b="0" i="0" u="none" strike="noStrike" cap="none" spc="0">
+                <a:solidFill>
+                  <a:schemeClr val="tx1"/>
+                </a:solidFill>
+                <a:latin typeface="Arial"/>
+                <a:ea typeface="Arial"/>
+                <a:cs typeface="Arial"/>
+              </a:rPr>
+              <a:t>Загрузка операционной системы:</a:t>
+            </a:r>
+            <a:endParaRPr sz="1800" b="0" i="0" u="none" strike="noStrike" cap="none" spc="0">
+              <a:solidFill>
+                <a:schemeClr val="tx1"/>
+              </a:solidFill>
+              <a:latin typeface="Arial"/>
+              <a:ea typeface="Arial"/>
+              <a:cs typeface="Arial"/>
+            </a:endParaRPr>
+          </a:p>
+          <a:p>
+            <a:pPr>
+              <a:buFont typeface="Arial"/>
+              <a:buChar char="–"/>
+              <a:defRPr/>
+            </a:pPr>
+            <a:r>
+              <a:rPr lang="ru-RU" sz="1800" b="0" i="0" u="none" strike="noStrike" cap="none" spc="0">
+                <a:solidFill>
+                  <a:schemeClr val="tx1"/>
+                </a:solidFill>
+                <a:latin typeface="Arial"/>
+                <a:ea typeface="Arial"/>
+                <a:cs typeface="Arial"/>
+              </a:rPr>
+              <a:t>Загрузчик загружает ядро операционной системы в память.</a:t>
+            </a:r>
+            <a:endParaRPr sz="1800" b="0" i="0" u="none" strike="noStrike" cap="none" spc="0">
+              <a:solidFill>
+                <a:schemeClr val="tx1"/>
+              </a:solidFill>
+              <a:latin typeface="Arial"/>
+              <a:cs typeface="Arial"/>
+            </a:endParaRPr>
+          </a:p>
+          <a:p>
+            <a:pPr>
+              <a:buFont typeface="Arial"/>
+              <a:buChar char="–"/>
+              <a:defRPr/>
+            </a:pPr>
+            <a:r>
+              <a:rPr lang="ru-RU" sz="1800" b="0" i="0" u="none" strike="noStrike" cap="none" spc="0">
+                <a:solidFill>
+                  <a:schemeClr val="tx1"/>
+                </a:solidFill>
+                <a:latin typeface="Arial"/>
+                <a:ea typeface="Arial"/>
+                <a:cs typeface="Arial"/>
+              </a:rPr>
+              <a:t>Ядро инициализирует более высокоуровневое взаимодействие с аппаратной частью и начинает загрузку необходимых драйверов и сервисов.</a:t>
+            </a:r>
+            <a:endParaRPr lang="ru-RU" sz="1800" b="0" i="0" u="none" strike="noStrike" cap="none" spc="0">
+              <a:solidFill>
+                <a:schemeClr val="tx1"/>
+              </a:solidFill>
+              <a:latin typeface="Arial"/>
+              <a:ea typeface="Arial"/>
+              <a:cs typeface="Arial"/>
+            </a:endParaRPr>
+          </a:p>
+          <a:p>
+            <a:pPr marL="0" indent="0">
+              <a:buFont typeface="Arial"/>
+              <a:buNone/>
+              <a:defRPr/>
+            </a:pPr>
+            <a:endParaRPr lang="ru-RU" sz="1800" b="0" i="0" u="none" strike="noStrike" cap="none" spc="0">
+              <a:solidFill>
+                <a:schemeClr val="tx1"/>
+              </a:solidFill>
+              <a:latin typeface="Arial"/>
+              <a:ea typeface="Arial"/>
+              <a:cs typeface="Arial"/>
+            </a:endParaRPr>
+          </a:p>
+          <a:p>
+            <a:pPr marL="349965" marR="0" indent="-349965" algn="l" defTabSz="914400">
+              <a:lnSpc>
+                <a:spcPct val="87000"/>
+              </a:lnSpc>
+              <a:spcBef>
+                <a:spcPts val="999"/>
+              </a:spcBef>
+              <a:spcAft>
+                <a:spcPts val="0"/>
+              </a:spcAft>
+              <a:buFont typeface="Arial"/>
+              <a:buAutoNum type="arabicPeriod" startAt="2"/>
+              <a:defRPr/>
+            </a:pPr>
+            <a:r>
+              <a:rPr lang="ru-RU" sz="1800" b="0" i="0" u="none" strike="noStrike" cap="none" spc="0">
+                <a:solidFill>
+                  <a:schemeClr val="tx1"/>
+                </a:solidFill>
+                <a:latin typeface="Arial"/>
+                <a:ea typeface="Arial"/>
+                <a:cs typeface="Arial"/>
+              </a:rPr>
+              <a:t>Инициализация ОС:</a:t>
+            </a:r>
+            <a:endParaRPr sz="1800" b="0" i="0" u="none" strike="noStrike" cap="none" spc="0">
+              <a:solidFill>
+                <a:schemeClr val="tx1"/>
+              </a:solidFill>
+              <a:latin typeface="Arial"/>
+              <a:cs typeface="Arial"/>
+            </a:endParaRPr>
+          </a:p>
+          <a:p>
+            <a:pPr>
+              <a:buFont typeface="Arial"/>
+              <a:buChar char="–"/>
+              <a:defRPr/>
+            </a:pPr>
+            <a:r>
+              <a:rPr lang="ru-RU" sz="1800" b="0" i="0" u="none" strike="noStrike" cap="none" spc="0">
+                <a:solidFill>
+                  <a:schemeClr val="tx1"/>
+                </a:solidFill>
+                <a:latin typeface="Arial"/>
+                <a:ea typeface="Arial"/>
+                <a:cs typeface="Arial"/>
+              </a:rPr>
+              <a:t>Операционная система завершает процесс загрузки, что включает инициализацию всех необходимых компонентов, служб и драйверов.</a:t>
+            </a:r>
+            <a:endParaRPr sz="1800" b="0" i="0" u="none" strike="noStrike" cap="none" spc="0">
+              <a:solidFill>
+                <a:schemeClr val="tx1"/>
+              </a:solidFill>
+              <a:latin typeface="Arial"/>
+              <a:ea typeface="Arial"/>
+              <a:cs typeface="Arial"/>
+            </a:endParaRPr>
+          </a:p>
+          <a:p>
+            <a:pPr>
+              <a:buFont typeface="Arial"/>
+              <a:buChar char="–"/>
+              <a:defRPr/>
+            </a:pPr>
+            <a:r>
+              <a:rPr lang="ru-RU" sz="1800" b="0" i="0" u="none" strike="noStrike" cap="none" spc="0">
+                <a:solidFill>
+                  <a:schemeClr val="tx1"/>
+                </a:solidFill>
+                <a:latin typeface="Arial"/>
+                <a:ea typeface="Arial"/>
+                <a:cs typeface="Arial"/>
+              </a:rPr>
+              <a:t>Загружается пользовательский интерфейс</a:t>
+            </a:r>
+            <a:endParaRPr lang="ru-RU" sz="1800" b="0" i="0" u="none" strike="noStrike" cap="none" spc="0">
+              <a:solidFill>
+                <a:schemeClr val="tx1"/>
+              </a:solidFill>
+              <a:latin typeface="Arial"/>
+              <a:ea typeface="Arial"/>
+              <a:cs typeface="Arial"/>
+            </a:endParaRPr>
+          </a:p>
+          <a:p>
+            <a:pPr>
+              <a:buFont typeface="Arial"/>
+              <a:buChar char="–"/>
+              <a:defRPr/>
+            </a:pPr>
+            <a:r>
+              <a:rPr lang="ru-RU" sz="1800" b="0" i="0" u="none" strike="noStrike" cap="none" spc="0">
+                <a:solidFill>
+                  <a:schemeClr val="tx1"/>
+                </a:solidFill>
+                <a:latin typeface="Arial"/>
+                <a:ea typeface="Arial"/>
+                <a:cs typeface="Arial"/>
+              </a:rPr>
+              <a:t>Система готова к работе, а пользователь получает доступ к среде операционной системы.</a:t>
+            </a:r>
+            <a:endParaRPr lang="ru-RU" sz="1800" b="0" i="0" u="none" strike="noStrike" cap="none" spc="0">
+              <a:solidFill>
+                <a:schemeClr val="tx1"/>
+              </a:solidFill>
+              <a:latin typeface="Arial"/>
+              <a:ea typeface="Arial"/>
+              <a:cs typeface="Arial"/>
+            </a:endParaRPr>
+          </a:p>
+        </p:txBody>
+      </p:sp>
+    </p:spTree>
+  </p:cSld>
+  <p:clrMapOvr>
+    <a:masterClrMapping/>
+  </p:clrMapOvr>
+  <mc:AlternateContent xmlns:mc="http://schemas.openxmlformats.org/markup-compatibility/2006">
+    <mc:Choice xmlns:p159="http://schemas.microsoft.com/office/powerpoint/2015/09/main" xmlns:p14="http://schemas.microsoft.com/office/powerpoint/2010/main" Requires="p159">
+      <p:transition p14:dur="2000" advClick="1"/>
+    </mc:Choice>
+    <mc:Fallback>
+      <p:transition advClick="1"/>
+    </mc:Fallback>
+  </mc:AlternateContent>
+</p:sld>
+</file>
+
+<file path=ppt/slides/slide9.xml><?xml version="1.0" encoding="utf-8"?>
+<p:sld xmlns:a="http://schemas.openxmlformats.org/drawingml/2006/main" xmlns:r="http://schemas.openxmlformats.org/officeDocument/2006/relationships" xmlns:p="http://schemas.openxmlformats.org/presentationml/2006/main" xmlns:m="http://schemas.openxmlformats.org/officeDocument/2006/math" xmlns:w="http://schemas.openxmlformats.org/wordprocessingml/2006/main" xmlns:mc="http://schemas.openxmlformats.org/markup-compatibility/2006" showMasterPhAnim="0" showMasterSp="1" show="1">
+  <p:cSld name="">
+    <p:spTree>
+      <p:nvGrpSpPr>
+        <p:cNvPr id="1" name=""/>
+        <p:cNvGrpSpPr/>
+        <p:nvPr/>
+      </p:nvGrpSpPr>
+      <p:grpSpPr bwMode="auto">
+        <a:xfrm>
+          <a:off x="0" y="0"/>
+          <a:ext cx="0" cy="0"/>
+          <a:chOff x="0" y="0"/>
+          <a:chExt cx="0" cy="0"/>
+        </a:xfrm>
+      </p:grpSpPr>
+      <p:sp>
+        <p:nvSpPr>
+          <p:cNvPr id="903307430" name="Title 1"/>
+          <p:cNvSpPr>
+            <a:spLocks noGrp="1"/>
+          </p:cNvSpPr>
+          <p:nvPr>
+            <p:ph type="title"/>
+          </p:nvPr>
+        </p:nvSpPr>
+        <p:spPr bwMode="auto">
+          <a:xfrm flipH="0" flipV="0">
+            <a:off x="838198" y="365124"/>
+            <a:ext cx="10515600" cy="607014"/>
+          </a:xfrm>
+        </p:spPr>
+        <p:txBody>
+          <a:bodyPr/>
+          <a:lstStyle/>
+          <a:p>
+            <a:pPr>
+              <a:defRPr/>
+            </a:pPr>
+            <a:r>
+              <a:rPr sz="2400"/>
+              <a:t>BIOS или UEFI?</a:t>
+            </a:r>
+            <a:endParaRPr sz="2400"/>
+          </a:p>
+        </p:txBody>
+      </p:sp>
+      <p:graphicFrame>
+        <p:nvGraphicFramePr>
+          <p:cNvPr id="22777433" name=""/>
+          <p:cNvGraphicFramePr>
+            <a:graphicFrameLocks xmlns:a="http://schemas.openxmlformats.org/drawingml/2006/main"/>
+          </p:cNvGraphicFramePr>
+          <p:nvPr/>
+        </p:nvGraphicFramePr>
+        <p:xfrm>
+          <a:off x="838198" y="1705465"/>
+          <a:ext cx="10455625" cy="3219449"/>
+        </p:xfrm>
+        <a:graphic>
+          <a:graphicData uri="http://schemas.openxmlformats.org/drawingml/2006/table">
+            <a:tbl>
+              <a:tblPr firstRow="1" firstCol="0" lastRow="0" lastCol="0" bandRow="1" bandCol="0">
+                <a:tableStyleId>{5940675A-B579-460E-94D1-54222C63F5DA}</a:tableStyleId>
+              </a:tblPr>
+              <a:tblGrid>
+                <a:gridCol w="5218287"/>
+                <a:gridCol w="5218287"/>
+              </a:tblGrid>
+              <a:tr h="365760">
+                <a:tc>
+                  <a:txBody>
+                    <a:bodyPr/>
+                    <a:p>
+                      <a:pPr>
+                        <a:defRPr/>
+                      </a:pPr>
+                      <a:r>
+                        <a:rPr/>
+                        <a:t>BIOS</a:t>
+                      </a:r>
+                      <a:endParaRPr/>
+                    </a:p>
+                  </a:txBody>
+                  <a:tcPr>
+                    <a:lnL w="19049" algn="ctr">
+                      <a:solidFill>
+                        <a:srgbClr val="000000"/>
+                      </a:solidFill>
+                    </a:lnL>
+                    <a:lnR w="19049" algn="ctr">
+                      <a:solidFill>
+                        <a:srgbClr val="000000"/>
+                      </a:solidFill>
+                    </a:lnR>
+                    <a:lnT w="19049" algn="ctr">
+                      <a:solidFill>
+                        <a:srgbClr val="000000"/>
+                      </a:solidFill>
+                    </a:lnT>
+                    <a:lnB w="19049" algn="ctr">
+                      <a:solidFill>
+                        <a:srgbClr val="000000"/>
+                      </a:solidFill>
+                    </a:lnB>
+                  </a:tcPr>
+                </a:tc>
+                <a:tc>
+                  <a:txBody>
+                    <a:bodyPr/>
+                    <a:p>
+                      <a:pPr>
+                        <a:defRPr/>
+                      </a:pPr>
+                      <a:r>
+                        <a:rPr/>
+                        <a:t>UEFI</a:t>
+                      </a:r>
+                      <a:endParaRPr/>
+                    </a:p>
+                  </a:txBody>
+                  <a:tcPr>
+                    <a:lnL w="19049" algn="ctr">
+                      <a:solidFill>
+                        <a:srgbClr val="000000"/>
+                      </a:solidFill>
+                    </a:lnL>
+                    <a:lnR w="19049" algn="ctr">
+                      <a:solidFill>
+                        <a:srgbClr val="000000"/>
+                      </a:solidFill>
+                    </a:lnR>
+                    <a:lnT w="19049" algn="ctr">
+                      <a:solidFill>
+                        <a:srgbClr val="000000"/>
+                      </a:solidFill>
+                    </a:lnT>
+                    <a:lnB w="19049" algn="ctr">
+                      <a:solidFill>
+                        <a:srgbClr val="000000"/>
+                      </a:solidFill>
+                    </a:lnB>
+                  </a:tcPr>
+                </a:tc>
+              </a:tr>
+              <a:tr h="365760">
+                <a:tc>
+                  <a:txBody>
+                    <a:bodyPr/>
+                    <a:p>
+                      <a:pPr>
+                        <a:defRPr/>
+                      </a:pPr>
+                      <a:r>
+                        <a:rPr/>
+                        <a:t>До 4 разделов, &lt;= 2ТБ каждый</a:t>
+                      </a:r>
+                      <a:endParaRPr/>
+                    </a:p>
+                  </a:txBody>
+                  <a:tcPr>
+                    <a:lnL w="19049" algn="ctr">
+                      <a:solidFill>
+                        <a:srgbClr val="000000"/>
+                      </a:solidFill>
+                    </a:lnL>
+                    <a:lnR w="19049" algn="ctr">
+                      <a:solidFill>
+                        <a:srgbClr val="000000"/>
+                      </a:solidFill>
+                    </a:lnR>
+                    <a:lnT w="19049" algn="ctr">
+                      <a:solidFill>
+                        <a:srgbClr val="000000"/>
+                      </a:solidFill>
+                    </a:lnT>
+                    <a:lnB w="19049" algn="ctr">
+                      <a:solidFill>
+                        <a:srgbClr val="000000"/>
+                      </a:solidFill>
+                    </a:lnB>
+                  </a:tcPr>
+                </a:tc>
+                <a:tc>
+                  <a:txBody>
+                    <a:bodyPr/>
+                    <a:p>
+                      <a:pPr marL="0" marR="0" indent="0" algn="l">
+                        <a:lnSpc>
+                          <a:spcPct val="100000"/>
+                        </a:lnSpc>
+                        <a:spcBef>
+                          <a:spcPts val="0"/>
+                        </a:spcBef>
+                        <a:spcAft>
+                          <a:spcPts val="0"/>
+                        </a:spcAft>
+                        <a:defRPr/>
+                      </a:pPr>
+                      <a:r>
+                        <a:rPr/>
+                        <a:t>До 128 раздел</a:t>
+                      </a:r>
+                      <a:r>
+                        <a:rPr lang="ru-RU" sz="1800" b="0" i="0" u="none" strike="noStrike" cap="none" spc="0">
+                          <a:solidFill>
+                            <a:schemeClr val="dk1"/>
+                          </a:solidFill>
+                          <a:latin typeface="Arial"/>
+                          <a:ea typeface="Arial"/>
+                          <a:cs typeface="Arial"/>
+                        </a:rPr>
+                        <a:t>ов, </a:t>
+                      </a:r>
+                      <a:r>
+                        <a:rPr lang="ru-RU" sz="1800" b="0" i="0" u="none" strike="noStrike" cap="none" spc="0">
+                          <a:solidFill>
+                            <a:schemeClr val="dk1"/>
+                          </a:solidFill>
+                          <a:latin typeface="Arial"/>
+                          <a:ea typeface="Arial"/>
+                          <a:cs typeface="Arial"/>
+                        </a:rPr>
+                        <a:t>~ до 18,8 млн ТБ каждый</a:t>
+                      </a:r>
+                      <a:endParaRPr/>
+                    </a:p>
+                  </a:txBody>
+                  <a:tcPr>
+                    <a:lnL w="19049" algn="ctr">
+                      <a:solidFill>
+                        <a:srgbClr val="000000"/>
+                      </a:solidFill>
+                    </a:lnL>
+                    <a:lnR w="19049" algn="ctr">
+                      <a:solidFill>
+                        <a:srgbClr val="000000"/>
+                      </a:solidFill>
+                    </a:lnR>
+                    <a:lnT w="19049" algn="ctr">
+                      <a:solidFill>
+                        <a:srgbClr val="000000"/>
+                      </a:solidFill>
+                    </a:lnT>
+                    <a:lnB w="19049" algn="ctr">
+                      <a:solidFill>
+                        <a:srgbClr val="000000"/>
+                      </a:solidFill>
+                    </a:lnB>
+                  </a:tcPr>
+                </a:tc>
+              </a:tr>
+              <a:tr h="365760">
+                <a:tc>
+                  <a:txBody>
+                    <a:bodyPr/>
+                    <a:p>
+                      <a:pPr>
+                        <a:defRPr/>
+                      </a:pPr>
+                      <a:r>
+                        <a:rPr/>
+                        <a:t>Средства защиты: пароль</a:t>
+                      </a:r>
+                      <a:endParaRPr/>
+                    </a:p>
+                  </a:txBody>
+                  <a:tcPr>
+                    <a:lnL w="19049" algn="ctr">
+                      <a:solidFill>
+                        <a:srgbClr val="000000"/>
+                      </a:solidFill>
+                    </a:lnL>
+                    <a:lnR w="19049" algn="ctr">
+                      <a:solidFill>
+                        <a:srgbClr val="000000"/>
+                      </a:solidFill>
+                    </a:lnR>
+                    <a:lnT w="19049" algn="ctr">
+                      <a:solidFill>
+                        <a:srgbClr val="000000"/>
+                      </a:solidFill>
+                    </a:lnT>
+                    <a:lnB w="19049" algn="ctr">
+                      <a:solidFill>
+                        <a:srgbClr val="000000"/>
+                      </a:solidFill>
+                    </a:lnB>
+                  </a:tcPr>
+                </a:tc>
+                <a:tc>
+                  <a:txBody>
+                    <a:bodyPr/>
+                    <a:p>
+                      <a:pPr>
+                        <a:defRPr/>
+                      </a:pPr>
+                      <a:r>
+                        <a:rPr lang="ru-RU" sz="1800" b="0" i="0" u="none" strike="noStrike" cap="none" spc="0">
+                          <a:solidFill>
+                            <a:schemeClr val="dk1"/>
+                          </a:solidFill>
+                          <a:latin typeface="Arial"/>
+                          <a:ea typeface="Arial"/>
+                          <a:cs typeface="Arial"/>
+                        </a:rPr>
+                        <a:t>Secure Boot</a:t>
+                      </a:r>
+                      <a:r>
+                        <a:rPr/>
+                        <a:t>: </a:t>
+                      </a:r>
+                      <a:r>
+                        <a:rPr lang="ru-RU" sz="1800" b="0" i="0" u="none" strike="noStrike" cap="none" spc="0">
+                          <a:solidFill>
+                            <a:schemeClr val="dk1"/>
+                          </a:solidFill>
+                          <a:latin typeface="Arial"/>
+                          <a:ea typeface="Arial"/>
+                          <a:cs typeface="Arial"/>
+                        </a:rPr>
+                        <a:t>предотвращает запуск несанкционированных загрузчиков (</a:t>
+                      </a:r>
+                      <a:r>
+                        <a:rPr lang="ru-RU" sz="1800" b="0" i="0" u="none" strike="noStrike" cap="none" spc="0">
+                          <a:solidFill>
+                            <a:schemeClr val="dk1"/>
+                          </a:solidFill>
+                          <a:latin typeface="Arial"/>
+                          <a:ea typeface="Arial"/>
+                          <a:cs typeface="Arial"/>
+                        </a:rPr>
+                        <a:t>проверка цифровых подписей для загрузочных модулей</a:t>
+                      </a:r>
+                      <a:r>
+                        <a:rPr lang="ru-RU" sz="1800" b="0" i="0" u="none" strike="noStrike" cap="none" spc="0">
+                          <a:solidFill>
+                            <a:schemeClr val="dk1"/>
+                          </a:solidFill>
+                          <a:latin typeface="Arial"/>
+                          <a:ea typeface="Arial"/>
+                          <a:cs typeface="Arial"/>
+                        </a:rPr>
+                        <a:t>)</a:t>
+                      </a:r>
+                      <a:endParaRPr/>
+                    </a:p>
+                  </a:txBody>
+                  <a:tcPr>
+                    <a:lnL w="19049" algn="ctr">
+                      <a:solidFill>
+                        <a:srgbClr val="000000"/>
+                      </a:solidFill>
+                    </a:lnL>
+                    <a:lnR w="19049" algn="ctr">
+                      <a:solidFill>
+                        <a:srgbClr val="000000"/>
+                      </a:solidFill>
+                    </a:lnR>
+                    <a:lnT w="19049" algn="ctr">
+                      <a:solidFill>
+                        <a:srgbClr val="000000"/>
+                      </a:solidFill>
+                    </a:lnT>
+                    <a:lnB w="19049" algn="ctr">
+                      <a:solidFill>
+                        <a:srgbClr val="000000"/>
+                      </a:solidFill>
+                    </a:lnB>
+                  </a:tcPr>
+                </a:tc>
+              </a:tr>
+              <a:tr h="365760">
+                <a:tc>
+                  <a:txBody>
+                    <a:bodyPr/>
+                    <a:p>
+                      <a:pPr>
+                        <a:defRPr/>
+                      </a:pPr>
+                      <a:r>
+                        <a:rPr/>
+                        <a:t>Нет параллельной загрузки устройств</a:t>
+                      </a:r>
+                      <a:endParaRPr/>
+                    </a:p>
+                  </a:txBody>
+                  <a:tcPr>
+                    <a:lnL w="19049" algn="ctr">
+                      <a:solidFill>
+                        <a:srgbClr val="000000"/>
+                      </a:solidFill>
+                    </a:lnL>
+                    <a:lnR w="19049" algn="ctr">
+                      <a:solidFill>
+                        <a:srgbClr val="000000"/>
+                      </a:solidFill>
+                    </a:lnR>
+                    <a:lnT w="19049" algn="ctr">
+                      <a:solidFill>
+                        <a:srgbClr val="000000"/>
+                      </a:solidFill>
+                    </a:lnT>
+                    <a:lnB w="19049" algn="ctr">
+                      <a:solidFill>
+                        <a:srgbClr val="000000"/>
+                      </a:solidFill>
+                    </a:lnB>
+                  </a:tcPr>
+                </a:tc>
+                <a:tc>
+                  <a:txBody>
+                    <a:bodyPr/>
+                    <a:p>
+                      <a:pPr>
+                        <a:defRPr/>
+                      </a:pPr>
+                      <a:r>
+                        <a:rPr lang="ru-RU" sz="1800" b="0" i="0" u="none" strike="noStrike" cap="none" spc="0">
+                          <a:solidFill>
+                            <a:schemeClr val="dk1"/>
+                          </a:solidFill>
+                          <a:latin typeface="Arial"/>
+                          <a:ea typeface="Arial"/>
+                          <a:cs typeface="Arial"/>
+                        </a:rPr>
+                        <a:t>Поддержка параллельной инициализации устройств</a:t>
+                      </a:r>
+                      <a:endParaRPr/>
+                    </a:p>
+                  </a:txBody>
+                  <a:tcPr>
+                    <a:lnL w="19049" algn="ctr">
+                      <a:solidFill>
+                        <a:srgbClr val="000000"/>
+                      </a:solidFill>
+                    </a:lnL>
+                    <a:lnR w="19049" algn="ctr">
+                      <a:solidFill>
+                        <a:srgbClr val="000000"/>
+                      </a:solidFill>
+                    </a:lnR>
+                    <a:lnT w="19049" algn="ctr">
+                      <a:solidFill>
+                        <a:srgbClr val="000000"/>
+                      </a:solidFill>
+                    </a:lnT>
+                    <a:lnB w="19049" algn="ctr">
+                      <a:solidFill>
+                        <a:srgbClr val="000000"/>
+                      </a:solidFill>
+                    </a:lnB>
+                  </a:tcPr>
+                </a:tc>
+              </a:tr>
+              <a:tr h="365760">
+                <a:tc>
+                  <a:txBody>
+                    <a:bodyPr/>
+                    <a:p>
+                      <a:pPr>
+                        <a:defRPr/>
+                      </a:pPr>
+                      <a:r>
+                        <a:rPr/>
+                        <a:t>Практически не поддерживается современным железом</a:t>
+                      </a:r>
+                      <a:endParaRPr/>
+                    </a:p>
+                  </a:txBody>
+                  <a:tcPr>
+                    <a:lnL w="19049" algn="ctr">
+                      <a:solidFill>
+                        <a:srgbClr val="000000"/>
+                      </a:solidFill>
+                    </a:lnL>
+                    <a:lnR w="19049" algn="ctr">
+                      <a:solidFill>
+                        <a:srgbClr val="000000"/>
+                      </a:solidFill>
+                    </a:lnR>
+                    <a:lnT w="19049" algn="ctr">
+                      <a:solidFill>
+                        <a:srgbClr val="000000"/>
+                      </a:solidFill>
+                    </a:lnT>
+                    <a:lnB w="19049" algn="ctr">
+                      <a:solidFill>
+                        <a:srgbClr val="000000"/>
+                      </a:solidFill>
+                    </a:lnB>
+                  </a:tcPr>
+                </a:tc>
+                <a:tc>
+                  <a:txBody>
+                    <a:bodyPr/>
+                    <a:p>
+                      <a:pPr>
+                        <a:defRPr/>
+                      </a:pPr>
+                      <a:r>
+                        <a:rPr/>
+                        <a:t>Поддержка последних технологий</a:t>
+                      </a:r>
+                      <a:endParaRPr/>
+                    </a:p>
+                  </a:txBody>
+                  <a:tcPr>
+                    <a:lnL w="19049" algn="ctr">
+                      <a:solidFill>
+                        <a:srgbClr val="000000"/>
+                      </a:solidFill>
+                    </a:lnL>
+                    <a:lnR w="19049" algn="ctr">
+                      <a:solidFill>
+                        <a:srgbClr val="000000"/>
+                      </a:solidFill>
+                    </a:lnR>
+                    <a:lnT w="19049" algn="ctr">
+                      <a:solidFill>
+                        <a:srgbClr val="000000"/>
+                      </a:solidFill>
+                    </a:lnT>
+                    <a:lnB w="19049" algn="ctr">
+                      <a:solidFill>
+                        <a:srgbClr val="000000"/>
+                      </a:solidFill>
+                    </a:lnB>
+                  </a:tcPr>
+                </a:tc>
+              </a:tr>
+            </a:tbl>
+          </a:graphicData>
+        </a:graphic>
+      </p:graphicFrame>
     </p:spTree>
   </p:cSld>
   <p:clrMapOvr>
